--- a/Slides/Lesson 2.3 The Interaction Scale.pptx
+++ b/Slides/Lesson 2.3 The Interaction Scale.pptx
@@ -288,7 +288,7 @@
           <a:p>
             <a:fld id="{7C7E5181-6CF5-45F7-A87A-E0E0B1FD7549}" type="datetimeFigureOut">
               <a:rPr lang="en-US" smtClean="0"/>
-              <a:t>1/13/2022</a:t>
+              <a:t>1/23/2022</a:t>
             </a:fld>
             <a:endParaRPr lang="en-US"/>
           </a:p>
@@ -3976,7 +3976,7 @@
           <a:p>
             <a:fld id="{5D2A64DE-480B-420F-9649-4F8E696E08E0}" type="datetime1">
               <a:rPr lang="en-US" smtClean="0"/>
-              <a:t>1/13/2022</a:t>
+              <a:t>1/23/2022</a:t>
             </a:fld>
             <a:endParaRPr lang="en-US"/>
           </a:p>
@@ -4300,7 +4300,7 @@
           <a:p>
             <a:fld id="{EA476A42-A091-4468-A075-64A31BE59948}" type="datetime1">
               <a:rPr lang="en-US" smtClean="0"/>
-              <a:t>1/13/2022</a:t>
+              <a:t>1/23/2022</a:t>
             </a:fld>
             <a:endParaRPr lang="en-US"/>
           </a:p>
@@ -4498,7 +4498,7 @@
           <a:p>
             <a:fld id="{0D3616D0-8311-4107-9726-6B805E7D05BA}" type="datetime1">
               <a:rPr lang="en-US" smtClean="0"/>
-              <a:t>1/13/2022</a:t>
+              <a:t>1/23/2022</a:t>
             </a:fld>
             <a:endParaRPr lang="en-US"/>
           </a:p>
@@ -4706,7 +4706,7 @@
           <a:p>
             <a:fld id="{3BC2557A-5C88-417A-A763-5AC779462A5F}" type="datetime1">
               <a:rPr lang="en-US" smtClean="0"/>
-              <a:t>1/13/2022</a:t>
+              <a:t>1/23/2022</a:t>
             </a:fld>
             <a:endParaRPr lang="en-US"/>
           </a:p>
@@ -5230,7 +5230,7 @@
           <a:p>
             <a:fld id="{07C7BFD4-467E-4EDE-93EA-052F5B39A4E5}" type="datetime1">
               <a:rPr lang="en-US" smtClean="0"/>
-              <a:t>1/13/2022</a:t>
+              <a:t>1/23/2022</a:t>
             </a:fld>
             <a:endParaRPr lang="en-US"/>
           </a:p>
@@ -5480,7 +5480,7 @@
           <a:p>
             <a:fld id="{07C7BFD4-467E-4EDE-93EA-052F5B39A4E5}" type="datetime1">
               <a:rPr lang="en-US" smtClean="0"/>
-              <a:t>1/13/2022</a:t>
+              <a:t>1/23/2022</a:t>
             </a:fld>
             <a:endParaRPr lang="en-US"/>
           </a:p>
@@ -5662,7 +5662,7 @@
           <a:p>
             <a:fld id="{109E55A0-C911-4F03-82FC-7E5926047D46}" type="datetime1">
               <a:rPr lang="en-US" smtClean="0"/>
-              <a:t>1/13/2022</a:t>
+              <a:t>1/23/2022</a:t>
             </a:fld>
             <a:endParaRPr lang="en-US"/>
           </a:p>
@@ -5975,7 +5975,7 @@
           <a:p>
             <a:fld id="{A533CBE2-D5BE-47AC-ADC2-9CDFC1D0CF90}" type="datetime1">
               <a:rPr lang="en-US" smtClean="0"/>
-              <a:t>1/13/2022</a:t>
+              <a:t>1/23/2022</a:t>
             </a:fld>
             <a:endParaRPr lang="en-US"/>
           </a:p>
@@ -6276,7 +6276,7 @@
           <a:p>
             <a:fld id="{39B7EDB1-CE74-4951-85A2-0B01C2128E28}" type="datetime1">
               <a:rPr lang="en-US" smtClean="0"/>
-              <a:t>1/13/2022</a:t>
+              <a:t>1/23/2022</a:t>
             </a:fld>
             <a:endParaRPr lang="en-US"/>
           </a:p>
@@ -6724,7 +6724,7 @@
           <a:p>
             <a:fld id="{2BC7EB92-A5C2-4807-A9DC-9EDE6CBFB241}" type="datetime1">
               <a:rPr lang="en-US" smtClean="0"/>
-              <a:t>1/13/2022</a:t>
+              <a:t>1/23/2022</a:t>
             </a:fld>
             <a:endParaRPr lang="en-US"/>
           </a:p>
@@ -6837,7 +6837,7 @@
           <a:p>
             <a:fld id="{2B7B7EE0-7771-4CD5-9B2B-3550753A54A1}" type="datetime1">
               <a:rPr lang="en-US" smtClean="0"/>
-              <a:t>1/13/2022</a:t>
+              <a:t>1/23/2022</a:t>
             </a:fld>
             <a:endParaRPr lang="en-US"/>
           </a:p>
@@ -7148,7 +7148,7 @@
           <a:p>
             <a:fld id="{F8B318B3-0E87-4416-A9B8-D891968C2727}" type="datetime1">
               <a:rPr lang="en-US" smtClean="0"/>
-              <a:t>1/13/2022</a:t>
+              <a:t>1/23/2022</a:t>
             </a:fld>
             <a:endParaRPr lang="en-US"/>
           </a:p>
@@ -7389,7 +7389,7 @@
           <a:p>
             <a:fld id="{54D997E8-DDEE-43F1-8D9B-F8A1E11DE488}" type="datetime1">
               <a:rPr lang="en-US" smtClean="0"/>
-              <a:t>1/13/2022</a:t>
+              <a:t>1/23/2022</a:t>
             </a:fld>
             <a:endParaRPr lang="en-US"/>
           </a:p>
@@ -8061,31 +8061,6 @@
       </p:sp>
       <p:sp>
         <p:nvSpPr>
-          <p:cNvPr id="3" name="Content Placeholder 2">
-            <a:extLst>
-              <a:ext uri="{FF2B5EF4-FFF2-40B4-BE49-F238E27FC236}">
-                <a16:creationId xmlns:a16="http://schemas.microsoft.com/office/drawing/2014/main" id="{355469F0-9A37-436C-AD59-C838312CD959}"/>
-              </a:ext>
-            </a:extLst>
-          </p:cNvPr>
-          <p:cNvSpPr>
-            <a:spLocks noGrp="1"/>
-          </p:cNvSpPr>
-          <p:nvPr>
-            <p:ph idx="1"/>
-          </p:nvPr>
-        </p:nvSpPr>
-        <p:spPr/>
-        <p:txBody>
-          <a:bodyPr/>
-          <a:lstStyle/>
-          <a:p>
-            <a:endParaRPr lang="en-US" dirty="0"/>
-          </a:p>
-        </p:txBody>
-      </p:sp>
-      <p:sp>
-        <p:nvSpPr>
           <p:cNvPr id="4" name="Slide Number Placeholder 3">
             <a:extLst>
               <a:ext uri="{FF2B5EF4-FFF2-40B4-BE49-F238E27FC236}">
@@ -9627,31 +9602,6 @@
       </p:sp>
       <p:sp>
         <p:nvSpPr>
-          <p:cNvPr id="3" name="Content Placeholder 2">
-            <a:extLst>
-              <a:ext uri="{FF2B5EF4-FFF2-40B4-BE49-F238E27FC236}">
-                <a16:creationId xmlns:a16="http://schemas.microsoft.com/office/drawing/2014/main" id="{3303C2F8-E7FC-4241-A896-DEF609AEAFF2}"/>
-              </a:ext>
-            </a:extLst>
-          </p:cNvPr>
-          <p:cNvSpPr>
-            <a:spLocks noGrp="1"/>
-          </p:cNvSpPr>
-          <p:nvPr>
-            <p:ph idx="1"/>
-          </p:nvPr>
-        </p:nvSpPr>
-        <p:spPr/>
-        <p:txBody>
-          <a:bodyPr/>
-          <a:lstStyle/>
-          <a:p>
-            <a:endParaRPr lang="en-US"/>
-          </a:p>
-        </p:txBody>
-      </p:sp>
-      <p:sp>
-        <p:nvSpPr>
           <p:cNvPr id="4" name="Slide Number Placeholder 3">
             <a:extLst>
               <a:ext uri="{FF2B5EF4-FFF2-40B4-BE49-F238E27FC236}">
@@ -11592,11 +11542,13 @@
         </p:nvSpPr>
         <p:spPr/>
         <p:txBody>
-          <a:bodyPr/>
+          <a:bodyPr>
+            <a:normAutofit/>
+          </a:bodyPr>
           <a:lstStyle/>
           <a:p>
             <a:r>
-              <a:rPr lang="en-US" dirty="0"/>
+              <a:rPr lang="en-US" sz="3600" dirty="0"/>
               <a:t>Pattern 2: producer tells consumer ("push")</a:t>
             </a:r>
           </a:p>
@@ -12753,18 +12705,20 @@
         </p:nvSpPr>
         <p:spPr/>
         <p:txBody>
-          <a:bodyPr/>
+          <a:bodyPr>
+            <a:normAutofit/>
+          </a:bodyPr>
           <a:lstStyle/>
           <a:p>
             <a:r>
-              <a:rPr lang="en-US" dirty="0"/>
+              <a:rPr lang="en-US" sz="3600" dirty="0"/>
               <a:t>Example: </a:t>
             </a:r>
             <a:r>
-              <a:rPr lang="en-US" dirty="0" err="1"/>
+              <a:rPr lang="en-US" sz="3600" dirty="0" err="1"/>
               <a:t>ClockUsingPush</a:t>
             </a:r>
-            <a:endParaRPr lang="en-US" dirty="0"/>
+            <a:endParaRPr lang="en-US" sz="3600" dirty="0"/>
           </a:p>
         </p:txBody>
       </p:sp>
@@ -13649,11 +13603,13 @@
         </p:nvSpPr>
         <p:spPr/>
         <p:txBody>
-          <a:bodyPr/>
+          <a:bodyPr>
+            <a:normAutofit/>
+          </a:bodyPr>
           <a:lstStyle/>
           <a:p>
             <a:r>
-              <a:rPr lang="en-US" dirty="0"/>
+              <a:rPr lang="en-US" sz="3600" dirty="0"/>
               <a:t>The Clock</a:t>
             </a:r>
           </a:p>
@@ -14870,11 +14826,13 @@
         </p:nvSpPr>
         <p:spPr/>
         <p:txBody>
-          <a:bodyPr/>
+          <a:bodyPr>
+            <a:normAutofit/>
+          </a:bodyPr>
           <a:lstStyle/>
           <a:p>
             <a:r>
-              <a:rPr lang="en-US" dirty="0"/>
+              <a:rPr lang="en-US" sz="3600" dirty="0"/>
               <a:t>A Client </a:t>
             </a:r>
           </a:p>
@@ -15650,11 +15608,13 @@
         </p:nvSpPr>
         <p:spPr/>
         <p:txBody>
-          <a:bodyPr/>
+          <a:bodyPr>
+            <a:normAutofit/>
+          </a:bodyPr>
           <a:lstStyle/>
           <a:p>
             <a:r>
-              <a:rPr lang="en-US" dirty="0"/>
+              <a:rPr lang="en-US" sz="3600" dirty="0"/>
               <a:t>Tests</a:t>
             </a:r>
           </a:p>
@@ -17555,11 +17515,13 @@
         </p:nvSpPr>
         <p:spPr/>
         <p:txBody>
-          <a:bodyPr/>
+          <a:bodyPr>
+            <a:normAutofit/>
+          </a:bodyPr>
           <a:lstStyle/>
           <a:p>
             <a:r>
-              <a:rPr lang="en-US" dirty="0"/>
+              <a:rPr lang="en-US" sz="3600" dirty="0"/>
               <a:t>The observer gets to decide what to do with the notification</a:t>
             </a:r>
           </a:p>
@@ -18518,11 +18480,13 @@
         </p:nvSpPr>
         <p:spPr/>
         <p:txBody>
-          <a:bodyPr/>
+          <a:bodyPr>
+            <a:normAutofit/>
+          </a:bodyPr>
           <a:lstStyle/>
           <a:p>
             <a:r>
-              <a:rPr lang="en-US" dirty="0"/>
+              <a:rPr lang="en-US" sz="3600" dirty="0"/>
               <a:t>Better test this, too</a:t>
             </a:r>
           </a:p>
@@ -20014,36 +19978,6 @@
       </p:sp>
       <p:sp>
         <p:nvSpPr>
-          <p:cNvPr id="5" name="Content Placeholder 4">
-            <a:extLst>
-              <a:ext uri="{FF2B5EF4-FFF2-40B4-BE49-F238E27FC236}">
-                <a16:creationId xmlns:a16="http://schemas.microsoft.com/office/drawing/2014/main" id="{7AC8059B-2EC8-4B8C-92D4-AC7F5677ABA1}"/>
-              </a:ext>
-            </a:extLst>
-          </p:cNvPr>
-          <p:cNvSpPr>
-            <a:spLocks noGrp="1"/>
-          </p:cNvSpPr>
-          <p:nvPr>
-            <p:ph idx="1"/>
-          </p:nvPr>
-        </p:nvSpPr>
-        <p:spPr>
-          <a:xfrm>
-            <a:off x="8246272" y="1609411"/>
-            <a:ext cx="3107528" cy="4351338"/>
-          </a:xfrm>
-        </p:spPr>
-        <p:txBody>
-          <a:bodyPr/>
-          <a:lstStyle/>
-          <a:p>
-            <a:endParaRPr lang="en-US" dirty="0"/>
-          </a:p>
-        </p:txBody>
-      </p:sp>
-      <p:sp>
-        <p:nvSpPr>
           <p:cNvPr id="4" name="Slide Number Placeholder 3">
             <a:extLst>
               <a:ext uri="{FF2B5EF4-FFF2-40B4-BE49-F238E27FC236}">
@@ -20735,7 +20669,7 @@
         </p:nvSpPr>
         <p:spPr>
           <a:xfrm>
-            <a:off x="8938260" y="3789486"/>
+            <a:off x="8610600" y="2535680"/>
             <a:ext cx="2834640" cy="601980"/>
           </a:xfrm>
           <a:prstGeom prst="rect">
@@ -20938,31 +20872,6 @@
       </p:sp>
       <p:sp>
         <p:nvSpPr>
-          <p:cNvPr id="3" name="Content Placeholder 2">
-            <a:extLst>
-              <a:ext uri="{FF2B5EF4-FFF2-40B4-BE49-F238E27FC236}">
-                <a16:creationId xmlns:a16="http://schemas.microsoft.com/office/drawing/2014/main" id="{FDEA0827-C07A-470E-808E-6FDCD144F65A}"/>
-              </a:ext>
-            </a:extLst>
-          </p:cNvPr>
-          <p:cNvSpPr>
-            <a:spLocks noGrp="1"/>
-          </p:cNvSpPr>
-          <p:nvPr>
-            <p:ph idx="1"/>
-          </p:nvPr>
-        </p:nvSpPr>
-        <p:spPr/>
-        <p:txBody>
-          <a:bodyPr/>
-          <a:lstStyle/>
-          <a:p>
-            <a:endParaRPr lang="en-US"/>
-          </a:p>
-        </p:txBody>
-      </p:sp>
-      <p:sp>
-        <p:nvSpPr>
           <p:cNvPr id="4" name="Slide Number Placeholder 3">
             <a:extLst>
               <a:ext uri="{FF2B5EF4-FFF2-40B4-BE49-F238E27FC236}">
@@ -22274,7 +22183,7 @@
         </p:nvSpPr>
         <p:spPr>
           <a:xfrm>
-            <a:off x="8519160" y="417196"/>
+            <a:off x="8519160" y="511175"/>
             <a:ext cx="2834640" cy="601980"/>
           </a:xfrm>
           <a:prstGeom prst="rect">
@@ -22389,31 +22298,6 @@
               <a:rPr lang="en-US" dirty="0"/>
               <a:t>Choose which factory to export</a:t>
             </a:r>
-          </a:p>
-        </p:txBody>
-      </p:sp>
-      <p:sp>
-        <p:nvSpPr>
-          <p:cNvPr id="3" name="Content Placeholder 2">
-            <a:extLst>
-              <a:ext uri="{FF2B5EF4-FFF2-40B4-BE49-F238E27FC236}">
-                <a16:creationId xmlns:a16="http://schemas.microsoft.com/office/drawing/2014/main" id="{7191DCB4-3EE2-4873-9C6C-D880C45CD044}"/>
-              </a:ext>
-            </a:extLst>
-          </p:cNvPr>
-          <p:cNvSpPr>
-            <a:spLocks noGrp="1"/>
-          </p:cNvSpPr>
-          <p:nvPr>
-            <p:ph idx="1"/>
-          </p:nvPr>
-        </p:nvSpPr>
-        <p:spPr/>
-        <p:txBody>
-          <a:bodyPr/>
-          <a:lstStyle/>
-          <a:p>
-            <a:endParaRPr lang="en-US" dirty="0"/>
           </a:p>
         </p:txBody>
       </p:sp>
@@ -22818,31 +22702,6 @@
       </p:sp>
       <p:sp>
         <p:nvSpPr>
-          <p:cNvPr id="3" name="Content Placeholder 2">
-            <a:extLst>
-              <a:ext uri="{FF2B5EF4-FFF2-40B4-BE49-F238E27FC236}">
-                <a16:creationId xmlns:a16="http://schemas.microsoft.com/office/drawing/2014/main" id="{0476636D-38A3-4092-A530-EDC5B5E99A16}"/>
-              </a:ext>
-            </a:extLst>
-          </p:cNvPr>
-          <p:cNvSpPr>
-            <a:spLocks noGrp="1"/>
-          </p:cNvSpPr>
-          <p:nvPr>
-            <p:ph idx="1"/>
-          </p:nvPr>
-        </p:nvSpPr>
-        <p:spPr/>
-        <p:txBody>
-          <a:bodyPr/>
-          <a:lstStyle/>
-          <a:p>
-            <a:endParaRPr lang="en-US" dirty="0"/>
-          </a:p>
-        </p:txBody>
-      </p:sp>
-      <p:sp>
-        <p:nvSpPr>
           <p:cNvPr id="4" name="Slide Number Placeholder 3">
             <a:extLst>
               <a:ext uri="{FF2B5EF4-FFF2-40B4-BE49-F238E27FC236}">
@@ -23983,31 +23842,6 @@
       </p:sp>
       <p:sp>
         <p:nvSpPr>
-          <p:cNvPr id="9" name="Content Placeholder 8">
-            <a:extLst>
-              <a:ext uri="{FF2B5EF4-FFF2-40B4-BE49-F238E27FC236}">
-                <a16:creationId xmlns:a16="http://schemas.microsoft.com/office/drawing/2014/main" id="{3B483E18-909A-492E-AA0F-5E9A8742D015}"/>
-              </a:ext>
-            </a:extLst>
-          </p:cNvPr>
-          <p:cNvSpPr>
-            <a:spLocks noGrp="1"/>
-          </p:cNvSpPr>
-          <p:nvPr>
-            <p:ph idx="1"/>
-          </p:nvPr>
-        </p:nvSpPr>
-        <p:spPr/>
-        <p:txBody>
-          <a:bodyPr/>
-          <a:lstStyle/>
-          <a:p>
-            <a:endParaRPr lang="en-US"/>
-          </a:p>
-        </p:txBody>
-      </p:sp>
-      <p:sp>
-        <p:nvSpPr>
           <p:cNvPr id="4" name="Slide Number Placeholder 3">
             <a:extLst>
               <a:ext uri="{FF2B5EF4-FFF2-40B4-BE49-F238E27FC236}">
@@ -25241,31 +25075,6 @@
       </p:sp>
       <p:sp>
         <p:nvSpPr>
-          <p:cNvPr id="3" name="Content Placeholder 2">
-            <a:extLst>
-              <a:ext uri="{FF2B5EF4-FFF2-40B4-BE49-F238E27FC236}">
-                <a16:creationId xmlns:a16="http://schemas.microsoft.com/office/drawing/2014/main" id="{4BD82096-C83D-4C30-B896-2136DD336FC3}"/>
-              </a:ext>
-            </a:extLst>
-          </p:cNvPr>
-          <p:cNvSpPr>
-            <a:spLocks noGrp="1"/>
-          </p:cNvSpPr>
-          <p:nvPr>
-            <p:ph idx="1"/>
-          </p:nvPr>
-        </p:nvSpPr>
-        <p:spPr/>
-        <p:txBody>
-          <a:bodyPr/>
-          <a:lstStyle/>
-          <a:p>
-            <a:endParaRPr lang="en-US"/>
-          </a:p>
-        </p:txBody>
-      </p:sp>
-      <p:sp>
-        <p:nvSpPr>
           <p:cNvPr id="4" name="Slide Number Placeholder 3">
             <a:extLst>
               <a:ext uri="{FF2B5EF4-FFF2-40B4-BE49-F238E27FC236}">
@@ -27140,11 +26949,13 @@
         </p:nvSpPr>
         <p:spPr/>
         <p:txBody>
-          <a:bodyPr/>
+          <a:bodyPr>
+            <a:normAutofit/>
+          </a:bodyPr>
           <a:lstStyle/>
           <a:p>
             <a:r>
-              <a:rPr lang="en-US" dirty="0"/>
+              <a:rPr lang="en-US" sz="3600" dirty="0"/>
               <a:t>Information Transfer: Push vs Pull</a:t>
             </a:r>
           </a:p>
@@ -27847,11 +27658,13 @@
         </p:nvSpPr>
         <p:spPr/>
         <p:txBody>
-          <a:bodyPr/>
+          <a:bodyPr>
+            <a:normAutofit/>
+          </a:bodyPr>
           <a:lstStyle/>
           <a:p>
             <a:r>
-              <a:rPr lang="en-US" dirty="0"/>
+              <a:rPr lang="en-US" sz="3600" dirty="0"/>
               <a:t>Pattern 1: consumer asks producer ("pull")</a:t>
             </a:r>
           </a:p>
@@ -28841,11 +28654,13 @@
         </p:nvSpPr>
         <p:spPr/>
         <p:txBody>
-          <a:bodyPr/>
+          <a:bodyPr>
+            <a:normAutofit/>
+          </a:bodyPr>
           <a:lstStyle/>
           <a:p>
             <a:r>
-              <a:rPr lang="en-US" dirty="0"/>
+              <a:rPr lang="en-US" sz="3600" dirty="0"/>
               <a:t>Pattern 2: producer tells consumer ("push")</a:t>
             </a:r>
           </a:p>
@@ -30684,31 +30499,6 @@
               <a:rPr lang="en-US" dirty="0" err="1"/>
               <a:t>SimpleClockUsingPull.ts</a:t>
             </a:r>
-            <a:endParaRPr lang="en-US" dirty="0"/>
-          </a:p>
-        </p:txBody>
-      </p:sp>
-      <p:sp>
-        <p:nvSpPr>
-          <p:cNvPr id="3" name="Content Placeholder 2">
-            <a:extLst>
-              <a:ext uri="{FF2B5EF4-FFF2-40B4-BE49-F238E27FC236}">
-                <a16:creationId xmlns:a16="http://schemas.microsoft.com/office/drawing/2014/main" id="{EEAB7B78-E7CD-4D1D-A29A-388C1A108A36}"/>
-              </a:ext>
-            </a:extLst>
-          </p:cNvPr>
-          <p:cNvSpPr>
-            <a:spLocks noGrp="1"/>
-          </p:cNvSpPr>
-          <p:nvPr>
-            <p:ph idx="1"/>
-          </p:nvPr>
-        </p:nvSpPr>
-        <p:spPr/>
-        <p:txBody>
-          <a:bodyPr/>
-          <a:lstStyle/>
-          <a:p>
             <a:endParaRPr lang="en-US" dirty="0"/>
           </a:p>
         </p:txBody>

--- a/Slides/Lesson 2.3 The Interaction Scale.pptx
+++ b/Slides/Lesson 2.3 The Interaction Scale.pptx
@@ -5,7 +5,7 @@
     <p:sldMasterId id="2147483648" r:id="rId1"/>
   </p:sldMasterIdLst>
   <p:notesMasterIdLst>
-    <p:notesMasterId r:id="rId30"/>
+    <p:notesMasterId r:id="rId35"/>
   </p:notesMasterIdLst>
   <p:sldIdLst>
     <p:sldId id="485" r:id="rId2"/>
@@ -35,36 +35,41 @@
     <p:sldId id="456" r:id="rId26"/>
     <p:sldId id="471" r:id="rId27"/>
     <p:sldId id="472" r:id="rId28"/>
-    <p:sldId id="487" r:id="rId29"/>
+    <p:sldId id="490" r:id="rId29"/>
+    <p:sldId id="491" r:id="rId30"/>
+    <p:sldId id="492" r:id="rId31"/>
+    <p:sldId id="493" r:id="rId32"/>
+    <p:sldId id="494" r:id="rId33"/>
+    <p:sldId id="487" r:id="rId34"/>
   </p:sldIdLst>
   <p:sldSz cx="12192000" cy="6858000"/>
   <p:notesSz cx="6858000" cy="9144000"/>
   <p:embeddedFontLst>
     <p:embeddedFont>
       <p:font typeface="Calibri" panose="020F0502020204030204" pitchFamily="34" charset="0"/>
-      <p:regular r:id="rId31"/>
-      <p:bold r:id="rId32"/>
-      <p:italic r:id="rId33"/>
-      <p:boldItalic r:id="rId34"/>
+      <p:regular r:id="rId36"/>
+      <p:bold r:id="rId37"/>
+      <p:italic r:id="rId38"/>
+      <p:boldItalic r:id="rId39"/>
     </p:embeddedFont>
     <p:embeddedFont>
       <p:font typeface="Consolas" panose="020B0609020204030204" pitchFamily="49" charset="0"/>
-      <p:regular r:id="rId35"/>
-      <p:bold r:id="rId36"/>
-      <p:italic r:id="rId37"/>
-      <p:boldItalic r:id="rId38"/>
+      <p:regular r:id="rId40"/>
+      <p:bold r:id="rId41"/>
+      <p:italic r:id="rId42"/>
+      <p:boldItalic r:id="rId43"/>
     </p:embeddedFont>
     <p:embeddedFont>
       <p:font typeface="Open Sans ExtraBold" panose="020B0906030804020204" pitchFamily="34" charset="0"/>
-      <p:bold r:id="rId39"/>
-      <p:boldItalic r:id="rId40"/>
+      <p:bold r:id="rId44"/>
+      <p:boldItalic r:id="rId45"/>
     </p:embeddedFont>
     <p:embeddedFont>
       <p:font typeface="Verdana" panose="020B0604030504040204" pitchFamily="34" charset="0"/>
-      <p:regular r:id="rId41"/>
-      <p:bold r:id="rId42"/>
-      <p:italic r:id="rId43"/>
-      <p:boldItalic r:id="rId44"/>
+      <p:regular r:id="rId46"/>
+      <p:bold r:id="rId47"/>
+      <p:italic r:id="rId48"/>
+      <p:boldItalic r:id="rId49"/>
     </p:embeddedFont>
   </p:embeddedFontLst>
   <p:defaultTextStyle>
@@ -194,6 +199,11 @@
             <p14:sldId id="456"/>
             <p14:sldId id="471"/>
             <p14:sldId id="472"/>
+            <p14:sldId id="490"/>
+            <p14:sldId id="491"/>
+            <p14:sldId id="492"/>
+            <p14:sldId id="493"/>
+            <p14:sldId id="494"/>
             <p14:sldId id="487"/>
           </p14:sldIdLst>
         </p14:section>
@@ -288,7 +298,7 @@
           <a:p>
             <a:fld id="{7C7E5181-6CF5-45F7-A87A-E0E0B1FD7549}" type="datetimeFigureOut">
               <a:rPr lang="en-US" smtClean="0"/>
-              <a:t>1/23/2022</a:t>
+              <a:t>1/26/2022</a:t>
             </a:fld>
             <a:endParaRPr lang="en-US"/>
           </a:p>
@@ -2899,18 +2909,53 @@
           <a:p>
             <a:r>
               <a:rPr lang="en-US" dirty="0"/>
-              <a:t>We’ve covered a lot of ground in this lesson.  &lt;read slide&gt;</a:t>
+              <a:t>We said that this week's goal is to give you the vocabulary to talk</a:t>
             </a:r>
           </a:p>
           <a:p>
             <a:r>
               <a:rPr lang="en-US" dirty="0"/>
-              <a:t>Next, on to the </a:t>
-            </a:r>
-            <a:r>
-              <a:rPr lang="en-US"/>
-              <a:t>Object Scale.</a:t>
-            </a:r>
+              <a:t>about your design.  So it's really about the language(s) of software</a:t>
+            </a:r>
+          </a:p>
+          <a:p>
+            <a:r>
+              <a:rPr lang="en-US" dirty="0"/>
+              <a:t>design.</a:t>
+            </a:r>
+          </a:p>
+          <a:p>
+            <a:endParaRPr lang="en-US" dirty="0"/>
+          </a:p>
+          <a:p>
+            <a:r>
+              <a:rPr lang="en-US" dirty="0"/>
+              <a:t>Like in any language course, once you learn the words, the next thing</a:t>
+            </a:r>
+          </a:p>
+          <a:p>
+            <a:r>
+              <a:rPr lang="en-US" dirty="0"/>
+              <a:t>you do is to practice putting them into sentences.</a:t>
+            </a:r>
+          </a:p>
+          <a:p>
+            <a:endParaRPr lang="en-US" dirty="0"/>
+          </a:p>
+          <a:p>
+            <a:r>
+              <a:rPr lang="en-US" dirty="0"/>
+              <a:t>So here's a piece of a design, expressed as a sentence (ok, three</a:t>
+            </a:r>
+          </a:p>
+          <a:p>
+            <a:r>
+              <a:rPr lang="en-US" dirty="0"/>
+              <a:t>sentences)</a:t>
+            </a:r>
+          </a:p>
+          <a:p>
+            <a:endParaRPr lang="en-US" dirty="0"/>
           </a:p>
         </p:txBody>
       </p:sp>
@@ -2940,7 +2985,94 @@
     </p:spTree>
     <p:extLst>
       <p:ext uri="{BB962C8B-B14F-4D97-AF65-F5344CB8AC3E}">
-        <p14:creationId xmlns:p14="http://schemas.microsoft.com/office/powerpoint/2010/main" val="2570327503"/>
+        <p14:creationId xmlns:p14="http://schemas.microsoft.com/office/powerpoint/2010/main" val="476959786"/>
+      </p:ext>
+    </p:extLst>
+  </p:cSld>
+  <p:clrMapOvr>
+    <a:masterClrMapping/>
+  </p:clrMapOvr>
+</p:notes>
+</file>
+
+<file path=ppt/notesSlides/notesSlide29.xml><?xml version="1.0" encoding="utf-8"?>
+<p:notes xmlns:a="http://schemas.openxmlformats.org/drawingml/2006/main" xmlns:r="http://schemas.openxmlformats.org/officeDocument/2006/relationships" xmlns:p="http://schemas.openxmlformats.org/presentationml/2006/main">
+  <p:cSld>
+    <p:spTree>
+      <p:nvGrpSpPr>
+        <p:cNvPr id="1" name=""/>
+        <p:cNvGrpSpPr/>
+        <p:nvPr/>
+      </p:nvGrpSpPr>
+      <p:grpSpPr>
+        <a:xfrm>
+          <a:off x="0" y="0"/>
+          <a:ext cx="0" cy="0"/>
+          <a:chOff x="0" y="0"/>
+          <a:chExt cx="0" cy="0"/>
+        </a:xfrm>
+      </p:grpSpPr>
+      <p:sp>
+        <p:nvSpPr>
+          <p:cNvPr id="2" name="Slide Image Placeholder 1"/>
+          <p:cNvSpPr>
+            <a:spLocks noGrp="1" noRot="1" noChangeAspect="1"/>
+          </p:cNvSpPr>
+          <p:nvPr>
+            <p:ph type="sldImg"/>
+          </p:nvPr>
+        </p:nvSpPr>
+        <p:spPr/>
+      </p:sp>
+      <p:sp>
+        <p:nvSpPr>
+          <p:cNvPr id="3" name="Notes Placeholder 2"/>
+          <p:cNvSpPr>
+            <a:spLocks noGrp="1"/>
+          </p:cNvSpPr>
+          <p:nvPr>
+            <p:ph type="body" idx="1"/>
+          </p:nvPr>
+        </p:nvSpPr>
+        <p:spPr/>
+        <p:txBody>
+          <a:bodyPr/>
+          <a:lstStyle/>
+          <a:p>
+            <a:r>
+              <a:rPr lang="en-US" dirty="0"/>
+              <a:t>Here’s a possible conversation in this new language.   Note that you had to have an agreement with Pat about the protocol for the clock.</a:t>
+            </a:r>
+          </a:p>
+        </p:txBody>
+      </p:sp>
+      <p:sp>
+        <p:nvSpPr>
+          <p:cNvPr id="4" name="Slide Number Placeholder 3"/>
+          <p:cNvSpPr>
+            <a:spLocks noGrp="1"/>
+          </p:cNvSpPr>
+          <p:nvPr>
+            <p:ph type="sldNum" sz="quarter" idx="5"/>
+          </p:nvPr>
+        </p:nvSpPr>
+        <p:spPr/>
+        <p:txBody>
+          <a:bodyPr/>
+          <a:lstStyle/>
+          <a:p>
+            <a:fld id="{07937F07-1250-4CCE-B198-1B2887014F41}" type="slidenum">
+              <a:rPr lang="en-US" smtClean="0"/>
+              <a:t>29</a:t>
+            </a:fld>
+            <a:endParaRPr lang="en-US"/>
+          </a:p>
+        </p:txBody>
+      </p:sp>
+    </p:spTree>
+    <p:extLst>
+      <p:ext uri="{BB962C8B-B14F-4D97-AF65-F5344CB8AC3E}">
+        <p14:creationId xmlns:p14="http://schemas.microsoft.com/office/powerpoint/2010/main" val="2550609105"/>
       </p:ext>
     </p:extLst>
   </p:cSld>
@@ -3046,6 +3178,293 @@
     <p:extLst>
       <p:ext uri="{BB962C8B-B14F-4D97-AF65-F5344CB8AC3E}">
         <p14:creationId xmlns:p14="http://schemas.microsoft.com/office/powerpoint/2010/main" val="3924315404"/>
+      </p:ext>
+    </p:extLst>
+  </p:cSld>
+  <p:clrMapOvr>
+    <a:masterClrMapping/>
+  </p:clrMapOvr>
+</p:notes>
+</file>
+
+<file path=ppt/notesSlides/notesSlide30.xml><?xml version="1.0" encoding="utf-8"?>
+<p:notes xmlns:a="http://schemas.openxmlformats.org/drawingml/2006/main" xmlns:r="http://schemas.openxmlformats.org/officeDocument/2006/relationships" xmlns:p="http://schemas.openxmlformats.org/presentationml/2006/main">
+  <p:cSld>
+    <p:spTree>
+      <p:nvGrpSpPr>
+        <p:cNvPr id="1" name=""/>
+        <p:cNvGrpSpPr/>
+        <p:nvPr/>
+      </p:nvGrpSpPr>
+      <p:grpSpPr>
+        <a:xfrm>
+          <a:off x="0" y="0"/>
+          <a:ext cx="0" cy="0"/>
+          <a:chOff x="0" y="0"/>
+          <a:chExt cx="0" cy="0"/>
+        </a:xfrm>
+      </p:grpSpPr>
+      <p:sp>
+        <p:nvSpPr>
+          <p:cNvPr id="2" name="Slide Image Placeholder 1"/>
+          <p:cNvSpPr>
+            <a:spLocks noGrp="1" noRot="1" noChangeAspect="1"/>
+          </p:cNvSpPr>
+          <p:nvPr>
+            <p:ph type="sldImg"/>
+          </p:nvPr>
+        </p:nvSpPr>
+        <p:spPr/>
+      </p:sp>
+      <p:sp>
+        <p:nvSpPr>
+          <p:cNvPr id="3" name="Notes Placeholder 2"/>
+          <p:cNvSpPr>
+            <a:spLocks noGrp="1"/>
+          </p:cNvSpPr>
+          <p:nvPr>
+            <p:ph type="body" idx="1"/>
+          </p:nvPr>
+        </p:nvSpPr>
+        <p:spPr/>
+        <p:txBody>
+          <a:bodyPr/>
+          <a:lstStyle/>
+          <a:p>
+            <a:endParaRPr lang="en-US" dirty="0"/>
+          </a:p>
+        </p:txBody>
+      </p:sp>
+      <p:sp>
+        <p:nvSpPr>
+          <p:cNvPr id="4" name="Slide Number Placeholder 3"/>
+          <p:cNvSpPr>
+            <a:spLocks noGrp="1"/>
+          </p:cNvSpPr>
+          <p:nvPr>
+            <p:ph type="sldNum" sz="quarter" idx="5"/>
+          </p:nvPr>
+        </p:nvSpPr>
+        <p:spPr/>
+        <p:txBody>
+          <a:bodyPr/>
+          <a:lstStyle/>
+          <a:p>
+            <a:fld id="{07937F07-1250-4CCE-B198-1B2887014F41}" type="slidenum">
+              <a:rPr lang="en-US" smtClean="0"/>
+              <a:t>30</a:t>
+            </a:fld>
+            <a:endParaRPr lang="en-US"/>
+          </a:p>
+        </p:txBody>
+      </p:sp>
+    </p:spTree>
+    <p:extLst>
+      <p:ext uri="{BB962C8B-B14F-4D97-AF65-F5344CB8AC3E}">
+        <p14:creationId xmlns:p14="http://schemas.microsoft.com/office/powerpoint/2010/main" val="2222246358"/>
+      </p:ext>
+    </p:extLst>
+  </p:cSld>
+  <p:clrMapOvr>
+    <a:masterClrMapping/>
+  </p:clrMapOvr>
+</p:notes>
+</file>
+
+<file path=ppt/notesSlides/notesSlide31.xml><?xml version="1.0" encoding="utf-8"?>
+<p:notes xmlns:a="http://schemas.openxmlformats.org/drawingml/2006/main" xmlns:r="http://schemas.openxmlformats.org/officeDocument/2006/relationships" xmlns:p="http://schemas.openxmlformats.org/presentationml/2006/main">
+  <p:cSld>
+    <p:spTree>
+      <p:nvGrpSpPr>
+        <p:cNvPr id="1" name=""/>
+        <p:cNvGrpSpPr/>
+        <p:nvPr/>
+      </p:nvGrpSpPr>
+      <p:grpSpPr>
+        <a:xfrm>
+          <a:off x="0" y="0"/>
+          <a:ext cx="0" cy="0"/>
+          <a:chOff x="0" y="0"/>
+          <a:chExt cx="0" cy="0"/>
+        </a:xfrm>
+      </p:grpSpPr>
+      <p:sp>
+        <p:nvSpPr>
+          <p:cNvPr id="2" name="Slide Image Placeholder 1"/>
+          <p:cNvSpPr>
+            <a:spLocks noGrp="1" noRot="1" noChangeAspect="1"/>
+          </p:cNvSpPr>
+          <p:nvPr>
+            <p:ph type="sldImg"/>
+          </p:nvPr>
+        </p:nvSpPr>
+        <p:spPr/>
+      </p:sp>
+      <p:sp>
+        <p:nvSpPr>
+          <p:cNvPr id="3" name="Notes Placeholder 2"/>
+          <p:cNvSpPr>
+            <a:spLocks noGrp="1"/>
+          </p:cNvSpPr>
+          <p:nvPr>
+            <p:ph type="body" idx="1"/>
+          </p:nvPr>
+        </p:nvSpPr>
+        <p:spPr/>
+        <p:txBody>
+          <a:bodyPr/>
+          <a:lstStyle/>
+          <a:p>
+            <a:r>
+              <a:rPr lang="en-US" dirty="0"/>
+              <a:t>You now have a rich vocabulary that you can use to discuss your design.</a:t>
+            </a:r>
+          </a:p>
+        </p:txBody>
+      </p:sp>
+      <p:sp>
+        <p:nvSpPr>
+          <p:cNvPr id="4" name="Slide Number Placeholder 3"/>
+          <p:cNvSpPr>
+            <a:spLocks noGrp="1"/>
+          </p:cNvSpPr>
+          <p:nvPr>
+            <p:ph type="sldNum" sz="quarter" idx="5"/>
+          </p:nvPr>
+        </p:nvSpPr>
+        <p:spPr/>
+        <p:txBody>
+          <a:bodyPr/>
+          <a:lstStyle/>
+          <a:p>
+            <a:fld id="{07937F07-1250-4CCE-B198-1B2887014F41}" type="slidenum">
+              <a:rPr lang="en-US" smtClean="0"/>
+              <a:t>32</a:t>
+            </a:fld>
+            <a:endParaRPr lang="en-US"/>
+          </a:p>
+        </p:txBody>
+      </p:sp>
+    </p:spTree>
+    <p:extLst>
+      <p:ext uri="{BB962C8B-B14F-4D97-AF65-F5344CB8AC3E}">
+        <p14:creationId xmlns:p14="http://schemas.microsoft.com/office/powerpoint/2010/main" val="693301086"/>
+      </p:ext>
+    </p:extLst>
+  </p:cSld>
+  <p:clrMapOvr>
+    <a:masterClrMapping/>
+  </p:clrMapOvr>
+</p:notes>
+</file>
+
+<file path=ppt/notesSlides/notesSlide32.xml><?xml version="1.0" encoding="utf-8"?>
+<p:notes xmlns:a="http://schemas.openxmlformats.org/drawingml/2006/main" xmlns:r="http://schemas.openxmlformats.org/officeDocument/2006/relationships" xmlns:p="http://schemas.openxmlformats.org/presentationml/2006/main">
+  <p:cSld>
+    <p:spTree>
+      <p:nvGrpSpPr>
+        <p:cNvPr id="1" name=""/>
+        <p:cNvGrpSpPr/>
+        <p:nvPr/>
+      </p:nvGrpSpPr>
+      <p:grpSpPr>
+        <a:xfrm>
+          <a:off x="0" y="0"/>
+          <a:ext cx="0" cy="0"/>
+          <a:chOff x="0" y="0"/>
+          <a:chExt cx="0" cy="0"/>
+        </a:xfrm>
+      </p:grpSpPr>
+      <p:sp>
+        <p:nvSpPr>
+          <p:cNvPr id="2" name="Slide Image Placeholder 1"/>
+          <p:cNvSpPr>
+            <a:spLocks noGrp="1" noRot="1" noChangeAspect="1"/>
+          </p:cNvSpPr>
+          <p:nvPr>
+            <p:ph type="sldImg"/>
+          </p:nvPr>
+        </p:nvSpPr>
+        <p:spPr/>
+      </p:sp>
+      <p:sp>
+        <p:nvSpPr>
+          <p:cNvPr id="3" name="Notes Placeholder 2"/>
+          <p:cNvSpPr>
+            <a:spLocks noGrp="1"/>
+          </p:cNvSpPr>
+          <p:nvPr>
+            <p:ph type="body" idx="1"/>
+          </p:nvPr>
+        </p:nvSpPr>
+        <p:spPr/>
+        <p:txBody>
+          <a:bodyPr/>
+          <a:lstStyle/>
+          <a:p>
+            <a:r>
+              <a:rPr lang="en-US" dirty="0"/>
+              <a:t>We’ve covered a lot of ground in this lesson.  &lt;read slide&gt;</a:t>
+            </a:r>
+          </a:p>
+          <a:p>
+            <a:r>
+              <a:rPr lang="en-US" dirty="0"/>
+              <a:t>Next, on to the Object Scale.</a:t>
+            </a:r>
+          </a:p>
+          <a:p>
+            <a:endParaRPr lang="en-US" dirty="0"/>
+          </a:p>
+          <a:p>
+            <a:r>
+              <a:rPr lang="en-US" dirty="0"/>
+              <a:t>[[POSSIBLE ACTIVITY: Break </a:t>
+            </a:r>
+            <a:r>
+              <a:rPr lang="en-US"/>
+              <a:t>into pairs, </a:t>
+            </a:r>
+            <a:r>
+              <a:rPr lang="en-US" dirty="0"/>
+              <a:t>and describe the interactions</a:t>
+            </a:r>
+          </a:p>
+          <a:p>
+            <a:r>
+              <a:rPr lang="en-US" dirty="0"/>
+              <a:t>in some program you have built, at this level of detail.]]</a:t>
+            </a:r>
+          </a:p>
+        </p:txBody>
+      </p:sp>
+      <p:sp>
+        <p:nvSpPr>
+          <p:cNvPr id="4" name="Slide Number Placeholder 3"/>
+          <p:cNvSpPr>
+            <a:spLocks noGrp="1"/>
+          </p:cNvSpPr>
+          <p:nvPr>
+            <p:ph type="sldNum" sz="quarter" idx="5"/>
+          </p:nvPr>
+        </p:nvSpPr>
+        <p:spPr/>
+        <p:txBody>
+          <a:bodyPr/>
+          <a:lstStyle/>
+          <a:p>
+            <a:fld id="{07937F07-1250-4CCE-B198-1B2887014F41}" type="slidenum">
+              <a:rPr lang="en-US" smtClean="0"/>
+              <a:t>33</a:t>
+            </a:fld>
+            <a:endParaRPr lang="en-US"/>
+          </a:p>
+        </p:txBody>
+      </p:sp>
+    </p:spTree>
+    <p:extLst>
+      <p:ext uri="{BB962C8B-B14F-4D97-AF65-F5344CB8AC3E}">
+        <p14:creationId xmlns:p14="http://schemas.microsoft.com/office/powerpoint/2010/main" val="2570327503"/>
       </p:ext>
     </p:extLst>
   </p:cSld>
@@ -3976,7 +4395,7 @@
           <a:p>
             <a:fld id="{5D2A64DE-480B-420F-9649-4F8E696E08E0}" type="datetime1">
               <a:rPr lang="en-US" smtClean="0"/>
-              <a:t>1/23/2022</a:t>
+              <a:t>1/26/2022</a:t>
             </a:fld>
             <a:endParaRPr lang="en-US"/>
           </a:p>
@@ -4300,7 +4719,7 @@
           <a:p>
             <a:fld id="{EA476A42-A091-4468-A075-64A31BE59948}" type="datetime1">
               <a:rPr lang="en-US" smtClean="0"/>
-              <a:t>1/23/2022</a:t>
+              <a:t>1/26/2022</a:t>
             </a:fld>
             <a:endParaRPr lang="en-US"/>
           </a:p>
@@ -4498,7 +4917,7 @@
           <a:p>
             <a:fld id="{0D3616D0-8311-4107-9726-6B805E7D05BA}" type="datetime1">
               <a:rPr lang="en-US" smtClean="0"/>
-              <a:t>1/23/2022</a:t>
+              <a:t>1/26/2022</a:t>
             </a:fld>
             <a:endParaRPr lang="en-US"/>
           </a:p>
@@ -4706,7 +5125,7 @@
           <a:p>
             <a:fld id="{3BC2557A-5C88-417A-A763-5AC779462A5F}" type="datetime1">
               <a:rPr lang="en-US" smtClean="0"/>
-              <a:t>1/23/2022</a:t>
+              <a:t>1/26/2022</a:t>
             </a:fld>
             <a:endParaRPr lang="en-US"/>
           </a:p>
@@ -5230,7 +5649,7 @@
           <a:p>
             <a:fld id="{07C7BFD4-467E-4EDE-93EA-052F5B39A4E5}" type="datetime1">
               <a:rPr lang="en-US" smtClean="0"/>
-              <a:t>1/23/2022</a:t>
+              <a:t>1/26/2022</a:t>
             </a:fld>
             <a:endParaRPr lang="en-US"/>
           </a:p>
@@ -5480,7 +5899,7 @@
           <a:p>
             <a:fld id="{07C7BFD4-467E-4EDE-93EA-052F5B39A4E5}" type="datetime1">
               <a:rPr lang="en-US" smtClean="0"/>
-              <a:t>1/23/2022</a:t>
+              <a:t>1/26/2022</a:t>
             </a:fld>
             <a:endParaRPr lang="en-US"/>
           </a:p>
@@ -5662,7 +6081,7 @@
           <a:p>
             <a:fld id="{109E55A0-C911-4F03-82FC-7E5926047D46}" type="datetime1">
               <a:rPr lang="en-US" smtClean="0"/>
-              <a:t>1/23/2022</a:t>
+              <a:t>1/26/2022</a:t>
             </a:fld>
             <a:endParaRPr lang="en-US"/>
           </a:p>
@@ -5975,7 +6394,7 @@
           <a:p>
             <a:fld id="{A533CBE2-D5BE-47AC-ADC2-9CDFC1D0CF90}" type="datetime1">
               <a:rPr lang="en-US" smtClean="0"/>
-              <a:t>1/23/2022</a:t>
+              <a:t>1/26/2022</a:t>
             </a:fld>
             <a:endParaRPr lang="en-US"/>
           </a:p>
@@ -6276,7 +6695,7 @@
           <a:p>
             <a:fld id="{39B7EDB1-CE74-4951-85A2-0B01C2128E28}" type="datetime1">
               <a:rPr lang="en-US" smtClean="0"/>
-              <a:t>1/23/2022</a:t>
+              <a:t>1/26/2022</a:t>
             </a:fld>
             <a:endParaRPr lang="en-US"/>
           </a:p>
@@ -6724,7 +7143,7 @@
           <a:p>
             <a:fld id="{2BC7EB92-A5C2-4807-A9DC-9EDE6CBFB241}" type="datetime1">
               <a:rPr lang="en-US" smtClean="0"/>
-              <a:t>1/23/2022</a:t>
+              <a:t>1/26/2022</a:t>
             </a:fld>
             <a:endParaRPr lang="en-US"/>
           </a:p>
@@ -6837,7 +7256,7 @@
           <a:p>
             <a:fld id="{2B7B7EE0-7771-4CD5-9B2B-3550753A54A1}" type="datetime1">
               <a:rPr lang="en-US" smtClean="0"/>
-              <a:t>1/23/2022</a:t>
+              <a:t>1/26/2022</a:t>
             </a:fld>
             <a:endParaRPr lang="en-US"/>
           </a:p>
@@ -7148,7 +7567,7 @@
           <a:p>
             <a:fld id="{F8B318B3-0E87-4416-A9B8-D891968C2727}" type="datetime1">
               <a:rPr lang="en-US" smtClean="0"/>
-              <a:t>1/23/2022</a:t>
+              <a:t>1/26/2022</a:t>
             </a:fld>
             <a:endParaRPr lang="en-US"/>
           </a:p>
@@ -7389,7 +7808,7 @@
           <a:p>
             <a:fld id="{54D997E8-DDEE-43F1-8D9B-F8A1E11DE488}" type="datetime1">
               <a:rPr lang="en-US" smtClean="0"/>
-              <a:t>1/23/2022</a:t>
+              <a:t>1/26/2022</a:t>
             </a:fld>
             <a:endParaRPr lang="en-US"/>
           </a:p>
@@ -26580,7 +26999,7 @@
           <p:cNvPr id="2" name="Title 1">
             <a:extLst>
               <a:ext uri="{FF2B5EF4-FFF2-40B4-BE49-F238E27FC236}">
-                <a16:creationId xmlns:a16="http://schemas.microsoft.com/office/drawing/2014/main" id="{E743D407-5B53-49A7-9907-E801EA7FFD8E}"/>
+                <a16:creationId xmlns:a16="http://schemas.microsoft.com/office/drawing/2014/main" id="{B1A3C0D0-0D5D-4D8C-9D3A-06E2CE84B911}"/>
               </a:ext>
             </a:extLst>
           </p:cNvPr>
@@ -26598,17 +27017,17 @@
           <a:p>
             <a:r>
               <a:rPr lang="en-US" dirty="0"/>
-              <a:t>Learning Goals for this Lesson</a:t>
+              <a:t>Describing your design using these vocabulary words</a:t>
             </a:r>
           </a:p>
         </p:txBody>
       </p:sp>
       <p:sp>
         <p:nvSpPr>
-          <p:cNvPr id="3" name="Content Placeholder 2">
+          <p:cNvPr id="5" name="Content Placeholder 4">
             <a:extLst>
               <a:ext uri="{FF2B5EF4-FFF2-40B4-BE49-F238E27FC236}">
-                <a16:creationId xmlns:a16="http://schemas.microsoft.com/office/drawing/2014/main" id="{AC300E2B-BFD0-4090-AFC5-FE82683F997F}"/>
+                <a16:creationId xmlns:a16="http://schemas.microsoft.com/office/drawing/2014/main" id="{82AB9F76-899B-4F36-B260-B26D4C555F60}"/>
               </a:ext>
             </a:extLst>
           </p:cNvPr>
@@ -26619,29 +27038,49 @@
             <p:ph idx="1"/>
           </p:nvPr>
         </p:nvSpPr>
-        <p:spPr/>
+        <p:spPr>
+          <a:xfrm>
+            <a:off x="838199" y="1500160"/>
+            <a:ext cx="9705975" cy="4351338"/>
+          </a:xfrm>
+        </p:spPr>
         <p:txBody>
-          <a:bodyPr/>
+          <a:bodyPr>
+            <a:normAutofit lnSpcReduction="10000"/>
+          </a:bodyPr>
           <a:lstStyle/>
           <a:p>
-            <a:r>
-              <a:rPr lang="en-US" dirty="0"/>
-              <a:t>At this point, you should be able to</a:t>
-            </a:r>
-          </a:p>
-          <a:p>
-            <a:pPr lvl="1"/>
-            <a:r>
-              <a:rPr lang="en-US" dirty="0"/>
-              <a:t>Give 4 examples of interaction patterns and describe their distinguishing characteristics</a:t>
-            </a:r>
-          </a:p>
-          <a:p>
-            <a:pPr lvl="1"/>
-            <a:r>
-              <a:rPr lang="en-US" dirty="0"/>
-              <a:t>Draw a picture or give an example to illustrate each one</a:t>
-            </a:r>
+            <a:pPr marL="0" indent="0">
+              <a:buNone/>
+            </a:pPr>
+            <a:r>
+              <a:rPr lang="en-US" sz="3600" dirty="0"/>
+              <a:t>When I create an object that needs a clock, I get a copy of the master clock from the clock factory, and then I have the new object register itself with the clock.  </a:t>
+            </a:r>
+          </a:p>
+          <a:p>
+            <a:pPr marL="0" indent="0">
+              <a:buNone/>
+            </a:pPr>
+            <a:r>
+              <a:rPr lang="en-US" sz="3600" dirty="0"/>
+              <a:t>The master clock updates my object whenever the master clock changes.  </a:t>
+            </a:r>
+          </a:p>
+          <a:p>
+            <a:pPr marL="0" indent="0">
+              <a:buNone/>
+            </a:pPr>
+            <a:r>
+              <a:rPr lang="en-US" sz="3600" dirty="0"/>
+              <a:t>It also sends my object an update message when it registers, so my object will always have the latest time.</a:t>
+            </a:r>
+          </a:p>
+          <a:p>
+            <a:pPr marL="0" indent="0">
+              <a:buNone/>
+            </a:pPr>
+            <a:endParaRPr lang="en-US" dirty="0"/>
           </a:p>
         </p:txBody>
       </p:sp>
@@ -26650,7 +27089,7 @@
           <p:cNvPr id="4" name="Slide Number Placeholder 3">
             <a:extLst>
               <a:ext uri="{FF2B5EF4-FFF2-40B4-BE49-F238E27FC236}">
-                <a16:creationId xmlns:a16="http://schemas.microsoft.com/office/drawing/2014/main" id="{B7BF3F82-6F96-41E0-9C15-23CE00076176}"/>
+                <a16:creationId xmlns:a16="http://schemas.microsoft.com/office/drawing/2014/main" id="{82893DF6-F040-4CC4-BAA5-75D4631AE021}"/>
               </a:ext>
             </a:extLst>
           </p:cNvPr>
@@ -26677,7 +27116,227 @@
     </p:spTree>
     <p:extLst>
       <p:ext uri="{BB962C8B-B14F-4D97-AF65-F5344CB8AC3E}">
-        <p14:creationId xmlns:p14="http://schemas.microsoft.com/office/powerpoint/2010/main" val="3988182231"/>
+        <p14:creationId xmlns:p14="http://schemas.microsoft.com/office/powerpoint/2010/main" val="403352295"/>
+      </p:ext>
+    </p:extLst>
+  </p:cSld>
+  <p:clrMapOvr>
+    <a:masterClrMapping/>
+  </p:clrMapOvr>
+</p:sld>
+</file>
+
+<file path=ppt/slides/slide29.xml><?xml version="1.0" encoding="utf-8"?>
+<p:sld xmlns:a="http://schemas.openxmlformats.org/drawingml/2006/main" xmlns:r="http://schemas.openxmlformats.org/officeDocument/2006/relationships" xmlns:p="http://schemas.openxmlformats.org/presentationml/2006/main">
+  <p:cSld>
+    <p:spTree>
+      <p:nvGrpSpPr>
+        <p:cNvPr id="1" name=""/>
+        <p:cNvGrpSpPr/>
+        <p:nvPr/>
+      </p:nvGrpSpPr>
+      <p:grpSpPr>
+        <a:xfrm>
+          <a:off x="0" y="0"/>
+          <a:ext cx="0" cy="0"/>
+          <a:chOff x="0" y="0"/>
+          <a:chExt cx="0" cy="0"/>
+        </a:xfrm>
+      </p:grpSpPr>
+      <p:sp>
+        <p:nvSpPr>
+          <p:cNvPr id="5" name="Title 4">
+            <a:extLst>
+              <a:ext uri="{FF2B5EF4-FFF2-40B4-BE49-F238E27FC236}">
+                <a16:creationId xmlns:a16="http://schemas.microsoft.com/office/drawing/2014/main" id="{273410E1-E6C4-4D22-A7F9-8EF1CE45AA03}"/>
+              </a:ext>
+            </a:extLst>
+          </p:cNvPr>
+          <p:cNvSpPr>
+            <a:spLocks noGrp="1"/>
+          </p:cNvSpPr>
+          <p:nvPr>
+            <p:ph type="title"/>
+          </p:nvPr>
+        </p:nvSpPr>
+        <p:spPr/>
+        <p:txBody>
+          <a:bodyPr/>
+          <a:lstStyle/>
+          <a:p>
+            <a:r>
+              <a:rPr lang="en-US" dirty="0"/>
+              <a:t>Discussing your design </a:t>
+            </a:r>
+          </a:p>
+        </p:txBody>
+      </p:sp>
+      <p:sp>
+        <p:nvSpPr>
+          <p:cNvPr id="4" name="Slide Number Placeholder 3">
+            <a:extLst>
+              <a:ext uri="{FF2B5EF4-FFF2-40B4-BE49-F238E27FC236}">
+                <a16:creationId xmlns:a16="http://schemas.microsoft.com/office/drawing/2014/main" id="{8B1878C1-F603-4F39-B859-D8D906202A4A}"/>
+              </a:ext>
+            </a:extLst>
+          </p:cNvPr>
+          <p:cNvSpPr>
+            <a:spLocks noGrp="1"/>
+          </p:cNvSpPr>
+          <p:nvPr>
+            <p:ph type="sldNum" sz="quarter" idx="12"/>
+          </p:nvPr>
+        </p:nvSpPr>
+        <p:spPr/>
+        <p:txBody>
+          <a:bodyPr/>
+          <a:lstStyle/>
+          <a:p>
+            <a:fld id="{20F37917-FD3A-4669-9018-DA04BCDD3D75}" type="slidenum">
+              <a:rPr lang="en-US" smtClean="0"/>
+              <a:t>29</a:t>
+            </a:fld>
+            <a:endParaRPr lang="en-US"/>
+          </a:p>
+        </p:txBody>
+      </p:sp>
+      <p:sp>
+        <p:nvSpPr>
+          <p:cNvPr id="6" name="Speech Bubble: Rectangle with Corners Rounded 5">
+            <a:extLst>
+              <a:ext uri="{FF2B5EF4-FFF2-40B4-BE49-F238E27FC236}">
+                <a16:creationId xmlns:a16="http://schemas.microsoft.com/office/drawing/2014/main" id="{706C334E-0405-4E43-98B3-F783B6DA076D}"/>
+              </a:ext>
+            </a:extLst>
+          </p:cNvPr>
+          <p:cNvSpPr/>
+          <p:nvPr/>
+        </p:nvSpPr>
+        <p:spPr>
+          <a:xfrm>
+            <a:off x="6267450" y="1577975"/>
+            <a:ext cx="4686300" cy="5143500"/>
+          </a:xfrm>
+          <a:prstGeom prst="wedgeRoundRectCallout">
+            <a:avLst>
+              <a:gd name="adj1" fmla="val -53780"/>
+              <a:gd name="adj2" fmla="val 35237"/>
+              <a:gd name="adj3" fmla="val 16667"/>
+            </a:avLst>
+          </a:prstGeom>
+          <a:solidFill>
+            <a:schemeClr val="bg1"/>
+          </a:solidFill>
+          <a:ln>
+            <a:solidFill>
+              <a:srgbClr val="0070C0"/>
+            </a:solidFill>
+          </a:ln>
+        </p:spPr>
+        <p:style>
+          <a:lnRef idx="2">
+            <a:schemeClr val="accent1">
+              <a:shade val="50000"/>
+            </a:schemeClr>
+          </a:lnRef>
+          <a:fillRef idx="1">
+            <a:schemeClr val="accent1"/>
+          </a:fillRef>
+          <a:effectRef idx="0">
+            <a:schemeClr val="accent1"/>
+          </a:effectRef>
+          <a:fontRef idx="minor">
+            <a:schemeClr val="lt1"/>
+          </a:fontRef>
+        </p:style>
+        <p:txBody>
+          <a:bodyPr rtlCol="0" anchor="t"/>
+          <a:lstStyle/>
+          <a:p>
+            <a:pPr algn="l"/>
+            <a:r>
+              <a:rPr lang="en-US" sz="2800" dirty="0">
+                <a:solidFill>
+                  <a:schemeClr val="tx1"/>
+                </a:solidFill>
+              </a:rPr>
+              <a:t>I have a lot of objects, and they each check the time very often.  If they were constantly sending messages to the master clock, that would be a big load for it.  I sat down with Pat, who is building the master clock, and we agreed on this design.</a:t>
+            </a:r>
+          </a:p>
+        </p:txBody>
+      </p:sp>
+      <p:sp>
+        <p:nvSpPr>
+          <p:cNvPr id="7" name="Speech Bubble: Rectangle with Corners Rounded 6">
+            <a:extLst>
+              <a:ext uri="{FF2B5EF4-FFF2-40B4-BE49-F238E27FC236}">
+                <a16:creationId xmlns:a16="http://schemas.microsoft.com/office/drawing/2014/main" id="{3A633D3C-66D6-4484-9FDF-0FF6FB4DD6D6}"/>
+              </a:ext>
+            </a:extLst>
+          </p:cNvPr>
+          <p:cNvSpPr/>
+          <p:nvPr/>
+        </p:nvSpPr>
+        <p:spPr>
+          <a:xfrm>
+            <a:off x="965522" y="1577975"/>
+            <a:ext cx="4686300" cy="885825"/>
+          </a:xfrm>
+          <a:prstGeom prst="wedgeRoundRectCallout">
+            <a:avLst>
+              <a:gd name="adj1" fmla="val 56544"/>
+              <a:gd name="adj2" fmla="val 26976"/>
+              <a:gd name="adj3" fmla="val 16667"/>
+            </a:avLst>
+          </a:prstGeom>
+          <a:solidFill>
+            <a:schemeClr val="accent2">
+              <a:lumMod val="20000"/>
+              <a:lumOff val="80000"/>
+            </a:schemeClr>
+          </a:solidFill>
+          <a:ln>
+            <a:solidFill>
+              <a:srgbClr val="0070C0"/>
+            </a:solidFill>
+          </a:ln>
+        </p:spPr>
+        <p:style>
+          <a:lnRef idx="2">
+            <a:schemeClr val="accent1">
+              <a:shade val="50000"/>
+            </a:schemeClr>
+          </a:lnRef>
+          <a:fillRef idx="1">
+            <a:schemeClr val="accent1"/>
+          </a:fillRef>
+          <a:effectRef idx="0">
+            <a:schemeClr val="accent1"/>
+          </a:effectRef>
+          <a:fontRef idx="minor">
+            <a:schemeClr val="lt1"/>
+          </a:fontRef>
+        </p:style>
+        <p:txBody>
+          <a:bodyPr rtlCol="0" anchor="ctr"/>
+          <a:lstStyle/>
+          <a:p>
+            <a:pPr algn="l"/>
+            <a:r>
+              <a:rPr lang="en-US" sz="2800" dirty="0">
+                <a:solidFill>
+                  <a:schemeClr val="tx1"/>
+                </a:solidFill>
+              </a:rPr>
+              <a:t>Why did you choose this design?</a:t>
+            </a:r>
+          </a:p>
+        </p:txBody>
+      </p:sp>
+    </p:spTree>
+    <p:extLst>
+      <p:ext uri="{BB962C8B-B14F-4D97-AF65-F5344CB8AC3E}">
+        <p14:creationId xmlns:p14="http://schemas.microsoft.com/office/powerpoint/2010/main" val="2004654939"/>
       </p:ext>
     </p:extLst>
   </p:cSld>
@@ -26905,6 +27564,817 @@
     <p:extLst>
       <p:ext uri="{BB962C8B-B14F-4D97-AF65-F5344CB8AC3E}">
         <p14:creationId xmlns:p14="http://schemas.microsoft.com/office/powerpoint/2010/main" val="4189392190"/>
+      </p:ext>
+    </p:extLst>
+  </p:cSld>
+  <p:clrMapOvr>
+    <a:masterClrMapping/>
+  </p:clrMapOvr>
+</p:sld>
+</file>
+
+<file path=ppt/slides/slide30.xml><?xml version="1.0" encoding="utf-8"?>
+<p:sld xmlns:a="http://schemas.openxmlformats.org/drawingml/2006/main" xmlns:r="http://schemas.openxmlformats.org/officeDocument/2006/relationships" xmlns:p="http://schemas.openxmlformats.org/presentationml/2006/main">
+  <p:cSld>
+    <p:spTree>
+      <p:nvGrpSpPr>
+        <p:cNvPr id="1" name=""/>
+        <p:cNvGrpSpPr/>
+        <p:nvPr/>
+      </p:nvGrpSpPr>
+      <p:grpSpPr>
+        <a:xfrm>
+          <a:off x="0" y="0"/>
+          <a:ext cx="0" cy="0"/>
+          <a:chOff x="0" y="0"/>
+          <a:chExt cx="0" cy="0"/>
+        </a:xfrm>
+      </p:grpSpPr>
+      <p:sp>
+        <p:nvSpPr>
+          <p:cNvPr id="5" name="Title 4">
+            <a:extLst>
+              <a:ext uri="{FF2B5EF4-FFF2-40B4-BE49-F238E27FC236}">
+                <a16:creationId xmlns:a16="http://schemas.microsoft.com/office/drawing/2014/main" id="{273410E1-E6C4-4D22-A7F9-8EF1CE45AA03}"/>
+              </a:ext>
+            </a:extLst>
+          </p:cNvPr>
+          <p:cNvSpPr>
+            <a:spLocks noGrp="1"/>
+          </p:cNvSpPr>
+          <p:nvPr>
+            <p:ph type="title"/>
+          </p:nvPr>
+        </p:nvSpPr>
+        <p:spPr/>
+        <p:txBody>
+          <a:bodyPr/>
+          <a:lstStyle/>
+          <a:p>
+            <a:r>
+              <a:rPr lang="en-US" dirty="0"/>
+              <a:t>Discussing your design (2) </a:t>
+            </a:r>
+          </a:p>
+        </p:txBody>
+      </p:sp>
+      <p:sp>
+        <p:nvSpPr>
+          <p:cNvPr id="4" name="Slide Number Placeholder 3">
+            <a:extLst>
+              <a:ext uri="{FF2B5EF4-FFF2-40B4-BE49-F238E27FC236}">
+                <a16:creationId xmlns:a16="http://schemas.microsoft.com/office/drawing/2014/main" id="{8B1878C1-F603-4F39-B859-D8D906202A4A}"/>
+              </a:ext>
+            </a:extLst>
+          </p:cNvPr>
+          <p:cNvSpPr>
+            <a:spLocks noGrp="1"/>
+          </p:cNvSpPr>
+          <p:nvPr>
+            <p:ph type="sldNum" sz="quarter" idx="12"/>
+          </p:nvPr>
+        </p:nvSpPr>
+        <p:spPr/>
+        <p:txBody>
+          <a:bodyPr/>
+          <a:lstStyle/>
+          <a:p>
+            <a:fld id="{20F37917-FD3A-4669-9018-DA04BCDD3D75}" type="slidenum">
+              <a:rPr lang="en-US" smtClean="0"/>
+              <a:t>30</a:t>
+            </a:fld>
+            <a:endParaRPr lang="en-US"/>
+          </a:p>
+        </p:txBody>
+      </p:sp>
+      <p:sp>
+        <p:nvSpPr>
+          <p:cNvPr id="6" name="Speech Bubble: Rectangle with Corners Rounded 5">
+            <a:extLst>
+              <a:ext uri="{FF2B5EF4-FFF2-40B4-BE49-F238E27FC236}">
+                <a16:creationId xmlns:a16="http://schemas.microsoft.com/office/drawing/2014/main" id="{706C334E-0405-4E43-98B3-F783B6DA076D}"/>
+              </a:ext>
+            </a:extLst>
+          </p:cNvPr>
+          <p:cNvSpPr/>
+          <p:nvPr/>
+        </p:nvSpPr>
+        <p:spPr>
+          <a:xfrm>
+            <a:off x="6267450" y="2916820"/>
+            <a:ext cx="4686300" cy="2037145"/>
+          </a:xfrm>
+          <a:prstGeom prst="wedgeRoundRectCallout">
+            <a:avLst>
+              <a:gd name="adj1" fmla="val -56991"/>
+              <a:gd name="adj2" fmla="val 40413"/>
+              <a:gd name="adj3" fmla="val 16667"/>
+            </a:avLst>
+          </a:prstGeom>
+          <a:solidFill>
+            <a:schemeClr val="bg1"/>
+          </a:solidFill>
+          <a:ln>
+            <a:solidFill>
+              <a:srgbClr val="0070C0"/>
+            </a:solidFill>
+          </a:ln>
+        </p:spPr>
+        <p:style>
+          <a:lnRef idx="2">
+            <a:schemeClr val="accent1">
+              <a:shade val="50000"/>
+            </a:schemeClr>
+          </a:lnRef>
+          <a:fillRef idx="1">
+            <a:schemeClr val="accent1"/>
+          </a:fillRef>
+          <a:effectRef idx="0">
+            <a:schemeClr val="accent1"/>
+          </a:effectRef>
+          <a:fontRef idx="minor">
+            <a:schemeClr val="lt1"/>
+          </a:fontRef>
+        </p:style>
+        <p:txBody>
+          <a:bodyPr rtlCol="0" anchor="t"/>
+          <a:lstStyle/>
+          <a:p>
+            <a:pPr algn="l"/>
+            <a:r>
+              <a:rPr lang="en-US" sz="2800" dirty="0">
+                <a:solidFill>
+                  <a:schemeClr val="tx1"/>
+                </a:solidFill>
+              </a:rPr>
+              <a:t>Pat told me that the master clock is a singleton, so they will all be getting the same time.</a:t>
+            </a:r>
+          </a:p>
+        </p:txBody>
+      </p:sp>
+      <p:sp>
+        <p:nvSpPr>
+          <p:cNvPr id="7" name="Speech Bubble: Rectangle with Corners Rounded 6">
+            <a:extLst>
+              <a:ext uri="{FF2B5EF4-FFF2-40B4-BE49-F238E27FC236}">
+                <a16:creationId xmlns:a16="http://schemas.microsoft.com/office/drawing/2014/main" id="{3A633D3C-66D6-4484-9FDF-0FF6FB4DD6D6}"/>
+              </a:ext>
+            </a:extLst>
+          </p:cNvPr>
+          <p:cNvSpPr/>
+          <p:nvPr/>
+        </p:nvSpPr>
+        <p:spPr>
+          <a:xfrm>
+            <a:off x="965522" y="1577975"/>
+            <a:ext cx="4686300" cy="1454592"/>
+          </a:xfrm>
+          <a:prstGeom prst="wedgeRoundRectCallout">
+            <a:avLst>
+              <a:gd name="adj1" fmla="val 57285"/>
+              <a:gd name="adj2" fmla="val 34111"/>
+              <a:gd name="adj3" fmla="val 16667"/>
+            </a:avLst>
+          </a:prstGeom>
+          <a:solidFill>
+            <a:schemeClr val="accent2">
+              <a:lumMod val="20000"/>
+              <a:lumOff val="80000"/>
+            </a:schemeClr>
+          </a:solidFill>
+          <a:ln>
+            <a:solidFill>
+              <a:srgbClr val="0070C0"/>
+            </a:solidFill>
+          </a:ln>
+        </p:spPr>
+        <p:style>
+          <a:lnRef idx="2">
+            <a:schemeClr val="accent1">
+              <a:shade val="50000"/>
+            </a:schemeClr>
+          </a:lnRef>
+          <a:fillRef idx="1">
+            <a:schemeClr val="accent1"/>
+          </a:fillRef>
+          <a:effectRef idx="0">
+            <a:schemeClr val="accent1"/>
+          </a:effectRef>
+          <a:fontRef idx="minor">
+            <a:schemeClr val="lt1"/>
+          </a:fontRef>
+        </p:style>
+        <p:txBody>
+          <a:bodyPr rtlCol="0" anchor="ctr"/>
+          <a:lstStyle/>
+          <a:p>
+            <a:pPr algn="l"/>
+            <a:r>
+              <a:rPr lang="en-US" sz="2800" dirty="0">
+                <a:solidFill>
+                  <a:schemeClr val="tx1"/>
+                </a:solidFill>
+              </a:rPr>
+              <a:t>How do you know that all of your objects will get the right</a:t>
+            </a:r>
+          </a:p>
+          <a:p>
+            <a:pPr algn="l"/>
+            <a:r>
+              <a:rPr lang="en-US" sz="2800" dirty="0">
+                <a:solidFill>
+                  <a:schemeClr val="tx1"/>
+                </a:solidFill>
+              </a:rPr>
+              <a:t>time?</a:t>
+            </a:r>
+          </a:p>
+        </p:txBody>
+      </p:sp>
+    </p:spTree>
+    <p:extLst>
+      <p:ext uri="{BB962C8B-B14F-4D97-AF65-F5344CB8AC3E}">
+        <p14:creationId xmlns:p14="http://schemas.microsoft.com/office/powerpoint/2010/main" val="648572056"/>
+      </p:ext>
+    </p:extLst>
+  </p:cSld>
+  <p:clrMapOvr>
+    <a:masterClrMapping/>
+  </p:clrMapOvr>
+</p:sld>
+</file>
+
+<file path=ppt/slides/slide31.xml><?xml version="1.0" encoding="utf-8"?>
+<p:sld xmlns:a="http://schemas.openxmlformats.org/drawingml/2006/main" xmlns:r="http://schemas.openxmlformats.org/officeDocument/2006/relationships" xmlns:p="http://schemas.openxmlformats.org/presentationml/2006/main">
+  <p:cSld>
+    <p:spTree>
+      <p:nvGrpSpPr>
+        <p:cNvPr id="1" name=""/>
+        <p:cNvGrpSpPr/>
+        <p:nvPr/>
+      </p:nvGrpSpPr>
+      <p:grpSpPr>
+        <a:xfrm>
+          <a:off x="0" y="0"/>
+          <a:ext cx="0" cy="0"/>
+          <a:chOff x="0" y="0"/>
+          <a:chExt cx="0" cy="0"/>
+        </a:xfrm>
+      </p:grpSpPr>
+      <p:sp>
+        <p:nvSpPr>
+          <p:cNvPr id="2" name="Title 1">
+            <a:extLst>
+              <a:ext uri="{FF2B5EF4-FFF2-40B4-BE49-F238E27FC236}">
+                <a16:creationId xmlns:a16="http://schemas.microsoft.com/office/drawing/2014/main" id="{D8842FDD-4B0E-445C-8E75-9A6EE277E4B0}"/>
+              </a:ext>
+            </a:extLst>
+          </p:cNvPr>
+          <p:cNvSpPr>
+            <a:spLocks noGrp="1"/>
+          </p:cNvSpPr>
+          <p:nvPr>
+            <p:ph type="title"/>
+          </p:nvPr>
+        </p:nvSpPr>
+        <p:spPr/>
+        <p:txBody>
+          <a:bodyPr/>
+          <a:lstStyle/>
+          <a:p>
+            <a:r>
+              <a:rPr lang="en-US" dirty="0"/>
+              <a:t>The Discussion (3)</a:t>
+            </a:r>
+          </a:p>
+        </p:txBody>
+      </p:sp>
+      <p:sp>
+        <p:nvSpPr>
+          <p:cNvPr id="3" name="Slide Number Placeholder 2">
+            <a:extLst>
+              <a:ext uri="{FF2B5EF4-FFF2-40B4-BE49-F238E27FC236}">
+                <a16:creationId xmlns:a16="http://schemas.microsoft.com/office/drawing/2014/main" id="{029AE47E-356D-470E-8017-523179E02D5A}"/>
+              </a:ext>
+            </a:extLst>
+          </p:cNvPr>
+          <p:cNvSpPr>
+            <a:spLocks noGrp="1"/>
+          </p:cNvSpPr>
+          <p:nvPr>
+            <p:ph type="sldNum" sz="quarter" idx="12"/>
+          </p:nvPr>
+        </p:nvSpPr>
+        <p:spPr/>
+        <p:txBody>
+          <a:bodyPr/>
+          <a:lstStyle/>
+          <a:p>
+            <a:fld id="{20F37917-FD3A-4669-9018-DA04BCDD3D75}" type="slidenum">
+              <a:rPr lang="en-US" smtClean="0"/>
+              <a:t>31</a:t>
+            </a:fld>
+            <a:endParaRPr lang="en-US"/>
+          </a:p>
+        </p:txBody>
+      </p:sp>
+      <p:sp>
+        <p:nvSpPr>
+          <p:cNvPr id="4" name="Speech Bubble: Rectangle with Corners Rounded 3">
+            <a:extLst>
+              <a:ext uri="{FF2B5EF4-FFF2-40B4-BE49-F238E27FC236}">
+                <a16:creationId xmlns:a16="http://schemas.microsoft.com/office/drawing/2014/main" id="{B5381B48-6537-4C84-A437-E6CC32F22F54}"/>
+              </a:ext>
+            </a:extLst>
+          </p:cNvPr>
+          <p:cNvSpPr/>
+          <p:nvPr/>
+        </p:nvSpPr>
+        <p:spPr>
+          <a:xfrm>
+            <a:off x="6267450" y="2305272"/>
+            <a:ext cx="4686300" cy="3262152"/>
+          </a:xfrm>
+          <a:prstGeom prst="wedgeRoundRectCallout">
+            <a:avLst>
+              <a:gd name="adj1" fmla="val -56991"/>
+              <a:gd name="adj2" fmla="val 40413"/>
+              <a:gd name="adj3" fmla="val 16667"/>
+            </a:avLst>
+          </a:prstGeom>
+          <a:solidFill>
+            <a:schemeClr val="bg1"/>
+          </a:solidFill>
+          <a:ln>
+            <a:solidFill>
+              <a:srgbClr val="0070C0"/>
+            </a:solidFill>
+          </a:ln>
+        </p:spPr>
+        <p:style>
+          <a:lnRef idx="2">
+            <a:schemeClr val="accent1">
+              <a:shade val="50000"/>
+            </a:schemeClr>
+          </a:lnRef>
+          <a:fillRef idx="1">
+            <a:schemeClr val="accent1"/>
+          </a:fillRef>
+          <a:effectRef idx="0">
+            <a:schemeClr val="accent1"/>
+          </a:effectRef>
+          <a:fontRef idx="minor">
+            <a:schemeClr val="lt1"/>
+          </a:fontRef>
+        </p:style>
+        <p:txBody>
+          <a:bodyPr rtlCol="0" anchor="t"/>
+          <a:lstStyle/>
+          <a:p>
+            <a:pPr algn="l"/>
+            <a:r>
+              <a:rPr lang="en-US" sz="2800" dirty="0">
+                <a:solidFill>
+                  <a:schemeClr val="tx1"/>
+                </a:solidFill>
+              </a:rPr>
+              <a:t>That's something that happens in the module that exports the clock factory.  Pat is building that module.  They say it's not hard, but they  will show me how to do it in a couple of weeks.</a:t>
+            </a:r>
+          </a:p>
+        </p:txBody>
+      </p:sp>
+      <p:sp>
+        <p:nvSpPr>
+          <p:cNvPr id="5" name="Speech Bubble: Rectangle with Corners Rounded 4">
+            <a:extLst>
+              <a:ext uri="{FF2B5EF4-FFF2-40B4-BE49-F238E27FC236}">
+                <a16:creationId xmlns:a16="http://schemas.microsoft.com/office/drawing/2014/main" id="{D48C6AC9-B316-49B7-9B29-B84342D7D993}"/>
+              </a:ext>
+            </a:extLst>
+          </p:cNvPr>
+          <p:cNvSpPr/>
+          <p:nvPr/>
+        </p:nvSpPr>
+        <p:spPr>
+          <a:xfrm>
+            <a:off x="965522" y="1577975"/>
+            <a:ext cx="4686300" cy="1454592"/>
+          </a:xfrm>
+          <a:prstGeom prst="wedgeRoundRectCallout">
+            <a:avLst>
+              <a:gd name="adj1" fmla="val 57285"/>
+              <a:gd name="adj2" fmla="val 34111"/>
+              <a:gd name="adj3" fmla="val 16667"/>
+            </a:avLst>
+          </a:prstGeom>
+          <a:solidFill>
+            <a:schemeClr val="accent2">
+              <a:lumMod val="20000"/>
+              <a:lumOff val="80000"/>
+            </a:schemeClr>
+          </a:solidFill>
+          <a:ln>
+            <a:solidFill>
+              <a:srgbClr val="0070C0"/>
+            </a:solidFill>
+          </a:ln>
+        </p:spPr>
+        <p:style>
+          <a:lnRef idx="2">
+            <a:schemeClr val="accent1">
+              <a:shade val="50000"/>
+            </a:schemeClr>
+          </a:lnRef>
+          <a:fillRef idx="1">
+            <a:schemeClr val="accent1"/>
+          </a:fillRef>
+          <a:effectRef idx="0">
+            <a:schemeClr val="accent1"/>
+          </a:effectRef>
+          <a:fontRef idx="minor">
+            <a:schemeClr val="lt1"/>
+          </a:fontRef>
+        </p:style>
+        <p:txBody>
+          <a:bodyPr rtlCol="0" anchor="ctr"/>
+          <a:lstStyle/>
+          <a:p>
+            <a:pPr algn="l"/>
+            <a:r>
+              <a:rPr lang="en-US" sz="2800" dirty="0">
+                <a:solidFill>
+                  <a:schemeClr val="tx1"/>
+                </a:solidFill>
+              </a:rPr>
+              <a:t>Who is responsible for keeping the master clock up to date?</a:t>
+            </a:r>
+          </a:p>
+        </p:txBody>
+      </p:sp>
+    </p:spTree>
+    <p:extLst>
+      <p:ext uri="{BB962C8B-B14F-4D97-AF65-F5344CB8AC3E}">
+        <p14:creationId xmlns:p14="http://schemas.microsoft.com/office/powerpoint/2010/main" val="934883779"/>
+      </p:ext>
+    </p:extLst>
+  </p:cSld>
+  <p:clrMapOvr>
+    <a:masterClrMapping/>
+  </p:clrMapOvr>
+</p:sld>
+</file>
+
+<file path=ppt/slides/slide32.xml><?xml version="1.0" encoding="utf-8"?>
+<p:sld xmlns:a="http://schemas.openxmlformats.org/drawingml/2006/main" xmlns:r="http://schemas.openxmlformats.org/officeDocument/2006/relationships" xmlns:p="http://schemas.openxmlformats.org/presentationml/2006/main">
+  <p:cSld>
+    <p:spTree>
+      <p:nvGrpSpPr>
+        <p:cNvPr id="1" name=""/>
+        <p:cNvGrpSpPr/>
+        <p:nvPr/>
+      </p:nvGrpSpPr>
+      <p:grpSpPr>
+        <a:xfrm>
+          <a:off x="0" y="0"/>
+          <a:ext cx="0" cy="0"/>
+          <a:chOff x="0" y="0"/>
+          <a:chExt cx="0" cy="0"/>
+        </a:xfrm>
+      </p:grpSpPr>
+      <p:sp>
+        <p:nvSpPr>
+          <p:cNvPr id="2" name="Title 1">
+            <a:extLst>
+              <a:ext uri="{FF2B5EF4-FFF2-40B4-BE49-F238E27FC236}">
+                <a16:creationId xmlns:a16="http://schemas.microsoft.com/office/drawing/2014/main" id="{D8842FDD-4B0E-445C-8E75-9A6EE277E4B0}"/>
+              </a:ext>
+            </a:extLst>
+          </p:cNvPr>
+          <p:cNvSpPr>
+            <a:spLocks noGrp="1"/>
+          </p:cNvSpPr>
+          <p:nvPr>
+            <p:ph type="title"/>
+          </p:nvPr>
+        </p:nvSpPr>
+        <p:spPr/>
+        <p:txBody>
+          <a:bodyPr/>
+          <a:lstStyle/>
+          <a:p>
+            <a:r>
+              <a:rPr lang="en-US" dirty="0"/>
+              <a:t>The Discussion (4)</a:t>
+            </a:r>
+          </a:p>
+        </p:txBody>
+      </p:sp>
+      <p:sp>
+        <p:nvSpPr>
+          <p:cNvPr id="3" name="Slide Number Placeholder 2">
+            <a:extLst>
+              <a:ext uri="{FF2B5EF4-FFF2-40B4-BE49-F238E27FC236}">
+                <a16:creationId xmlns:a16="http://schemas.microsoft.com/office/drawing/2014/main" id="{029AE47E-356D-470E-8017-523179E02D5A}"/>
+              </a:ext>
+            </a:extLst>
+          </p:cNvPr>
+          <p:cNvSpPr>
+            <a:spLocks noGrp="1"/>
+          </p:cNvSpPr>
+          <p:nvPr>
+            <p:ph type="sldNum" sz="quarter" idx="12"/>
+          </p:nvPr>
+        </p:nvSpPr>
+        <p:spPr/>
+        <p:txBody>
+          <a:bodyPr/>
+          <a:lstStyle/>
+          <a:p>
+            <a:fld id="{20F37917-FD3A-4669-9018-DA04BCDD3D75}" type="slidenum">
+              <a:rPr lang="en-US" smtClean="0"/>
+              <a:t>32</a:t>
+            </a:fld>
+            <a:endParaRPr lang="en-US"/>
+          </a:p>
+        </p:txBody>
+      </p:sp>
+      <p:sp>
+        <p:nvSpPr>
+          <p:cNvPr id="4" name="Speech Bubble: Rectangle with Corners Rounded 3">
+            <a:extLst>
+              <a:ext uri="{FF2B5EF4-FFF2-40B4-BE49-F238E27FC236}">
+                <a16:creationId xmlns:a16="http://schemas.microsoft.com/office/drawing/2014/main" id="{B5381B48-6537-4C84-A437-E6CC32F22F54}"/>
+              </a:ext>
+            </a:extLst>
+          </p:cNvPr>
+          <p:cNvSpPr/>
+          <p:nvPr/>
+        </p:nvSpPr>
+        <p:spPr>
+          <a:xfrm>
+            <a:off x="6267450" y="2305272"/>
+            <a:ext cx="4686300" cy="3262152"/>
+          </a:xfrm>
+          <a:prstGeom prst="wedgeRoundRectCallout">
+            <a:avLst>
+              <a:gd name="adj1" fmla="val -56991"/>
+              <a:gd name="adj2" fmla="val 40413"/>
+              <a:gd name="adj3" fmla="val 16667"/>
+            </a:avLst>
+          </a:prstGeom>
+          <a:solidFill>
+            <a:schemeClr val="bg1"/>
+          </a:solidFill>
+          <a:ln>
+            <a:solidFill>
+              <a:srgbClr val="0070C0"/>
+            </a:solidFill>
+          </a:ln>
+        </p:spPr>
+        <p:style>
+          <a:lnRef idx="2">
+            <a:schemeClr val="accent1">
+              <a:shade val="50000"/>
+            </a:schemeClr>
+          </a:lnRef>
+          <a:fillRef idx="1">
+            <a:schemeClr val="accent1"/>
+          </a:fillRef>
+          <a:effectRef idx="0">
+            <a:schemeClr val="accent1"/>
+          </a:effectRef>
+          <a:fontRef idx="minor">
+            <a:schemeClr val="lt1"/>
+          </a:fontRef>
+        </p:style>
+        <p:txBody>
+          <a:bodyPr rtlCol="0" anchor="t"/>
+          <a:lstStyle/>
+          <a:p>
+            <a:pPr algn="l"/>
+            <a:r>
+              <a:rPr lang="en-US" sz="2800" dirty="0">
+                <a:solidFill>
+                  <a:schemeClr val="tx1"/>
+                </a:solidFill>
+              </a:rPr>
+              <a:t>The clock factory exports a class with an interface that only allows me to register.  The interface doesn’t provide me with a method for ticking the clock.</a:t>
+            </a:r>
+          </a:p>
+        </p:txBody>
+      </p:sp>
+      <p:sp>
+        <p:nvSpPr>
+          <p:cNvPr id="5" name="Speech Bubble: Rectangle with Corners Rounded 4">
+            <a:extLst>
+              <a:ext uri="{FF2B5EF4-FFF2-40B4-BE49-F238E27FC236}">
+                <a16:creationId xmlns:a16="http://schemas.microsoft.com/office/drawing/2014/main" id="{D48C6AC9-B316-49B7-9B29-B84342D7D993}"/>
+              </a:ext>
+            </a:extLst>
+          </p:cNvPr>
+          <p:cNvSpPr/>
+          <p:nvPr/>
+        </p:nvSpPr>
+        <p:spPr>
+          <a:xfrm>
+            <a:off x="965522" y="1577975"/>
+            <a:ext cx="4686300" cy="1454592"/>
+          </a:xfrm>
+          <a:prstGeom prst="wedgeRoundRectCallout">
+            <a:avLst>
+              <a:gd name="adj1" fmla="val 57285"/>
+              <a:gd name="adj2" fmla="val 34111"/>
+              <a:gd name="adj3" fmla="val 16667"/>
+            </a:avLst>
+          </a:prstGeom>
+          <a:solidFill>
+            <a:schemeClr val="accent2">
+              <a:lumMod val="20000"/>
+              <a:lumOff val="80000"/>
+            </a:schemeClr>
+          </a:solidFill>
+          <a:ln>
+            <a:solidFill>
+              <a:srgbClr val="0070C0"/>
+            </a:solidFill>
+          </a:ln>
+        </p:spPr>
+        <p:style>
+          <a:lnRef idx="2">
+            <a:schemeClr val="accent1">
+              <a:shade val="50000"/>
+            </a:schemeClr>
+          </a:lnRef>
+          <a:fillRef idx="1">
+            <a:schemeClr val="accent1"/>
+          </a:fillRef>
+          <a:effectRef idx="0">
+            <a:schemeClr val="accent1"/>
+          </a:effectRef>
+          <a:fontRef idx="minor">
+            <a:schemeClr val="lt1"/>
+          </a:fontRef>
+        </p:style>
+        <p:txBody>
+          <a:bodyPr rtlCol="0" anchor="ctr"/>
+          <a:lstStyle/>
+          <a:p>
+            <a:pPr algn="l"/>
+            <a:r>
+              <a:rPr lang="en-US" sz="2800" dirty="0">
+                <a:solidFill>
+                  <a:schemeClr val="tx1"/>
+                </a:solidFill>
+              </a:rPr>
+              <a:t>What's to prevent you from ticking the master clock</a:t>
+            </a:r>
+          </a:p>
+          <a:p>
+            <a:pPr algn="l"/>
+            <a:r>
+              <a:rPr lang="en-US" sz="2800" dirty="0">
+                <a:solidFill>
+                  <a:schemeClr val="tx1"/>
+                </a:solidFill>
+              </a:rPr>
+              <a:t>yourself?</a:t>
+            </a:r>
+          </a:p>
+        </p:txBody>
+      </p:sp>
+    </p:spTree>
+    <p:extLst>
+      <p:ext uri="{BB962C8B-B14F-4D97-AF65-F5344CB8AC3E}">
+        <p14:creationId xmlns:p14="http://schemas.microsoft.com/office/powerpoint/2010/main" val="2186411904"/>
+      </p:ext>
+    </p:extLst>
+  </p:cSld>
+  <p:clrMapOvr>
+    <a:masterClrMapping/>
+  </p:clrMapOvr>
+</p:sld>
+</file>
+
+<file path=ppt/slides/slide33.xml><?xml version="1.0" encoding="utf-8"?>
+<p:sld xmlns:a="http://schemas.openxmlformats.org/drawingml/2006/main" xmlns:r="http://schemas.openxmlformats.org/officeDocument/2006/relationships" xmlns:p="http://schemas.openxmlformats.org/presentationml/2006/main">
+  <p:cSld>
+    <p:spTree>
+      <p:nvGrpSpPr>
+        <p:cNvPr id="1" name=""/>
+        <p:cNvGrpSpPr/>
+        <p:nvPr/>
+      </p:nvGrpSpPr>
+      <p:grpSpPr>
+        <a:xfrm>
+          <a:off x="0" y="0"/>
+          <a:ext cx="0" cy="0"/>
+          <a:chOff x="0" y="0"/>
+          <a:chExt cx="0" cy="0"/>
+        </a:xfrm>
+      </p:grpSpPr>
+      <p:sp>
+        <p:nvSpPr>
+          <p:cNvPr id="2" name="Title 1">
+            <a:extLst>
+              <a:ext uri="{FF2B5EF4-FFF2-40B4-BE49-F238E27FC236}">
+                <a16:creationId xmlns:a16="http://schemas.microsoft.com/office/drawing/2014/main" id="{E743D407-5B53-49A7-9907-E801EA7FFD8E}"/>
+              </a:ext>
+            </a:extLst>
+          </p:cNvPr>
+          <p:cNvSpPr>
+            <a:spLocks noGrp="1"/>
+          </p:cNvSpPr>
+          <p:nvPr>
+            <p:ph type="title"/>
+          </p:nvPr>
+        </p:nvSpPr>
+        <p:spPr/>
+        <p:txBody>
+          <a:bodyPr/>
+          <a:lstStyle/>
+          <a:p>
+            <a:r>
+              <a:rPr lang="en-US" dirty="0"/>
+              <a:t>Learning Goals for this Lesson</a:t>
+            </a:r>
+          </a:p>
+        </p:txBody>
+      </p:sp>
+      <p:sp>
+        <p:nvSpPr>
+          <p:cNvPr id="3" name="Content Placeholder 2">
+            <a:extLst>
+              <a:ext uri="{FF2B5EF4-FFF2-40B4-BE49-F238E27FC236}">
+                <a16:creationId xmlns:a16="http://schemas.microsoft.com/office/drawing/2014/main" id="{AC300E2B-BFD0-4090-AFC5-FE82683F997F}"/>
+              </a:ext>
+            </a:extLst>
+          </p:cNvPr>
+          <p:cNvSpPr>
+            <a:spLocks noGrp="1"/>
+          </p:cNvSpPr>
+          <p:nvPr>
+            <p:ph idx="1"/>
+          </p:nvPr>
+        </p:nvSpPr>
+        <p:spPr/>
+        <p:txBody>
+          <a:bodyPr/>
+          <a:lstStyle/>
+          <a:p>
+            <a:r>
+              <a:rPr lang="en-US" dirty="0"/>
+              <a:t>At this point, you should be able to</a:t>
+            </a:r>
+          </a:p>
+          <a:p>
+            <a:pPr lvl="1"/>
+            <a:r>
+              <a:rPr lang="en-US" dirty="0"/>
+              <a:t>Give 4 examples of interaction patterns and describe their distinguishing characteristics</a:t>
+            </a:r>
+          </a:p>
+          <a:p>
+            <a:pPr lvl="1"/>
+            <a:r>
+              <a:rPr lang="en-US" dirty="0"/>
+              <a:t>Draw a picture or give an example to illustrate each one</a:t>
+            </a:r>
+          </a:p>
+        </p:txBody>
+      </p:sp>
+      <p:sp>
+        <p:nvSpPr>
+          <p:cNvPr id="4" name="Slide Number Placeholder 3">
+            <a:extLst>
+              <a:ext uri="{FF2B5EF4-FFF2-40B4-BE49-F238E27FC236}">
+                <a16:creationId xmlns:a16="http://schemas.microsoft.com/office/drawing/2014/main" id="{B7BF3F82-6F96-41E0-9C15-23CE00076176}"/>
+              </a:ext>
+            </a:extLst>
+          </p:cNvPr>
+          <p:cNvSpPr>
+            <a:spLocks noGrp="1"/>
+          </p:cNvSpPr>
+          <p:nvPr>
+            <p:ph type="sldNum" sz="quarter" idx="12"/>
+          </p:nvPr>
+        </p:nvSpPr>
+        <p:spPr/>
+        <p:txBody>
+          <a:bodyPr/>
+          <a:lstStyle/>
+          <a:p>
+            <a:fld id="{20F37917-FD3A-4669-9018-DA04BCDD3D75}" type="slidenum">
+              <a:rPr lang="en-US" smtClean="0"/>
+              <a:t>33</a:t>
+            </a:fld>
+            <a:endParaRPr lang="en-US"/>
+          </a:p>
+        </p:txBody>
+      </p:sp>
+    </p:spTree>
+    <p:extLst>
+      <p:ext uri="{BB962C8B-B14F-4D97-AF65-F5344CB8AC3E}">
+        <p14:creationId xmlns:p14="http://schemas.microsoft.com/office/powerpoint/2010/main" val="3988182231"/>
       </p:ext>
     </p:extLst>
   </p:cSld>

--- a/Slides/Lesson 2.3 The Interaction Scale.pptx
+++ b/Slides/Lesson 2.3 The Interaction Scale.pptx
@@ -33,8 +33,8 @@
     <p:sldId id="469" r:id="rId24"/>
     <p:sldId id="470" r:id="rId25"/>
     <p:sldId id="456" r:id="rId26"/>
-    <p:sldId id="471" r:id="rId27"/>
-    <p:sldId id="472" r:id="rId28"/>
+    <p:sldId id="472" r:id="rId27"/>
+    <p:sldId id="471" r:id="rId28"/>
     <p:sldId id="490" r:id="rId29"/>
     <p:sldId id="491" r:id="rId30"/>
     <p:sldId id="492" r:id="rId31"/>
@@ -197,8 +197,8 @@
             <p14:sldId id="469"/>
             <p14:sldId id="470"/>
             <p14:sldId id="456"/>
+            <p14:sldId id="472"/>
             <p14:sldId id="471"/>
-            <p14:sldId id="472"/>
             <p14:sldId id="490"/>
             <p14:sldId id="491"/>
             <p14:sldId id="492"/>
@@ -2670,15 +2670,15 @@
           <a:p>
             <a:r>
               <a:rPr lang="en-US" dirty="0"/>
-              <a:t>Here’s how you do it.  You make a factory that lies:  it keeps a first-time-through switch, here called ‘</a:t>
+              <a:t>Here’s the behavior we expect to see.  We assume that instance() is a static method of </a:t>
             </a:r>
             <a:r>
               <a:rPr lang="en-US" dirty="0" err="1"/>
-              <a:t>isInitialized</a:t>
+              <a:t>ClockFactory</a:t>
             </a:r>
             <a:r>
               <a:rPr lang="en-US" dirty="0"/>
-              <a:t>’, and after the first time it is called (with ‘instance’), it keeps returning the same clock over and over again.</a:t>
+              <a:t>. Are clock1 and clock2 the same clock?  More precisely, is the clock named clock1 the same clock as the clock named clock2?</a:t>
             </a:r>
           </a:p>
           <a:p>
@@ -2687,38 +2687,17 @@
           <a:p>
             <a:r>
               <a:rPr lang="en-US" dirty="0"/>
-              <a:t>How do you prevent the client from creating a new Factory?  Easy: you make the constructor of </a:t>
-            </a:r>
-            <a:r>
-              <a:rPr lang="en-US" dirty="0" err="1"/>
-              <a:t>SingletonClockFactory</a:t>
-            </a:r>
+              <a:t>If they are the same clock, then the effect of ticking the clock named clock1 should be visible on the clock named clock2, and vice versa. </a:t>
+            </a:r>
+          </a:p>
+          <a:p>
+            <a:endParaRPr lang="en-US" dirty="0"/>
+          </a:p>
+          <a:p>
             <a:r>
               <a:rPr lang="en-US" dirty="0"/>
-              <a:t> private, so nobody can say “new </a:t>
-            </a:r>
-            <a:r>
-              <a:rPr lang="en-US" dirty="0" err="1"/>
-              <a:t>SingletonClockFactory</a:t>
-            </a:r>
-            <a:r>
-              <a:rPr lang="en-US" dirty="0"/>
-              <a:t>”.   Then you make instance() a static method, so the user of this code creates a clock by saying </a:t>
-            </a:r>
-            <a:r>
-              <a:rPr lang="en-US" dirty="0" err="1"/>
-              <a:t>SingletonClockFactory.instance</a:t>
-            </a:r>
-            <a:r>
-              <a:rPr lang="en-US" dirty="0"/>
-              <a:t>().</a:t>
-            </a:r>
-          </a:p>
-          <a:p>
-            <a:endParaRPr lang="en-US" dirty="0"/>
-          </a:p>
-          <a:p>
-            <a:endParaRPr lang="en-US" dirty="0"/>
+              <a:t>Here we test this by ticking clock1 twice and checking  to see that both clock1 and clock2 show the time as 2; we reset clock1, and then check to see that both clock1 and clock2 have been reset to zero.</a:t>
+            </a:r>
           </a:p>
         </p:txBody>
       </p:sp>
@@ -2748,7 +2727,7 @@
     </p:spTree>
     <p:extLst>
       <p:ext uri="{BB962C8B-B14F-4D97-AF65-F5344CB8AC3E}">
-        <p14:creationId xmlns:p14="http://schemas.microsoft.com/office/powerpoint/2010/main" val="944057601"/>
+        <p14:creationId xmlns:p14="http://schemas.microsoft.com/office/powerpoint/2010/main" val="311776401"/>
       </p:ext>
     </p:extLst>
   </p:cSld>
@@ -2804,7 +2783,15 @@
           <a:p>
             <a:r>
               <a:rPr lang="en-US" dirty="0"/>
-              <a:t>Here’s some code to test that only one clock is created.  Are clock1 and clock2 the same clock?  More precisely, is the clock named clock1 the same clock as the clock named clock2?</a:t>
+              <a:t>Here’s how you do it.  You make a factory that lies:  it keeps a first-time-through switch, here called ‘</a:t>
+            </a:r>
+            <a:r>
+              <a:rPr lang="en-US" dirty="0" err="1"/>
+              <a:t>isInitialized</a:t>
+            </a:r>
+            <a:r>
+              <a:rPr lang="en-US" dirty="0"/>
+              <a:t>’, and after the first time it is called (with ‘instance’), it keeps returning the same clock over and over again.</a:t>
             </a:r>
           </a:p>
           <a:p>
@@ -2813,17 +2800,38 @@
           <a:p>
             <a:r>
               <a:rPr lang="en-US" dirty="0"/>
-              <a:t>If they are the same clock, then the effect of ticking the clock named clock1 should be visible on the clock named clock2, and vice versa. </a:t>
+              <a:t>How do you prevent the client from creating a new Factory?  Easy: you make the constructor of </a:t>
+            </a:r>
+            <a:r>
+              <a:rPr lang="en-US" dirty="0" err="1"/>
+              <a:t>SingletonClockFactory</a:t>
+            </a:r>
+            <a:r>
+              <a:rPr lang="en-US" dirty="0"/>
+              <a:t> private, so nobody can say “new </a:t>
+            </a:r>
+            <a:r>
+              <a:rPr lang="en-US" dirty="0" err="1"/>
+              <a:t>SingletonClockFactory</a:t>
+            </a:r>
+            <a:r>
+              <a:rPr lang="en-US" dirty="0"/>
+              <a:t>”.   Then you make instance() a static method, so the user of this code creates a clock by saying </a:t>
+            </a:r>
+            <a:r>
+              <a:rPr lang="en-US" dirty="0" err="1"/>
+              <a:t>SingletonClockFactory.instance</a:t>
+            </a:r>
+            <a:r>
+              <a:rPr lang="en-US" dirty="0"/>
+              <a:t>().</a:t>
             </a:r>
           </a:p>
           <a:p>
             <a:endParaRPr lang="en-US" dirty="0"/>
           </a:p>
           <a:p>
-            <a:r>
-              <a:rPr lang="en-US" dirty="0"/>
-              <a:t>Here we test this by ticking clock1 twice and checking  to see that both clock1 and clock2 show the time as 2; we reset clock1, and then check to see that both clock1 and clock2 have been reset to zero.</a:t>
-            </a:r>
+            <a:endParaRPr lang="en-US" dirty="0"/>
           </a:p>
         </p:txBody>
       </p:sp>
@@ -2853,7 +2861,7 @@
     </p:spTree>
     <p:extLst>
       <p:ext uri="{BB962C8B-B14F-4D97-AF65-F5344CB8AC3E}">
-        <p14:creationId xmlns:p14="http://schemas.microsoft.com/office/powerpoint/2010/main" val="311776401"/>
+        <p14:creationId xmlns:p14="http://schemas.microsoft.com/office/powerpoint/2010/main" val="944057601"/>
       </p:ext>
     </p:extLst>
   </p:cSld>
@@ -9583,131 +9591,6 @@
       </p:sp>
       <p:sp>
         <p:nvSpPr>
-          <p:cNvPr id="9" name="&quot;Not Allowed&quot; Symbol 8">
-            <a:extLst>
-              <a:ext uri="{FF2B5EF4-FFF2-40B4-BE49-F238E27FC236}">
-                <a16:creationId xmlns:a16="http://schemas.microsoft.com/office/drawing/2014/main" id="{40BF18F5-3806-4A2D-B252-33209D03F500}"/>
-              </a:ext>
-            </a:extLst>
-          </p:cNvPr>
-          <p:cNvSpPr/>
-          <p:nvPr/>
-        </p:nvSpPr>
-        <p:spPr>
-          <a:xfrm>
-            <a:off x="1251680" y="967932"/>
-            <a:ext cx="5568846" cy="5568846"/>
-          </a:xfrm>
-          <a:prstGeom prst="noSmoking">
-            <a:avLst/>
-          </a:prstGeom>
-          <a:solidFill>
-            <a:srgbClr val="FF0000">
-              <a:alpha val="30000"/>
-            </a:srgbClr>
-          </a:solidFill>
-          <a:ln>
-            <a:solidFill>
-              <a:srgbClr val="0070C0"/>
-            </a:solidFill>
-          </a:ln>
-        </p:spPr>
-        <p:style>
-          <a:lnRef idx="2">
-            <a:schemeClr val="accent1">
-              <a:shade val="50000"/>
-            </a:schemeClr>
-          </a:lnRef>
-          <a:fillRef idx="1">
-            <a:schemeClr val="accent1"/>
-          </a:fillRef>
-          <a:effectRef idx="0">
-            <a:schemeClr val="accent1"/>
-          </a:effectRef>
-          <a:fontRef idx="minor">
-            <a:schemeClr val="lt1"/>
-          </a:fontRef>
-        </p:style>
-        <p:txBody>
-          <a:bodyPr rtlCol="0" anchor="ctr"/>
-          <a:lstStyle/>
-          <a:p>
-            <a:pPr algn="l"/>
-            <a:endParaRPr lang="en-US" sz="9600" dirty="0">
-              <a:solidFill>
-                <a:schemeClr val="tx1"/>
-              </a:solidFill>
-            </a:endParaRPr>
-          </a:p>
-        </p:txBody>
-      </p:sp>
-      <p:sp>
-        <p:nvSpPr>
-          <p:cNvPr id="10" name="TextBox 9">
-            <a:extLst>
-              <a:ext uri="{FF2B5EF4-FFF2-40B4-BE49-F238E27FC236}">
-                <a16:creationId xmlns:a16="http://schemas.microsoft.com/office/drawing/2014/main" id="{5D15AA61-E2E1-4616-A558-86E769466B76}"/>
-              </a:ext>
-            </a:extLst>
-          </p:cNvPr>
-          <p:cNvSpPr txBox="1"/>
-          <p:nvPr/>
-        </p:nvSpPr>
-        <p:spPr>
-          <a:xfrm>
-            <a:off x="2052404" y="2521821"/>
-            <a:ext cx="4043596" cy="2461068"/>
-          </a:xfrm>
-          <a:prstGeom prst="rect">
-            <a:avLst/>
-          </a:prstGeom>
-          <a:noFill/>
-          <a:ln>
-            <a:noFill/>
-          </a:ln>
-        </p:spPr>
-        <p:style>
-          <a:lnRef idx="2">
-            <a:schemeClr val="accent1">
-              <a:shade val="50000"/>
-            </a:schemeClr>
-          </a:lnRef>
-          <a:fillRef idx="1">
-            <a:schemeClr val="accent1"/>
-          </a:fillRef>
-          <a:effectRef idx="0">
-            <a:schemeClr val="accent1"/>
-          </a:effectRef>
-          <a:fontRef idx="minor">
-            <a:schemeClr val="lt1"/>
-          </a:fontRef>
-        </p:style>
-        <p:txBody>
-          <a:bodyPr rot="0" spcFirstLastPara="0" vertOverflow="overflow" horzOverflow="overflow" vert="horz" wrap="square" lIns="91440" tIns="45720" rIns="91440" bIns="45720" numCol="1" spcCol="0" rtlCol="0" fromWordArt="0" anchor="ctr" anchorCtr="0" forceAA="0" compatLnSpc="1">
-            <a:prstTxWarp prst="textNoShape">
-              <a:avLst/>
-            </a:prstTxWarp>
-            <a:noAutofit/>
-          </a:bodyPr>
-          <a:lstStyle/>
-          <a:p>
-            <a:pPr algn="ctr"/>
-            <a:r>
-              <a:rPr lang="en-US" sz="12800" dirty="0">
-                <a:solidFill>
-                  <a:srgbClr val="92D050"/>
-                </a:solidFill>
-                <a:latin typeface="Open Sans ExtraBold" panose="020B0906030804020204" pitchFamily="34" charset="0"/>
-                <a:ea typeface="Open Sans ExtraBold" panose="020B0906030804020204" pitchFamily="34" charset="0"/>
-                <a:cs typeface="Open Sans ExtraBold" panose="020B0906030804020204" pitchFamily="34" charset="0"/>
-              </a:rPr>
-              <a:t>NO!!</a:t>
-            </a:r>
-          </a:p>
-        </p:txBody>
-      </p:sp>
-      <p:sp>
-        <p:nvSpPr>
           <p:cNvPr id="12" name="TextBox 11">
             <a:extLst>
               <a:ext uri="{FF2B5EF4-FFF2-40B4-BE49-F238E27FC236}">
@@ -9780,6 +9663,71 @@
           </a:p>
         </p:txBody>
       </p:sp>
+      <p:sp>
+        <p:nvSpPr>
+          <p:cNvPr id="8" name="TextBox 7">
+            <a:extLst>
+              <a:ext uri="{FF2B5EF4-FFF2-40B4-BE49-F238E27FC236}">
+                <a16:creationId xmlns:a16="http://schemas.microsoft.com/office/drawing/2014/main" id="{78B382B3-4E6F-409B-A831-018025BEA61D}"/>
+              </a:ext>
+            </a:extLst>
+          </p:cNvPr>
+          <p:cNvSpPr txBox="1"/>
+          <p:nvPr/>
+        </p:nvSpPr>
+        <p:spPr>
+          <a:xfrm>
+            <a:off x="1807416" y="2001966"/>
+            <a:ext cx="7579179" cy="3696235"/>
+          </a:xfrm>
+          <a:prstGeom prst="rect">
+            <a:avLst/>
+          </a:prstGeom>
+          <a:noFill/>
+          <a:ln>
+            <a:noFill/>
+          </a:ln>
+        </p:spPr>
+        <p:style>
+          <a:lnRef idx="2">
+            <a:schemeClr val="accent1">
+              <a:shade val="50000"/>
+            </a:schemeClr>
+          </a:lnRef>
+          <a:fillRef idx="1">
+            <a:schemeClr val="accent1"/>
+          </a:fillRef>
+          <a:effectRef idx="0">
+            <a:schemeClr val="accent1"/>
+          </a:effectRef>
+          <a:fontRef idx="minor">
+            <a:schemeClr val="lt1"/>
+          </a:fontRef>
+        </p:style>
+        <p:txBody>
+          <a:bodyPr rot="0" spcFirstLastPara="0" vertOverflow="overflow" horzOverflow="overflow" vert="horz" wrap="square" lIns="91440" tIns="45720" rIns="91440" bIns="45720" numCol="1" spcCol="0" rtlCol="0" fromWordArt="0" anchor="ctr" anchorCtr="0" forceAA="0" compatLnSpc="1">
+            <a:prstTxWarp prst="textNoShape">
+              <a:avLst/>
+            </a:prstTxWarp>
+            <a:noAutofit/>
+          </a:bodyPr>
+          <a:lstStyle/>
+          <a:p>
+            <a:pPr algn="ctr"/>
+            <a:r>
+              <a:rPr lang="en-US" sz="25600" dirty="0">
+                <a:solidFill>
+                  <a:srgbClr val="92D050"/>
+                </a:solidFill>
+                <a:latin typeface="Open Sans ExtraBold" panose="020B0906030804020204" pitchFamily="34" charset="0"/>
+                <a:ea typeface="Open Sans ExtraBold" panose="020B0906030804020204" pitchFamily="34" charset="0"/>
+                <a:cs typeface="Open Sans ExtraBold" panose="020B0906030804020204" pitchFamily="34" charset="0"/>
+              </a:rPr>
+              <a:t>NO!!</a:t>
+            </a:r>
+          </a:p>
+        </p:txBody>
+      </p:sp>
     </p:spTree>
     <p:extLst>
       <p:ext uri="{BB962C8B-B14F-4D97-AF65-F5344CB8AC3E}">
@@ -9811,7 +9759,7 @@
                             </p:stCondLst>
                             <p:childTnLst>
                               <p:par>
-                                <p:cTn id="5" presetID="1" presetClass="entr" presetSubtype="0" fill="hold" grpId="0" nodeType="clickEffect">
+                                <p:cTn id="5" presetID="10" presetClass="entr" presetSubtype="0" fill="hold" grpId="0" nodeType="clickEffect">
                                   <p:stCondLst>
                                     <p:cond delay="0"/>
                                   </p:stCondLst>
@@ -9824,7 +9772,7 @@
                                           </p:stCondLst>
                                         </p:cTn>
                                         <p:tgtEl>
-                                          <p:spTgt spid="9"/>
+                                          <p:spTgt spid="8"/>
                                         </p:tgtEl>
                                         <p:attrNameLst>
                                           <p:attrName>style.visibility</p:attrName>
@@ -9834,108 +9782,14 @@
                                         <p:strVal val="visible"/>
                                       </p:to>
                                     </p:set>
-                                  </p:childTnLst>
-                                </p:cTn>
-                              </p:par>
-                            </p:childTnLst>
-                          </p:cTn>
-                        </p:par>
-                      </p:childTnLst>
-                    </p:cTn>
-                  </p:par>
-                  <p:par>
-                    <p:cTn id="7" fill="hold">
-                      <p:stCondLst>
-                        <p:cond delay="indefinite"/>
-                      </p:stCondLst>
-                      <p:childTnLst>
-                        <p:par>
-                          <p:cTn id="8" fill="hold">
-                            <p:stCondLst>
-                              <p:cond delay="0"/>
-                            </p:stCondLst>
-                            <p:childTnLst>
-                              <p:par>
-                                <p:cTn id="9" presetID="32" presetClass="emph" presetSubtype="0" fill="hold" grpId="0" nodeType="clickEffect">
-                                  <p:stCondLst>
-                                    <p:cond delay="0"/>
-                                  </p:stCondLst>
-                                  <p:childTnLst>
-                                    <p:animRot by="120000">
+                                    <p:animEffect transition="in" filter="fade">
                                       <p:cBhvr>
-                                        <p:cTn id="10" dur="100" fill="hold">
-                                          <p:stCondLst>
-                                            <p:cond delay="0"/>
-                                          </p:stCondLst>
-                                        </p:cTn>
+                                        <p:cTn id="7" dur="1500"/>
                                         <p:tgtEl>
-                                          <p:spTgt spid="10"/>
+                                          <p:spTgt spid="8"/>
                                         </p:tgtEl>
-                                        <p:attrNameLst>
-                                          <p:attrName>r</p:attrName>
-                                        </p:attrNameLst>
                                       </p:cBhvr>
-                                    </p:animRot>
-                                    <p:animRot by="-240000">
-                                      <p:cBhvr>
-                                        <p:cTn id="11" dur="200" fill="hold">
-                                          <p:stCondLst>
-                                            <p:cond delay="200"/>
-                                          </p:stCondLst>
-                                        </p:cTn>
-                                        <p:tgtEl>
-                                          <p:spTgt spid="10"/>
-                                        </p:tgtEl>
-                                        <p:attrNameLst>
-                                          <p:attrName>r</p:attrName>
-                                        </p:attrNameLst>
-                                      </p:cBhvr>
-                                    </p:animRot>
-                                    <p:animRot by="240000">
-                                      <p:cBhvr>
-                                        <p:cTn id="12" dur="200" fill="hold">
-                                          <p:stCondLst>
-                                            <p:cond delay="400"/>
-                                          </p:stCondLst>
-                                        </p:cTn>
-                                        <p:tgtEl>
-                                          <p:spTgt spid="10"/>
-                                        </p:tgtEl>
-                                        <p:attrNameLst>
-                                          <p:attrName>r</p:attrName>
-                                        </p:attrNameLst>
-                                      </p:cBhvr>
-                                    </p:animRot>
-                                    <p:animRot by="-240000">
-                                      <p:cBhvr>
-                                        <p:cTn id="13" dur="200" fill="hold">
-                                          <p:stCondLst>
-                                            <p:cond delay="600"/>
-                                          </p:stCondLst>
-                                        </p:cTn>
-                                        <p:tgtEl>
-                                          <p:spTgt spid="10"/>
-                                        </p:tgtEl>
-                                        <p:attrNameLst>
-                                          <p:attrName>r</p:attrName>
-                                        </p:attrNameLst>
-                                      </p:cBhvr>
-                                    </p:animRot>
-                                    <p:animRot by="120000">
-                                      <p:cBhvr>
-                                        <p:cTn id="14" dur="200" fill="hold">
-                                          <p:stCondLst>
-                                            <p:cond delay="800"/>
-                                          </p:stCondLst>
-                                        </p:cTn>
-                                        <p:tgtEl>
-                                          <p:spTgt spid="10"/>
-                                        </p:tgtEl>
-                                        <p:attrNameLst>
-                                          <p:attrName>r</p:attrName>
-                                        </p:attrNameLst>
-                                      </p:cBhvr>
-                                    </p:animRot>
+                                    </p:animEffect>
                                   </p:childTnLst>
                                 </p:cTn>
                               </p:par>
@@ -9967,8 +9821,7 @@
       </p:par>
     </p:tnLst>
     <p:bldLst>
-      <p:bldP spid="9" grpId="0" animBg="1"/>
-      <p:bldP spid="10" grpId="0"/>
+      <p:bldP spid="8" grpId="0"/>
     </p:bldLst>
   </p:timing>
 </p:sld>
@@ -18334,34 +18187,44 @@
               <a:t> </a:t>
             </a:r>
             <a:r>
+              <a:rPr lang="en-US" sz="2000" b="0" dirty="0" err="1">
+                <a:solidFill>
+                  <a:srgbClr val="000000"/>
+                </a:solidFill>
+                <a:effectLst/>
+                <a:latin typeface="Consolas" panose="020B0609020204030204" pitchFamily="49" charset="0"/>
+              </a:rPr>
+              <a:t>twice</a:t>
+            </a:r>
+            <a:r>
+              <a:rPr lang="en-US" sz="2000" b="0" dirty="0" err="1">
+                <a:solidFill>
+                  <a:srgbClr val="001080"/>
+                </a:solidFill>
+                <a:effectLst/>
+                <a:latin typeface="Consolas" panose="020B0609020204030204" pitchFamily="49" charset="0"/>
+              </a:rPr>
+              <a:t>time</a:t>
+            </a:r>
+            <a:r>
               <a:rPr lang="en-US" sz="2000" b="0" dirty="0">
                 <a:solidFill>
-                  <a:srgbClr val="001080"/>
-                </a:solidFill>
-                <a:effectLst/>
-                <a:latin typeface="Consolas" panose="020B0609020204030204" pitchFamily="49" charset="0"/>
-              </a:rPr>
-              <a:t>time</a:t>
+                  <a:srgbClr val="000000"/>
+                </a:solidFill>
+                <a:effectLst/>
+                <a:latin typeface="Consolas" panose="020B0609020204030204" pitchFamily="49" charset="0"/>
+              </a:rPr>
+              <a:t> = </a:t>
             </a:r>
             <a:r>
               <a:rPr lang="en-US" sz="2000" b="0" dirty="0">
                 <a:solidFill>
-                  <a:srgbClr val="000000"/>
-                </a:solidFill>
-                <a:effectLst/>
-                <a:latin typeface="Consolas" panose="020B0609020204030204" pitchFamily="49" charset="0"/>
-              </a:rPr>
-              <a:t> = </a:t>
-            </a:r>
-            <a:r>
-              <a:rPr lang="en-US" sz="2000" b="0" dirty="0">
-                <a:solidFill>
                   <a:srgbClr val="098658"/>
                 </a:solidFill>
                 <a:effectLst/>
                 <a:latin typeface="Consolas" panose="020B0609020204030204" pitchFamily="49" charset="0"/>
               </a:rPr>
-              <a:t>0</a:t>
+              <a:t>0  // twice the last time we received</a:t>
             </a:r>
             <a:endParaRPr lang="en-US" sz="2000" b="0" dirty="0">
               <a:solidFill>
@@ -18561,7 +18424,7 @@
                 <a:effectLst/>
                 <a:latin typeface="Consolas" panose="020B0609020204030204" pitchFamily="49" charset="0"/>
               </a:rPr>
-              <a:t>.</a:t>
+              <a:t>.twice</a:t>
             </a:r>
             <a:r>
               <a:rPr lang="en-US" sz="2000" b="0" dirty="0" err="1">
@@ -18794,7 +18657,7 @@
                 <a:effectLst/>
                 <a:latin typeface="Consolas" panose="020B0609020204030204" pitchFamily="49" charset="0"/>
               </a:rPr>
-              <a:t>.</a:t>
+              <a:t>.twice</a:t>
             </a:r>
             <a:r>
               <a:rPr lang="en-US" sz="2000" b="0" dirty="0" err="1">
@@ -24233,6 +24096,1536 @@
       </p:grpSpPr>
       <p:sp>
         <p:nvSpPr>
+          <p:cNvPr id="2" name="Title 1">
+            <a:extLst>
+              <a:ext uri="{FF2B5EF4-FFF2-40B4-BE49-F238E27FC236}">
+                <a16:creationId xmlns:a16="http://schemas.microsoft.com/office/drawing/2014/main" id="{79C0E3CA-0AF9-44A5-AE3D-3E6F93AA4B3F}"/>
+              </a:ext>
+            </a:extLst>
+          </p:cNvPr>
+          <p:cNvSpPr>
+            <a:spLocks noGrp="1"/>
+          </p:cNvSpPr>
+          <p:nvPr>
+            <p:ph type="title"/>
+          </p:nvPr>
+        </p:nvSpPr>
+        <p:spPr/>
+        <p:txBody>
+          <a:bodyPr/>
+          <a:lstStyle/>
+          <a:p>
+            <a:r>
+              <a:rPr lang="en-US" dirty="0"/>
+              <a:t>Here’s the behavior we expect</a:t>
+            </a:r>
+          </a:p>
+        </p:txBody>
+      </p:sp>
+      <p:sp>
+        <p:nvSpPr>
+          <p:cNvPr id="4" name="Slide Number Placeholder 3">
+            <a:extLst>
+              <a:ext uri="{FF2B5EF4-FFF2-40B4-BE49-F238E27FC236}">
+                <a16:creationId xmlns:a16="http://schemas.microsoft.com/office/drawing/2014/main" id="{43B522ED-CD51-4D46-9492-8DAA54C4C893}"/>
+              </a:ext>
+            </a:extLst>
+          </p:cNvPr>
+          <p:cNvSpPr>
+            <a:spLocks noGrp="1"/>
+          </p:cNvSpPr>
+          <p:nvPr>
+            <p:ph type="sldNum" sz="quarter" idx="12"/>
+          </p:nvPr>
+        </p:nvSpPr>
+        <p:spPr/>
+        <p:txBody>
+          <a:bodyPr/>
+          <a:lstStyle/>
+          <a:p>
+            <a:fld id="{20F37917-FD3A-4669-9018-DA04BCDD3D75}" type="slidenum">
+              <a:rPr lang="en-US" smtClean="0"/>
+              <a:t>26</a:t>
+            </a:fld>
+            <a:endParaRPr lang="en-US"/>
+          </a:p>
+        </p:txBody>
+      </p:sp>
+      <p:sp>
+        <p:nvSpPr>
+          <p:cNvPr id="6" name="TextBox 5">
+            <a:extLst>
+              <a:ext uri="{FF2B5EF4-FFF2-40B4-BE49-F238E27FC236}">
+                <a16:creationId xmlns:a16="http://schemas.microsoft.com/office/drawing/2014/main" id="{5407603D-8BF7-45ED-95E8-55B7B850B5D1}"/>
+              </a:ext>
+            </a:extLst>
+          </p:cNvPr>
+          <p:cNvSpPr txBox="1"/>
+          <p:nvPr/>
+        </p:nvSpPr>
+        <p:spPr>
+          <a:xfrm>
+            <a:off x="838200" y="1473106"/>
+            <a:ext cx="9955774" cy="4801314"/>
+          </a:xfrm>
+          <a:prstGeom prst="rect">
+            <a:avLst/>
+          </a:prstGeom>
+          <a:noFill/>
+          <a:ln w="12700" cap="flat" cmpd="sng" algn="ctr">
+            <a:noFill/>
+            <a:prstDash val="solid"/>
+            <a:miter lim="800000"/>
+          </a:ln>
+          <a:effectLst/>
+        </p:spPr>
+        <p:style>
+          <a:lnRef idx="2">
+            <a:schemeClr val="accent1">
+              <a:shade val="50000"/>
+            </a:schemeClr>
+          </a:lnRef>
+          <a:fillRef idx="1">
+            <a:schemeClr val="accent1"/>
+          </a:fillRef>
+          <a:effectRef idx="0">
+            <a:schemeClr val="accent1"/>
+          </a:effectRef>
+          <a:fontRef idx="minor">
+            <a:schemeClr val="lt1"/>
+          </a:fontRef>
+        </p:style>
+        <p:txBody>
+          <a:bodyPr wrap="square">
+            <a:spAutoFit/>
+          </a:bodyPr>
+          <a:lstStyle/>
+          <a:p>
+            <a:r>
+              <a:rPr lang="en-US" b="0" dirty="0">
+                <a:solidFill>
+                  <a:srgbClr val="AF00DB"/>
+                </a:solidFill>
+                <a:effectLst/>
+                <a:latin typeface="Consolas" panose="020B0609020204030204" pitchFamily="49" charset="0"/>
+              </a:rPr>
+              <a:t>import</a:t>
+            </a:r>
+            <a:r>
+              <a:rPr lang="en-US" b="0" dirty="0">
+                <a:solidFill>
+                  <a:srgbClr val="000000"/>
+                </a:solidFill>
+                <a:effectLst/>
+                <a:latin typeface="Consolas" panose="020B0609020204030204" pitchFamily="49" charset="0"/>
+              </a:rPr>
+              <a:t> </a:t>
+            </a:r>
+            <a:r>
+              <a:rPr lang="en-US" b="0" dirty="0" err="1">
+                <a:solidFill>
+                  <a:srgbClr val="001080"/>
+                </a:solidFill>
+                <a:effectLst/>
+                <a:latin typeface="Consolas" panose="020B0609020204030204" pitchFamily="49" charset="0"/>
+              </a:rPr>
+              <a:t>ClockFactory</a:t>
+            </a:r>
+            <a:r>
+              <a:rPr lang="en-US" b="0" dirty="0">
+                <a:solidFill>
+                  <a:srgbClr val="000000"/>
+                </a:solidFill>
+                <a:effectLst/>
+                <a:latin typeface="Consolas" panose="020B0609020204030204" pitchFamily="49" charset="0"/>
+              </a:rPr>
+              <a:t> </a:t>
+            </a:r>
+            <a:r>
+              <a:rPr lang="en-US" b="0" dirty="0">
+                <a:solidFill>
+                  <a:srgbClr val="AF00DB"/>
+                </a:solidFill>
+                <a:effectLst/>
+                <a:latin typeface="Consolas" panose="020B0609020204030204" pitchFamily="49" charset="0"/>
+              </a:rPr>
+              <a:t>from</a:t>
+            </a:r>
+            <a:r>
+              <a:rPr lang="en-US" b="0" dirty="0">
+                <a:solidFill>
+                  <a:srgbClr val="000000"/>
+                </a:solidFill>
+                <a:effectLst/>
+                <a:latin typeface="Consolas" panose="020B0609020204030204" pitchFamily="49" charset="0"/>
+              </a:rPr>
+              <a:t> </a:t>
+            </a:r>
+            <a:r>
+              <a:rPr lang="en-US" b="0" dirty="0">
+                <a:solidFill>
+                  <a:srgbClr val="A31515"/>
+                </a:solidFill>
+                <a:effectLst/>
+                <a:latin typeface="Consolas" panose="020B0609020204030204" pitchFamily="49" charset="0"/>
+              </a:rPr>
+              <a:t>'./</a:t>
+            </a:r>
+            <a:r>
+              <a:rPr lang="en-US" b="0" dirty="0" err="1">
+                <a:solidFill>
+                  <a:srgbClr val="A31515"/>
+                </a:solidFill>
+                <a:effectLst/>
+                <a:latin typeface="Consolas" panose="020B0609020204030204" pitchFamily="49" charset="0"/>
+              </a:rPr>
+              <a:t>singletonClockFactory</a:t>
+            </a:r>
+            <a:r>
+              <a:rPr lang="en-US" b="0" dirty="0">
+                <a:solidFill>
+                  <a:srgbClr val="A31515"/>
+                </a:solidFill>
+                <a:effectLst/>
+                <a:latin typeface="Consolas" panose="020B0609020204030204" pitchFamily="49" charset="0"/>
+              </a:rPr>
+              <a:t>'</a:t>
+            </a:r>
+            <a:endParaRPr lang="en-US" b="0" dirty="0">
+              <a:solidFill>
+                <a:srgbClr val="000000"/>
+              </a:solidFill>
+              <a:effectLst/>
+              <a:latin typeface="Consolas" panose="020B0609020204030204" pitchFamily="49" charset="0"/>
+            </a:endParaRPr>
+          </a:p>
+          <a:p>
+            <a:br>
+              <a:rPr lang="en-US" b="0" dirty="0">
+                <a:solidFill>
+                  <a:srgbClr val="000000"/>
+                </a:solidFill>
+                <a:effectLst/>
+                <a:latin typeface="Consolas" panose="020B0609020204030204" pitchFamily="49" charset="0"/>
+              </a:rPr>
+            </a:br>
+            <a:br>
+              <a:rPr lang="en-US" b="0" dirty="0">
+                <a:solidFill>
+                  <a:srgbClr val="000000"/>
+                </a:solidFill>
+                <a:effectLst/>
+                <a:latin typeface="Consolas" panose="020B0609020204030204" pitchFamily="49" charset="0"/>
+              </a:rPr>
+            </a:br>
+            <a:r>
+              <a:rPr lang="en-US" b="0" dirty="0">
+                <a:solidFill>
+                  <a:srgbClr val="795E26"/>
+                </a:solidFill>
+                <a:effectLst/>
+                <a:latin typeface="Consolas" panose="020B0609020204030204" pitchFamily="49" charset="0"/>
+              </a:rPr>
+              <a:t>test</a:t>
+            </a:r>
+            <a:r>
+              <a:rPr lang="en-US" b="0" dirty="0">
+                <a:solidFill>
+                  <a:srgbClr val="000000"/>
+                </a:solidFill>
+                <a:effectLst/>
+                <a:latin typeface="Consolas" panose="020B0609020204030204" pitchFamily="49" charset="0"/>
+              </a:rPr>
+              <a:t>(</a:t>
+            </a:r>
+            <a:r>
+              <a:rPr lang="en-US" b="0" dirty="0">
+                <a:solidFill>
+                  <a:srgbClr val="A31515"/>
+                </a:solidFill>
+                <a:effectLst/>
+                <a:latin typeface="Consolas" panose="020B0609020204030204" pitchFamily="49" charset="0"/>
+              </a:rPr>
+              <a:t>"actions on clock1 should be visible on clock2"</a:t>
+            </a:r>
+            <a:r>
+              <a:rPr lang="en-US" b="0" dirty="0">
+                <a:solidFill>
+                  <a:srgbClr val="000000"/>
+                </a:solidFill>
+                <a:effectLst/>
+                <a:latin typeface="Consolas" panose="020B0609020204030204" pitchFamily="49" charset="0"/>
+              </a:rPr>
+              <a:t>, () </a:t>
+            </a:r>
+            <a:r>
+              <a:rPr lang="en-US" b="0" dirty="0">
+                <a:solidFill>
+                  <a:srgbClr val="0000FF"/>
+                </a:solidFill>
+                <a:effectLst/>
+                <a:latin typeface="Consolas" panose="020B0609020204030204" pitchFamily="49" charset="0"/>
+              </a:rPr>
+              <a:t>=&gt;</a:t>
+            </a:r>
+            <a:r>
+              <a:rPr lang="en-US" b="0" dirty="0">
+                <a:solidFill>
+                  <a:srgbClr val="000000"/>
+                </a:solidFill>
+                <a:effectLst/>
+                <a:latin typeface="Consolas" panose="020B0609020204030204" pitchFamily="49" charset="0"/>
+              </a:rPr>
+              <a:t> {</a:t>
+            </a:r>
+          </a:p>
+          <a:p>
+            <a:r>
+              <a:rPr lang="en-US" b="0" dirty="0">
+                <a:solidFill>
+                  <a:srgbClr val="000000"/>
+                </a:solidFill>
+                <a:effectLst/>
+                <a:latin typeface="Consolas" panose="020B0609020204030204" pitchFamily="49" charset="0"/>
+              </a:rPr>
+              <a:t>    </a:t>
+            </a:r>
+            <a:r>
+              <a:rPr lang="en-US" b="0" dirty="0">
+                <a:solidFill>
+                  <a:srgbClr val="0000FF"/>
+                </a:solidFill>
+                <a:effectLst/>
+                <a:latin typeface="Consolas" panose="020B0609020204030204" pitchFamily="49" charset="0"/>
+              </a:rPr>
+              <a:t>const</a:t>
+            </a:r>
+            <a:r>
+              <a:rPr lang="en-US" b="0" dirty="0">
+                <a:solidFill>
+                  <a:srgbClr val="000000"/>
+                </a:solidFill>
+                <a:effectLst/>
+                <a:latin typeface="Consolas" panose="020B0609020204030204" pitchFamily="49" charset="0"/>
+              </a:rPr>
+              <a:t> </a:t>
+            </a:r>
+            <a:r>
+              <a:rPr lang="en-US" b="0" dirty="0">
+                <a:solidFill>
+                  <a:srgbClr val="0070C1"/>
+                </a:solidFill>
+                <a:effectLst/>
+                <a:latin typeface="Consolas" panose="020B0609020204030204" pitchFamily="49" charset="0"/>
+              </a:rPr>
+              <a:t>clock1</a:t>
+            </a:r>
+            <a:r>
+              <a:rPr lang="en-US" b="0" dirty="0">
+                <a:solidFill>
+                  <a:srgbClr val="000000"/>
+                </a:solidFill>
+                <a:effectLst/>
+                <a:latin typeface="Consolas" panose="020B0609020204030204" pitchFamily="49" charset="0"/>
+              </a:rPr>
+              <a:t> = </a:t>
+            </a:r>
+            <a:r>
+              <a:rPr lang="en-US" b="0" dirty="0" err="1">
+                <a:solidFill>
+                  <a:srgbClr val="267F99"/>
+                </a:solidFill>
+                <a:effectLst/>
+                <a:latin typeface="Consolas" panose="020B0609020204030204" pitchFamily="49" charset="0"/>
+              </a:rPr>
+              <a:t>ClockFactory</a:t>
+            </a:r>
+            <a:r>
+              <a:rPr lang="en-US" b="0" dirty="0" err="1">
+                <a:solidFill>
+                  <a:srgbClr val="000000"/>
+                </a:solidFill>
+                <a:effectLst/>
+                <a:latin typeface="Consolas" panose="020B0609020204030204" pitchFamily="49" charset="0"/>
+              </a:rPr>
+              <a:t>.</a:t>
+            </a:r>
+            <a:r>
+              <a:rPr lang="en-US" b="0" dirty="0" err="1">
+                <a:solidFill>
+                  <a:srgbClr val="795E26"/>
+                </a:solidFill>
+                <a:effectLst/>
+                <a:latin typeface="Consolas" panose="020B0609020204030204" pitchFamily="49" charset="0"/>
+              </a:rPr>
+              <a:t>instance</a:t>
+            </a:r>
+            <a:r>
+              <a:rPr lang="en-US" b="0" dirty="0">
+                <a:solidFill>
+                  <a:srgbClr val="000000"/>
+                </a:solidFill>
+                <a:effectLst/>
+                <a:latin typeface="Consolas" panose="020B0609020204030204" pitchFamily="49" charset="0"/>
+              </a:rPr>
+              <a:t>()</a:t>
+            </a:r>
+          </a:p>
+          <a:p>
+            <a:r>
+              <a:rPr lang="en-US" b="0" dirty="0">
+                <a:solidFill>
+                  <a:srgbClr val="000000"/>
+                </a:solidFill>
+                <a:effectLst/>
+                <a:latin typeface="Consolas" panose="020B0609020204030204" pitchFamily="49" charset="0"/>
+              </a:rPr>
+              <a:t>    </a:t>
+            </a:r>
+            <a:r>
+              <a:rPr lang="en-US" b="0" dirty="0">
+                <a:solidFill>
+                  <a:srgbClr val="0000FF"/>
+                </a:solidFill>
+                <a:effectLst/>
+                <a:latin typeface="Consolas" panose="020B0609020204030204" pitchFamily="49" charset="0"/>
+              </a:rPr>
+              <a:t>const</a:t>
+            </a:r>
+            <a:r>
+              <a:rPr lang="en-US" b="0" dirty="0">
+                <a:solidFill>
+                  <a:srgbClr val="000000"/>
+                </a:solidFill>
+                <a:effectLst/>
+                <a:latin typeface="Consolas" panose="020B0609020204030204" pitchFamily="49" charset="0"/>
+              </a:rPr>
+              <a:t> </a:t>
+            </a:r>
+            <a:r>
+              <a:rPr lang="en-US" b="0" dirty="0">
+                <a:solidFill>
+                  <a:srgbClr val="0070C1"/>
+                </a:solidFill>
+                <a:effectLst/>
+                <a:latin typeface="Consolas" panose="020B0609020204030204" pitchFamily="49" charset="0"/>
+              </a:rPr>
+              <a:t>clock2</a:t>
+            </a:r>
+            <a:r>
+              <a:rPr lang="en-US" b="0" dirty="0">
+                <a:solidFill>
+                  <a:srgbClr val="000000"/>
+                </a:solidFill>
+                <a:effectLst/>
+                <a:latin typeface="Consolas" panose="020B0609020204030204" pitchFamily="49" charset="0"/>
+              </a:rPr>
+              <a:t> = </a:t>
+            </a:r>
+            <a:r>
+              <a:rPr lang="en-US" b="0" dirty="0" err="1">
+                <a:solidFill>
+                  <a:srgbClr val="267F99"/>
+                </a:solidFill>
+                <a:effectLst/>
+                <a:latin typeface="Consolas" panose="020B0609020204030204" pitchFamily="49" charset="0"/>
+              </a:rPr>
+              <a:t>ClockFactory</a:t>
+            </a:r>
+            <a:r>
+              <a:rPr lang="en-US" b="0" dirty="0" err="1">
+                <a:solidFill>
+                  <a:srgbClr val="000000"/>
+                </a:solidFill>
+                <a:effectLst/>
+                <a:latin typeface="Consolas" panose="020B0609020204030204" pitchFamily="49" charset="0"/>
+              </a:rPr>
+              <a:t>.</a:t>
+            </a:r>
+            <a:r>
+              <a:rPr lang="en-US" b="0" dirty="0" err="1">
+                <a:solidFill>
+                  <a:srgbClr val="795E26"/>
+                </a:solidFill>
+                <a:effectLst/>
+                <a:latin typeface="Consolas" panose="020B0609020204030204" pitchFamily="49" charset="0"/>
+              </a:rPr>
+              <a:t>instance</a:t>
+            </a:r>
+            <a:r>
+              <a:rPr lang="en-US" b="0" dirty="0">
+                <a:solidFill>
+                  <a:srgbClr val="000000"/>
+                </a:solidFill>
+                <a:effectLst/>
+                <a:latin typeface="Consolas" panose="020B0609020204030204" pitchFamily="49" charset="0"/>
+              </a:rPr>
+              <a:t>()</a:t>
+            </a:r>
+          </a:p>
+          <a:p>
+            <a:r>
+              <a:rPr lang="en-US" b="0" dirty="0">
+                <a:solidFill>
+                  <a:srgbClr val="000000"/>
+                </a:solidFill>
+                <a:effectLst/>
+                <a:latin typeface="Consolas" panose="020B0609020204030204" pitchFamily="49" charset="0"/>
+              </a:rPr>
+              <a:t>    </a:t>
+            </a:r>
+            <a:r>
+              <a:rPr lang="en-US" b="0" dirty="0">
+                <a:solidFill>
+                  <a:srgbClr val="795E26"/>
+                </a:solidFill>
+                <a:effectLst/>
+                <a:highlight>
+                  <a:srgbClr val="FFFF00"/>
+                </a:highlight>
+                <a:latin typeface="Consolas" panose="020B0609020204030204" pitchFamily="49" charset="0"/>
+              </a:rPr>
+              <a:t>expect</a:t>
+            </a:r>
+            <a:r>
+              <a:rPr lang="en-US" b="0" dirty="0">
+                <a:solidFill>
+                  <a:srgbClr val="000000"/>
+                </a:solidFill>
+                <a:effectLst/>
+                <a:highlight>
+                  <a:srgbClr val="FFFF00"/>
+                </a:highlight>
+                <a:latin typeface="Consolas" panose="020B0609020204030204" pitchFamily="49" charset="0"/>
+              </a:rPr>
+              <a:t>(</a:t>
+            </a:r>
+            <a:r>
+              <a:rPr lang="en-US" b="0" dirty="0">
+                <a:solidFill>
+                  <a:srgbClr val="0070C1"/>
+                </a:solidFill>
+                <a:effectLst/>
+                <a:highlight>
+                  <a:srgbClr val="FFFF00"/>
+                </a:highlight>
+                <a:latin typeface="Consolas" panose="020B0609020204030204" pitchFamily="49" charset="0"/>
+              </a:rPr>
+              <a:t>clock1</a:t>
+            </a:r>
+            <a:r>
+              <a:rPr lang="en-US" b="0" dirty="0">
+                <a:solidFill>
+                  <a:srgbClr val="000000"/>
+                </a:solidFill>
+                <a:effectLst/>
+                <a:highlight>
+                  <a:srgbClr val="FFFF00"/>
+                </a:highlight>
+                <a:latin typeface="Consolas" panose="020B0609020204030204" pitchFamily="49" charset="0"/>
+              </a:rPr>
+              <a:t>.</a:t>
+            </a:r>
+            <a:r>
+              <a:rPr lang="en-US" b="0" dirty="0">
+                <a:solidFill>
+                  <a:srgbClr val="795E26"/>
+                </a:solidFill>
+                <a:effectLst/>
+                <a:highlight>
+                  <a:srgbClr val="FFFF00"/>
+                </a:highlight>
+                <a:latin typeface="Consolas" panose="020B0609020204030204" pitchFamily="49" charset="0"/>
+              </a:rPr>
+              <a:t>getTime</a:t>
+            </a:r>
+            <a:r>
+              <a:rPr lang="en-US" b="0" dirty="0">
+                <a:solidFill>
+                  <a:srgbClr val="000000"/>
+                </a:solidFill>
+                <a:effectLst/>
+                <a:highlight>
+                  <a:srgbClr val="FFFF00"/>
+                </a:highlight>
+                <a:latin typeface="Consolas" panose="020B0609020204030204" pitchFamily="49" charset="0"/>
+              </a:rPr>
+              <a:t>()).</a:t>
+            </a:r>
+            <a:r>
+              <a:rPr lang="en-US" b="0" dirty="0" err="1">
+                <a:solidFill>
+                  <a:srgbClr val="795E26"/>
+                </a:solidFill>
+                <a:effectLst/>
+                <a:highlight>
+                  <a:srgbClr val="FFFF00"/>
+                </a:highlight>
+                <a:latin typeface="Consolas" panose="020B0609020204030204" pitchFamily="49" charset="0"/>
+              </a:rPr>
+              <a:t>toBe</a:t>
+            </a:r>
+            <a:r>
+              <a:rPr lang="en-US" b="0" dirty="0">
+                <a:solidFill>
+                  <a:srgbClr val="000000"/>
+                </a:solidFill>
+                <a:effectLst/>
+                <a:highlight>
+                  <a:srgbClr val="FFFF00"/>
+                </a:highlight>
+                <a:latin typeface="Consolas" panose="020B0609020204030204" pitchFamily="49" charset="0"/>
+              </a:rPr>
+              <a:t>(</a:t>
+            </a:r>
+            <a:r>
+              <a:rPr lang="en-US" b="0" dirty="0">
+                <a:solidFill>
+                  <a:srgbClr val="098658"/>
+                </a:solidFill>
+                <a:effectLst/>
+                <a:highlight>
+                  <a:srgbClr val="FFFF00"/>
+                </a:highlight>
+                <a:latin typeface="Consolas" panose="020B0609020204030204" pitchFamily="49" charset="0"/>
+              </a:rPr>
+              <a:t>0</a:t>
+            </a:r>
+            <a:r>
+              <a:rPr lang="en-US" b="0" dirty="0">
+                <a:solidFill>
+                  <a:srgbClr val="000000"/>
+                </a:solidFill>
+                <a:effectLst/>
+                <a:highlight>
+                  <a:srgbClr val="FFFF00"/>
+                </a:highlight>
+                <a:latin typeface="Consolas" panose="020B0609020204030204" pitchFamily="49" charset="0"/>
+              </a:rPr>
+              <a:t>)</a:t>
+            </a:r>
+          </a:p>
+          <a:p>
+            <a:r>
+              <a:rPr lang="en-US" b="0" dirty="0">
+                <a:solidFill>
+                  <a:srgbClr val="000000"/>
+                </a:solidFill>
+                <a:effectLst/>
+                <a:latin typeface="Consolas" panose="020B0609020204030204" pitchFamily="49" charset="0"/>
+              </a:rPr>
+              <a:t>    </a:t>
+            </a:r>
+            <a:r>
+              <a:rPr lang="en-US" b="0" dirty="0">
+                <a:solidFill>
+                  <a:srgbClr val="795E26"/>
+                </a:solidFill>
+                <a:effectLst/>
+                <a:highlight>
+                  <a:srgbClr val="FFFF00"/>
+                </a:highlight>
+                <a:latin typeface="Consolas" panose="020B0609020204030204" pitchFamily="49" charset="0"/>
+              </a:rPr>
+              <a:t>expect</a:t>
+            </a:r>
+            <a:r>
+              <a:rPr lang="en-US" b="0" dirty="0">
+                <a:solidFill>
+                  <a:srgbClr val="000000"/>
+                </a:solidFill>
+                <a:effectLst/>
+                <a:highlight>
+                  <a:srgbClr val="FFFF00"/>
+                </a:highlight>
+                <a:latin typeface="Consolas" panose="020B0609020204030204" pitchFamily="49" charset="0"/>
+              </a:rPr>
+              <a:t>(</a:t>
+            </a:r>
+            <a:r>
+              <a:rPr lang="en-US" b="0" dirty="0">
+                <a:solidFill>
+                  <a:srgbClr val="0070C1"/>
+                </a:solidFill>
+                <a:effectLst/>
+                <a:highlight>
+                  <a:srgbClr val="FFFF00"/>
+                </a:highlight>
+                <a:latin typeface="Consolas" panose="020B0609020204030204" pitchFamily="49" charset="0"/>
+              </a:rPr>
+              <a:t>clock2</a:t>
+            </a:r>
+            <a:r>
+              <a:rPr lang="en-US" b="0" dirty="0">
+                <a:solidFill>
+                  <a:srgbClr val="000000"/>
+                </a:solidFill>
+                <a:effectLst/>
+                <a:highlight>
+                  <a:srgbClr val="FFFF00"/>
+                </a:highlight>
+                <a:latin typeface="Consolas" panose="020B0609020204030204" pitchFamily="49" charset="0"/>
+              </a:rPr>
+              <a:t>.</a:t>
+            </a:r>
+            <a:r>
+              <a:rPr lang="en-US" b="0" dirty="0">
+                <a:solidFill>
+                  <a:srgbClr val="795E26"/>
+                </a:solidFill>
+                <a:effectLst/>
+                <a:highlight>
+                  <a:srgbClr val="FFFF00"/>
+                </a:highlight>
+                <a:latin typeface="Consolas" panose="020B0609020204030204" pitchFamily="49" charset="0"/>
+              </a:rPr>
+              <a:t>getTime</a:t>
+            </a:r>
+            <a:r>
+              <a:rPr lang="en-US" b="0" dirty="0">
+                <a:solidFill>
+                  <a:srgbClr val="000000"/>
+                </a:solidFill>
+                <a:effectLst/>
+                <a:highlight>
+                  <a:srgbClr val="FFFF00"/>
+                </a:highlight>
+                <a:latin typeface="Consolas" panose="020B0609020204030204" pitchFamily="49" charset="0"/>
+              </a:rPr>
+              <a:t>()).</a:t>
+            </a:r>
+            <a:r>
+              <a:rPr lang="en-US" b="0" dirty="0" err="1">
+                <a:solidFill>
+                  <a:srgbClr val="795E26"/>
+                </a:solidFill>
+                <a:effectLst/>
+                <a:highlight>
+                  <a:srgbClr val="FFFF00"/>
+                </a:highlight>
+                <a:latin typeface="Consolas" panose="020B0609020204030204" pitchFamily="49" charset="0"/>
+              </a:rPr>
+              <a:t>toBe</a:t>
+            </a:r>
+            <a:r>
+              <a:rPr lang="en-US" b="0" dirty="0">
+                <a:solidFill>
+                  <a:srgbClr val="000000"/>
+                </a:solidFill>
+                <a:effectLst/>
+                <a:highlight>
+                  <a:srgbClr val="FFFF00"/>
+                </a:highlight>
+                <a:latin typeface="Consolas" panose="020B0609020204030204" pitchFamily="49" charset="0"/>
+              </a:rPr>
+              <a:t>(</a:t>
+            </a:r>
+            <a:r>
+              <a:rPr lang="en-US" b="0" dirty="0">
+                <a:solidFill>
+                  <a:srgbClr val="098658"/>
+                </a:solidFill>
+                <a:effectLst/>
+                <a:highlight>
+                  <a:srgbClr val="FFFF00"/>
+                </a:highlight>
+                <a:latin typeface="Consolas" panose="020B0609020204030204" pitchFamily="49" charset="0"/>
+              </a:rPr>
+              <a:t>0</a:t>
+            </a:r>
+            <a:r>
+              <a:rPr lang="en-US" b="0" dirty="0">
+                <a:solidFill>
+                  <a:srgbClr val="000000"/>
+                </a:solidFill>
+                <a:effectLst/>
+                <a:highlight>
+                  <a:srgbClr val="FFFF00"/>
+                </a:highlight>
+                <a:latin typeface="Consolas" panose="020B0609020204030204" pitchFamily="49" charset="0"/>
+              </a:rPr>
+              <a:t>)</a:t>
+            </a:r>
+          </a:p>
+          <a:p>
+            <a:r>
+              <a:rPr lang="en-US" b="0" dirty="0">
+                <a:solidFill>
+                  <a:srgbClr val="000000"/>
+                </a:solidFill>
+                <a:effectLst/>
+                <a:latin typeface="Consolas" panose="020B0609020204030204" pitchFamily="49" charset="0"/>
+              </a:rPr>
+              <a:t>    </a:t>
+            </a:r>
+            <a:r>
+              <a:rPr lang="en-US" b="0" dirty="0">
+                <a:solidFill>
+                  <a:srgbClr val="0070C1"/>
+                </a:solidFill>
+                <a:effectLst/>
+                <a:latin typeface="Consolas" panose="020B0609020204030204" pitchFamily="49" charset="0"/>
+              </a:rPr>
+              <a:t>clock1</a:t>
+            </a:r>
+            <a:r>
+              <a:rPr lang="en-US" b="0" dirty="0">
+                <a:solidFill>
+                  <a:srgbClr val="000000"/>
+                </a:solidFill>
+                <a:effectLst/>
+                <a:latin typeface="Consolas" panose="020B0609020204030204" pitchFamily="49" charset="0"/>
+              </a:rPr>
+              <a:t>.</a:t>
+            </a:r>
+            <a:r>
+              <a:rPr lang="en-US" b="0" dirty="0">
+                <a:solidFill>
+                  <a:srgbClr val="795E26"/>
+                </a:solidFill>
+                <a:effectLst/>
+                <a:latin typeface="Consolas" panose="020B0609020204030204" pitchFamily="49" charset="0"/>
+              </a:rPr>
+              <a:t>tick</a:t>
+            </a:r>
+            <a:r>
+              <a:rPr lang="en-US" b="0" dirty="0">
+                <a:solidFill>
+                  <a:srgbClr val="000000"/>
+                </a:solidFill>
+                <a:effectLst/>
+                <a:latin typeface="Consolas" panose="020B0609020204030204" pitchFamily="49" charset="0"/>
+              </a:rPr>
+              <a:t>()</a:t>
+            </a:r>
+          </a:p>
+          <a:p>
+            <a:r>
+              <a:rPr lang="en-US" b="0" dirty="0">
+                <a:solidFill>
+                  <a:srgbClr val="000000"/>
+                </a:solidFill>
+                <a:effectLst/>
+                <a:latin typeface="Consolas" panose="020B0609020204030204" pitchFamily="49" charset="0"/>
+              </a:rPr>
+              <a:t>    </a:t>
+            </a:r>
+            <a:r>
+              <a:rPr lang="en-US" b="0" dirty="0">
+                <a:solidFill>
+                  <a:srgbClr val="0070C1"/>
+                </a:solidFill>
+                <a:effectLst/>
+                <a:latin typeface="Consolas" panose="020B0609020204030204" pitchFamily="49" charset="0"/>
+              </a:rPr>
+              <a:t>clock1</a:t>
+            </a:r>
+            <a:r>
+              <a:rPr lang="en-US" b="0" dirty="0">
+                <a:solidFill>
+                  <a:srgbClr val="000000"/>
+                </a:solidFill>
+                <a:effectLst/>
+                <a:latin typeface="Consolas" panose="020B0609020204030204" pitchFamily="49" charset="0"/>
+              </a:rPr>
+              <a:t>.</a:t>
+            </a:r>
+            <a:r>
+              <a:rPr lang="en-US" b="0" dirty="0">
+                <a:solidFill>
+                  <a:srgbClr val="795E26"/>
+                </a:solidFill>
+                <a:effectLst/>
+                <a:latin typeface="Consolas" panose="020B0609020204030204" pitchFamily="49" charset="0"/>
+              </a:rPr>
+              <a:t>tick</a:t>
+            </a:r>
+            <a:r>
+              <a:rPr lang="en-US" b="0" dirty="0">
+                <a:solidFill>
+                  <a:srgbClr val="000000"/>
+                </a:solidFill>
+                <a:effectLst/>
+                <a:latin typeface="Consolas" panose="020B0609020204030204" pitchFamily="49" charset="0"/>
+              </a:rPr>
+              <a:t>()   </a:t>
+            </a:r>
+          </a:p>
+          <a:p>
+            <a:r>
+              <a:rPr lang="en-US" b="0" dirty="0">
+                <a:solidFill>
+                  <a:srgbClr val="000000"/>
+                </a:solidFill>
+                <a:effectLst/>
+                <a:latin typeface="Consolas" panose="020B0609020204030204" pitchFamily="49" charset="0"/>
+              </a:rPr>
+              <a:t>    </a:t>
+            </a:r>
+            <a:r>
+              <a:rPr lang="en-US" b="0" dirty="0">
+                <a:solidFill>
+                  <a:srgbClr val="795E26"/>
+                </a:solidFill>
+                <a:effectLst/>
+                <a:highlight>
+                  <a:srgbClr val="FFFF00"/>
+                </a:highlight>
+                <a:latin typeface="Consolas" panose="020B0609020204030204" pitchFamily="49" charset="0"/>
+              </a:rPr>
+              <a:t>expect</a:t>
+            </a:r>
+            <a:r>
+              <a:rPr lang="en-US" b="0" dirty="0">
+                <a:solidFill>
+                  <a:srgbClr val="000000"/>
+                </a:solidFill>
+                <a:effectLst/>
+                <a:highlight>
+                  <a:srgbClr val="FFFF00"/>
+                </a:highlight>
+                <a:latin typeface="Consolas" panose="020B0609020204030204" pitchFamily="49" charset="0"/>
+              </a:rPr>
+              <a:t>(</a:t>
+            </a:r>
+            <a:r>
+              <a:rPr lang="en-US" b="0" dirty="0">
+                <a:solidFill>
+                  <a:srgbClr val="0070C1"/>
+                </a:solidFill>
+                <a:effectLst/>
+                <a:highlight>
+                  <a:srgbClr val="FFFF00"/>
+                </a:highlight>
+                <a:latin typeface="Consolas" panose="020B0609020204030204" pitchFamily="49" charset="0"/>
+              </a:rPr>
+              <a:t>clock1</a:t>
+            </a:r>
+            <a:r>
+              <a:rPr lang="en-US" b="0" dirty="0">
+                <a:solidFill>
+                  <a:srgbClr val="000000"/>
+                </a:solidFill>
+                <a:effectLst/>
+                <a:highlight>
+                  <a:srgbClr val="FFFF00"/>
+                </a:highlight>
+                <a:latin typeface="Consolas" panose="020B0609020204030204" pitchFamily="49" charset="0"/>
+              </a:rPr>
+              <a:t>.</a:t>
+            </a:r>
+            <a:r>
+              <a:rPr lang="en-US" b="0" dirty="0">
+                <a:solidFill>
+                  <a:srgbClr val="795E26"/>
+                </a:solidFill>
+                <a:effectLst/>
+                <a:highlight>
+                  <a:srgbClr val="FFFF00"/>
+                </a:highlight>
+                <a:latin typeface="Consolas" panose="020B0609020204030204" pitchFamily="49" charset="0"/>
+              </a:rPr>
+              <a:t>getTime</a:t>
+            </a:r>
+            <a:r>
+              <a:rPr lang="en-US" b="0" dirty="0">
+                <a:solidFill>
+                  <a:srgbClr val="000000"/>
+                </a:solidFill>
+                <a:effectLst/>
+                <a:highlight>
+                  <a:srgbClr val="FFFF00"/>
+                </a:highlight>
+                <a:latin typeface="Consolas" panose="020B0609020204030204" pitchFamily="49" charset="0"/>
+              </a:rPr>
+              <a:t>()).</a:t>
+            </a:r>
+            <a:r>
+              <a:rPr lang="en-US" b="0" dirty="0" err="1">
+                <a:solidFill>
+                  <a:srgbClr val="795E26"/>
+                </a:solidFill>
+                <a:effectLst/>
+                <a:highlight>
+                  <a:srgbClr val="FFFF00"/>
+                </a:highlight>
+                <a:latin typeface="Consolas" panose="020B0609020204030204" pitchFamily="49" charset="0"/>
+              </a:rPr>
+              <a:t>toBe</a:t>
+            </a:r>
+            <a:r>
+              <a:rPr lang="en-US" b="0" dirty="0">
+                <a:solidFill>
+                  <a:srgbClr val="000000"/>
+                </a:solidFill>
+                <a:effectLst/>
+                <a:highlight>
+                  <a:srgbClr val="FFFF00"/>
+                </a:highlight>
+                <a:latin typeface="Consolas" panose="020B0609020204030204" pitchFamily="49" charset="0"/>
+              </a:rPr>
+              <a:t>(</a:t>
+            </a:r>
+            <a:r>
+              <a:rPr lang="en-US" b="0" dirty="0">
+                <a:solidFill>
+                  <a:srgbClr val="098658"/>
+                </a:solidFill>
+                <a:effectLst/>
+                <a:highlight>
+                  <a:srgbClr val="FFFF00"/>
+                </a:highlight>
+                <a:latin typeface="Consolas" panose="020B0609020204030204" pitchFamily="49" charset="0"/>
+              </a:rPr>
+              <a:t>2</a:t>
+            </a:r>
+            <a:r>
+              <a:rPr lang="en-US" b="0" dirty="0">
+                <a:solidFill>
+                  <a:srgbClr val="000000"/>
+                </a:solidFill>
+                <a:effectLst/>
+                <a:highlight>
+                  <a:srgbClr val="FFFF00"/>
+                </a:highlight>
+                <a:latin typeface="Consolas" panose="020B0609020204030204" pitchFamily="49" charset="0"/>
+              </a:rPr>
+              <a:t>)</a:t>
+            </a:r>
+          </a:p>
+          <a:p>
+            <a:r>
+              <a:rPr lang="en-US" b="0" dirty="0">
+                <a:solidFill>
+                  <a:srgbClr val="000000"/>
+                </a:solidFill>
+                <a:effectLst/>
+                <a:latin typeface="Consolas" panose="020B0609020204030204" pitchFamily="49" charset="0"/>
+              </a:rPr>
+              <a:t>    </a:t>
+            </a:r>
+            <a:r>
+              <a:rPr lang="en-US" b="0" dirty="0">
+                <a:solidFill>
+                  <a:srgbClr val="795E26"/>
+                </a:solidFill>
+                <a:effectLst/>
+                <a:highlight>
+                  <a:srgbClr val="FFFF00"/>
+                </a:highlight>
+                <a:latin typeface="Consolas" panose="020B0609020204030204" pitchFamily="49" charset="0"/>
+              </a:rPr>
+              <a:t>expect</a:t>
+            </a:r>
+            <a:r>
+              <a:rPr lang="en-US" b="0" dirty="0">
+                <a:solidFill>
+                  <a:srgbClr val="000000"/>
+                </a:solidFill>
+                <a:effectLst/>
+                <a:highlight>
+                  <a:srgbClr val="FFFF00"/>
+                </a:highlight>
+                <a:latin typeface="Consolas" panose="020B0609020204030204" pitchFamily="49" charset="0"/>
+              </a:rPr>
+              <a:t>(</a:t>
+            </a:r>
+            <a:r>
+              <a:rPr lang="en-US" b="0" dirty="0">
+                <a:solidFill>
+                  <a:srgbClr val="0070C1"/>
+                </a:solidFill>
+                <a:effectLst/>
+                <a:highlight>
+                  <a:srgbClr val="FFFF00"/>
+                </a:highlight>
+                <a:latin typeface="Consolas" panose="020B0609020204030204" pitchFamily="49" charset="0"/>
+              </a:rPr>
+              <a:t>clock2</a:t>
+            </a:r>
+            <a:r>
+              <a:rPr lang="en-US" b="0" dirty="0">
+                <a:solidFill>
+                  <a:srgbClr val="000000"/>
+                </a:solidFill>
+                <a:effectLst/>
+                <a:highlight>
+                  <a:srgbClr val="FFFF00"/>
+                </a:highlight>
+                <a:latin typeface="Consolas" panose="020B0609020204030204" pitchFamily="49" charset="0"/>
+              </a:rPr>
+              <a:t>.</a:t>
+            </a:r>
+            <a:r>
+              <a:rPr lang="en-US" b="0" dirty="0">
+                <a:solidFill>
+                  <a:srgbClr val="795E26"/>
+                </a:solidFill>
+                <a:effectLst/>
+                <a:highlight>
+                  <a:srgbClr val="FFFF00"/>
+                </a:highlight>
+                <a:latin typeface="Consolas" panose="020B0609020204030204" pitchFamily="49" charset="0"/>
+              </a:rPr>
+              <a:t>getTime</a:t>
+            </a:r>
+            <a:r>
+              <a:rPr lang="en-US" b="0" dirty="0">
+                <a:solidFill>
+                  <a:srgbClr val="000000"/>
+                </a:solidFill>
+                <a:effectLst/>
+                <a:highlight>
+                  <a:srgbClr val="FFFF00"/>
+                </a:highlight>
+                <a:latin typeface="Consolas" panose="020B0609020204030204" pitchFamily="49" charset="0"/>
+              </a:rPr>
+              <a:t>()).</a:t>
+            </a:r>
+            <a:r>
+              <a:rPr lang="en-US" b="0" dirty="0" err="1">
+                <a:solidFill>
+                  <a:srgbClr val="795E26"/>
+                </a:solidFill>
+                <a:effectLst/>
+                <a:highlight>
+                  <a:srgbClr val="FFFF00"/>
+                </a:highlight>
+                <a:latin typeface="Consolas" panose="020B0609020204030204" pitchFamily="49" charset="0"/>
+              </a:rPr>
+              <a:t>toBe</a:t>
+            </a:r>
+            <a:r>
+              <a:rPr lang="en-US" b="0" dirty="0">
+                <a:solidFill>
+                  <a:srgbClr val="000000"/>
+                </a:solidFill>
+                <a:effectLst/>
+                <a:highlight>
+                  <a:srgbClr val="FFFF00"/>
+                </a:highlight>
+                <a:latin typeface="Consolas" panose="020B0609020204030204" pitchFamily="49" charset="0"/>
+              </a:rPr>
+              <a:t>(</a:t>
+            </a:r>
+            <a:r>
+              <a:rPr lang="en-US" b="0" dirty="0">
+                <a:solidFill>
+                  <a:srgbClr val="098658"/>
+                </a:solidFill>
+                <a:effectLst/>
+                <a:highlight>
+                  <a:srgbClr val="FFFF00"/>
+                </a:highlight>
+                <a:latin typeface="Consolas" panose="020B0609020204030204" pitchFamily="49" charset="0"/>
+              </a:rPr>
+              <a:t>2</a:t>
+            </a:r>
+            <a:r>
+              <a:rPr lang="en-US" b="0" dirty="0">
+                <a:solidFill>
+                  <a:srgbClr val="000000"/>
+                </a:solidFill>
+                <a:effectLst/>
+                <a:highlight>
+                  <a:srgbClr val="FFFF00"/>
+                </a:highlight>
+                <a:latin typeface="Consolas" panose="020B0609020204030204" pitchFamily="49" charset="0"/>
+              </a:rPr>
+              <a:t>)</a:t>
+            </a:r>
+          </a:p>
+          <a:p>
+            <a:r>
+              <a:rPr lang="en-US" b="0" dirty="0">
+                <a:solidFill>
+                  <a:srgbClr val="000000"/>
+                </a:solidFill>
+                <a:effectLst/>
+                <a:latin typeface="Consolas" panose="020B0609020204030204" pitchFamily="49" charset="0"/>
+              </a:rPr>
+              <a:t>    </a:t>
+            </a:r>
+            <a:r>
+              <a:rPr lang="en-US" b="0" dirty="0">
+                <a:solidFill>
+                  <a:srgbClr val="0070C1"/>
+                </a:solidFill>
+                <a:effectLst/>
+                <a:latin typeface="Consolas" panose="020B0609020204030204" pitchFamily="49" charset="0"/>
+              </a:rPr>
+              <a:t>clock1</a:t>
+            </a:r>
+            <a:r>
+              <a:rPr lang="en-US" b="0" dirty="0">
+                <a:solidFill>
+                  <a:srgbClr val="000000"/>
+                </a:solidFill>
+                <a:effectLst/>
+                <a:latin typeface="Consolas" panose="020B0609020204030204" pitchFamily="49" charset="0"/>
+              </a:rPr>
+              <a:t>.</a:t>
+            </a:r>
+            <a:r>
+              <a:rPr lang="en-US" b="0" dirty="0">
+                <a:solidFill>
+                  <a:srgbClr val="795E26"/>
+                </a:solidFill>
+                <a:effectLst/>
+                <a:latin typeface="Consolas" panose="020B0609020204030204" pitchFamily="49" charset="0"/>
+              </a:rPr>
+              <a:t>reset</a:t>
+            </a:r>
+            <a:r>
+              <a:rPr lang="en-US" b="0" dirty="0">
+                <a:solidFill>
+                  <a:srgbClr val="000000"/>
+                </a:solidFill>
+                <a:effectLst/>
+                <a:latin typeface="Consolas" panose="020B0609020204030204" pitchFamily="49" charset="0"/>
+              </a:rPr>
+              <a:t>()</a:t>
+            </a:r>
+          </a:p>
+          <a:p>
+            <a:r>
+              <a:rPr lang="en-US" b="0" dirty="0">
+                <a:solidFill>
+                  <a:srgbClr val="000000"/>
+                </a:solidFill>
+                <a:effectLst/>
+                <a:latin typeface="Consolas" panose="020B0609020204030204" pitchFamily="49" charset="0"/>
+              </a:rPr>
+              <a:t>    </a:t>
+            </a:r>
+            <a:r>
+              <a:rPr lang="en-US" b="0" dirty="0">
+                <a:solidFill>
+                  <a:srgbClr val="795E26"/>
+                </a:solidFill>
+                <a:effectLst/>
+                <a:highlight>
+                  <a:srgbClr val="FFFF00"/>
+                </a:highlight>
+                <a:latin typeface="Consolas" panose="020B0609020204030204" pitchFamily="49" charset="0"/>
+              </a:rPr>
+              <a:t>expect</a:t>
+            </a:r>
+            <a:r>
+              <a:rPr lang="en-US" b="0" dirty="0">
+                <a:solidFill>
+                  <a:srgbClr val="000000"/>
+                </a:solidFill>
+                <a:effectLst/>
+                <a:highlight>
+                  <a:srgbClr val="FFFF00"/>
+                </a:highlight>
+                <a:latin typeface="Consolas" panose="020B0609020204030204" pitchFamily="49" charset="0"/>
+              </a:rPr>
+              <a:t>(</a:t>
+            </a:r>
+            <a:r>
+              <a:rPr lang="en-US" b="0" dirty="0">
+                <a:solidFill>
+                  <a:srgbClr val="0070C1"/>
+                </a:solidFill>
+                <a:effectLst/>
+                <a:highlight>
+                  <a:srgbClr val="FFFF00"/>
+                </a:highlight>
+                <a:latin typeface="Consolas" panose="020B0609020204030204" pitchFamily="49" charset="0"/>
+              </a:rPr>
+              <a:t>clock1</a:t>
+            </a:r>
+            <a:r>
+              <a:rPr lang="en-US" b="0" dirty="0">
+                <a:solidFill>
+                  <a:srgbClr val="000000"/>
+                </a:solidFill>
+                <a:effectLst/>
+                <a:highlight>
+                  <a:srgbClr val="FFFF00"/>
+                </a:highlight>
+                <a:latin typeface="Consolas" panose="020B0609020204030204" pitchFamily="49" charset="0"/>
+              </a:rPr>
+              <a:t>.</a:t>
+            </a:r>
+            <a:r>
+              <a:rPr lang="en-US" b="0" dirty="0">
+                <a:solidFill>
+                  <a:srgbClr val="795E26"/>
+                </a:solidFill>
+                <a:effectLst/>
+                <a:highlight>
+                  <a:srgbClr val="FFFF00"/>
+                </a:highlight>
+                <a:latin typeface="Consolas" panose="020B0609020204030204" pitchFamily="49" charset="0"/>
+              </a:rPr>
+              <a:t>getTime</a:t>
+            </a:r>
+            <a:r>
+              <a:rPr lang="en-US" b="0" dirty="0">
+                <a:solidFill>
+                  <a:srgbClr val="000000"/>
+                </a:solidFill>
+                <a:effectLst/>
+                <a:highlight>
+                  <a:srgbClr val="FFFF00"/>
+                </a:highlight>
+                <a:latin typeface="Consolas" panose="020B0609020204030204" pitchFamily="49" charset="0"/>
+              </a:rPr>
+              <a:t>()).</a:t>
+            </a:r>
+            <a:r>
+              <a:rPr lang="en-US" b="0" dirty="0" err="1">
+                <a:solidFill>
+                  <a:srgbClr val="795E26"/>
+                </a:solidFill>
+                <a:effectLst/>
+                <a:highlight>
+                  <a:srgbClr val="FFFF00"/>
+                </a:highlight>
+                <a:latin typeface="Consolas" panose="020B0609020204030204" pitchFamily="49" charset="0"/>
+              </a:rPr>
+              <a:t>toBe</a:t>
+            </a:r>
+            <a:r>
+              <a:rPr lang="en-US" b="0" dirty="0">
+                <a:solidFill>
+                  <a:srgbClr val="000000"/>
+                </a:solidFill>
+                <a:effectLst/>
+                <a:highlight>
+                  <a:srgbClr val="FFFF00"/>
+                </a:highlight>
+                <a:latin typeface="Consolas" panose="020B0609020204030204" pitchFamily="49" charset="0"/>
+              </a:rPr>
+              <a:t>(</a:t>
+            </a:r>
+            <a:r>
+              <a:rPr lang="en-US" b="0" dirty="0">
+                <a:solidFill>
+                  <a:srgbClr val="098658"/>
+                </a:solidFill>
+                <a:effectLst/>
+                <a:highlight>
+                  <a:srgbClr val="FFFF00"/>
+                </a:highlight>
+                <a:latin typeface="Consolas" panose="020B0609020204030204" pitchFamily="49" charset="0"/>
+              </a:rPr>
+              <a:t>0</a:t>
+            </a:r>
+            <a:r>
+              <a:rPr lang="en-US" b="0" dirty="0">
+                <a:solidFill>
+                  <a:srgbClr val="000000"/>
+                </a:solidFill>
+                <a:effectLst/>
+                <a:highlight>
+                  <a:srgbClr val="FFFF00"/>
+                </a:highlight>
+                <a:latin typeface="Consolas" panose="020B0609020204030204" pitchFamily="49" charset="0"/>
+              </a:rPr>
+              <a:t>)</a:t>
+            </a:r>
+          </a:p>
+          <a:p>
+            <a:r>
+              <a:rPr lang="en-US" b="0" dirty="0">
+                <a:solidFill>
+                  <a:srgbClr val="000000"/>
+                </a:solidFill>
+                <a:effectLst/>
+                <a:latin typeface="Consolas" panose="020B0609020204030204" pitchFamily="49" charset="0"/>
+              </a:rPr>
+              <a:t>    </a:t>
+            </a:r>
+            <a:r>
+              <a:rPr lang="en-US" b="0" dirty="0">
+                <a:solidFill>
+                  <a:srgbClr val="795E26"/>
+                </a:solidFill>
+                <a:effectLst/>
+                <a:highlight>
+                  <a:srgbClr val="FFFF00"/>
+                </a:highlight>
+                <a:latin typeface="Consolas" panose="020B0609020204030204" pitchFamily="49" charset="0"/>
+              </a:rPr>
+              <a:t>expect</a:t>
+            </a:r>
+            <a:r>
+              <a:rPr lang="en-US" b="0" dirty="0">
+                <a:solidFill>
+                  <a:srgbClr val="000000"/>
+                </a:solidFill>
+                <a:effectLst/>
+                <a:highlight>
+                  <a:srgbClr val="FFFF00"/>
+                </a:highlight>
+                <a:latin typeface="Consolas" panose="020B0609020204030204" pitchFamily="49" charset="0"/>
+              </a:rPr>
+              <a:t>(</a:t>
+            </a:r>
+            <a:r>
+              <a:rPr lang="en-US" b="0" dirty="0">
+                <a:solidFill>
+                  <a:srgbClr val="0070C1"/>
+                </a:solidFill>
+                <a:effectLst/>
+                <a:highlight>
+                  <a:srgbClr val="FFFF00"/>
+                </a:highlight>
+                <a:latin typeface="Consolas" panose="020B0609020204030204" pitchFamily="49" charset="0"/>
+              </a:rPr>
+              <a:t>clock2</a:t>
+            </a:r>
+            <a:r>
+              <a:rPr lang="en-US" b="0" dirty="0">
+                <a:solidFill>
+                  <a:srgbClr val="000000"/>
+                </a:solidFill>
+                <a:effectLst/>
+                <a:highlight>
+                  <a:srgbClr val="FFFF00"/>
+                </a:highlight>
+                <a:latin typeface="Consolas" panose="020B0609020204030204" pitchFamily="49" charset="0"/>
+              </a:rPr>
+              <a:t>.</a:t>
+            </a:r>
+            <a:r>
+              <a:rPr lang="en-US" b="0" dirty="0">
+                <a:solidFill>
+                  <a:srgbClr val="795E26"/>
+                </a:solidFill>
+                <a:effectLst/>
+                <a:highlight>
+                  <a:srgbClr val="FFFF00"/>
+                </a:highlight>
+                <a:latin typeface="Consolas" panose="020B0609020204030204" pitchFamily="49" charset="0"/>
+              </a:rPr>
+              <a:t>getTime</a:t>
+            </a:r>
+            <a:r>
+              <a:rPr lang="en-US" b="0" dirty="0">
+                <a:solidFill>
+                  <a:srgbClr val="000000"/>
+                </a:solidFill>
+                <a:effectLst/>
+                <a:highlight>
+                  <a:srgbClr val="FFFF00"/>
+                </a:highlight>
+                <a:latin typeface="Consolas" panose="020B0609020204030204" pitchFamily="49" charset="0"/>
+              </a:rPr>
+              <a:t>()).</a:t>
+            </a:r>
+            <a:r>
+              <a:rPr lang="en-US" b="0" dirty="0" err="1">
+                <a:solidFill>
+                  <a:srgbClr val="795E26"/>
+                </a:solidFill>
+                <a:effectLst/>
+                <a:highlight>
+                  <a:srgbClr val="FFFF00"/>
+                </a:highlight>
+                <a:latin typeface="Consolas" panose="020B0609020204030204" pitchFamily="49" charset="0"/>
+              </a:rPr>
+              <a:t>toBe</a:t>
+            </a:r>
+            <a:r>
+              <a:rPr lang="en-US" b="0" dirty="0">
+                <a:solidFill>
+                  <a:srgbClr val="000000"/>
+                </a:solidFill>
+                <a:effectLst/>
+                <a:highlight>
+                  <a:srgbClr val="FFFF00"/>
+                </a:highlight>
+                <a:latin typeface="Consolas" panose="020B0609020204030204" pitchFamily="49" charset="0"/>
+              </a:rPr>
+              <a:t>(</a:t>
+            </a:r>
+            <a:r>
+              <a:rPr lang="en-US" b="0" dirty="0">
+                <a:solidFill>
+                  <a:srgbClr val="098658"/>
+                </a:solidFill>
+                <a:effectLst/>
+                <a:highlight>
+                  <a:srgbClr val="FFFF00"/>
+                </a:highlight>
+                <a:latin typeface="Consolas" panose="020B0609020204030204" pitchFamily="49" charset="0"/>
+              </a:rPr>
+              <a:t>0</a:t>
+            </a:r>
+            <a:r>
+              <a:rPr lang="en-US" b="0" dirty="0">
+                <a:solidFill>
+                  <a:srgbClr val="000000"/>
+                </a:solidFill>
+                <a:effectLst/>
+                <a:highlight>
+                  <a:srgbClr val="FFFF00"/>
+                </a:highlight>
+                <a:latin typeface="Consolas" panose="020B0609020204030204" pitchFamily="49" charset="0"/>
+              </a:rPr>
+              <a:t>)</a:t>
+            </a:r>
+          </a:p>
+          <a:p>
+            <a:br>
+              <a:rPr lang="en-US" b="0" dirty="0">
+                <a:solidFill>
+                  <a:srgbClr val="000000"/>
+                </a:solidFill>
+                <a:effectLst/>
+                <a:latin typeface="Consolas" panose="020B0609020204030204" pitchFamily="49" charset="0"/>
+              </a:rPr>
+            </a:br>
+            <a:r>
+              <a:rPr lang="en-US" b="0" dirty="0">
+                <a:solidFill>
+                  <a:srgbClr val="000000"/>
+                </a:solidFill>
+                <a:effectLst/>
+                <a:latin typeface="Consolas" panose="020B0609020204030204" pitchFamily="49" charset="0"/>
+              </a:rPr>
+              <a:t>})</a:t>
+            </a:r>
+          </a:p>
+        </p:txBody>
+      </p:sp>
+    </p:spTree>
+    <p:extLst>
+      <p:ext uri="{BB962C8B-B14F-4D97-AF65-F5344CB8AC3E}">
+        <p14:creationId xmlns:p14="http://schemas.microsoft.com/office/powerpoint/2010/main" val="2973755816"/>
+      </p:ext>
+    </p:extLst>
+  </p:cSld>
+  <p:clrMapOvr>
+    <a:masterClrMapping/>
+  </p:clrMapOvr>
+</p:sld>
+</file>
+
+<file path=ppt/slides/slide27.xml><?xml version="1.0" encoding="utf-8"?>
+<p:sld xmlns:a="http://schemas.openxmlformats.org/drawingml/2006/main" xmlns:r="http://schemas.openxmlformats.org/officeDocument/2006/relationships" xmlns:p="http://schemas.openxmlformats.org/presentationml/2006/main">
+  <p:cSld>
+    <p:spTree>
+      <p:nvGrpSpPr>
+        <p:cNvPr id="1" name=""/>
+        <p:cNvGrpSpPr/>
+        <p:nvPr/>
+      </p:nvGrpSpPr>
+      <p:grpSpPr>
+        <a:xfrm>
+          <a:off x="0" y="0"/>
+          <a:ext cx="0" cy="0"/>
+          <a:chOff x="0" y="0"/>
+          <a:chExt cx="0" cy="0"/>
+        </a:xfrm>
+      </p:grpSpPr>
+      <p:sp>
+        <p:nvSpPr>
           <p:cNvPr id="8" name="Title 7">
             <a:extLst>
               <a:ext uri="{FF2B5EF4-FFF2-40B4-BE49-F238E27FC236}">
@@ -24254,7 +25647,7 @@
           <a:p>
             <a:r>
               <a:rPr lang="en-US" dirty="0"/>
-              <a:t>The Lying Factory</a:t>
+              <a:t>Solution: Have a factory that always returns the same clock</a:t>
             </a:r>
           </a:p>
         </p:txBody>
@@ -24282,7 +25675,7 @@
           <a:p>
             <a:fld id="{20F37917-FD3A-4669-9018-DA04BCDD3D75}" type="slidenum">
               <a:rPr lang="en-US" smtClean="0"/>
-              <a:t>26</a:t>
+              <a:t>27</a:t>
             </a:fld>
             <a:endParaRPr lang="en-US"/>
           </a:p>
@@ -25447,1536 +26840,6 @@
 </p:sld>
 </file>
 
-<file path=ppt/slides/slide27.xml><?xml version="1.0" encoding="utf-8"?>
-<p:sld xmlns:a="http://schemas.openxmlformats.org/drawingml/2006/main" xmlns:r="http://schemas.openxmlformats.org/officeDocument/2006/relationships" xmlns:p="http://schemas.openxmlformats.org/presentationml/2006/main">
-  <p:cSld>
-    <p:spTree>
-      <p:nvGrpSpPr>
-        <p:cNvPr id="1" name=""/>
-        <p:cNvGrpSpPr/>
-        <p:nvPr/>
-      </p:nvGrpSpPr>
-      <p:grpSpPr>
-        <a:xfrm>
-          <a:off x="0" y="0"/>
-          <a:ext cx="0" cy="0"/>
-          <a:chOff x="0" y="0"/>
-          <a:chExt cx="0" cy="0"/>
-        </a:xfrm>
-      </p:grpSpPr>
-      <p:sp>
-        <p:nvSpPr>
-          <p:cNvPr id="2" name="Title 1">
-            <a:extLst>
-              <a:ext uri="{FF2B5EF4-FFF2-40B4-BE49-F238E27FC236}">
-                <a16:creationId xmlns:a16="http://schemas.microsoft.com/office/drawing/2014/main" id="{79C0E3CA-0AF9-44A5-AE3D-3E6F93AA4B3F}"/>
-              </a:ext>
-            </a:extLst>
-          </p:cNvPr>
-          <p:cNvSpPr>
-            <a:spLocks noGrp="1"/>
-          </p:cNvSpPr>
-          <p:nvPr>
-            <p:ph type="title"/>
-          </p:nvPr>
-        </p:nvSpPr>
-        <p:spPr/>
-        <p:txBody>
-          <a:bodyPr/>
-          <a:lstStyle/>
-          <a:p>
-            <a:r>
-              <a:rPr lang="en-US" dirty="0"/>
-              <a:t>Test to see that only one clock is created</a:t>
-            </a:r>
-          </a:p>
-        </p:txBody>
-      </p:sp>
-      <p:sp>
-        <p:nvSpPr>
-          <p:cNvPr id="4" name="Slide Number Placeholder 3">
-            <a:extLst>
-              <a:ext uri="{FF2B5EF4-FFF2-40B4-BE49-F238E27FC236}">
-                <a16:creationId xmlns:a16="http://schemas.microsoft.com/office/drawing/2014/main" id="{43B522ED-CD51-4D46-9492-8DAA54C4C893}"/>
-              </a:ext>
-            </a:extLst>
-          </p:cNvPr>
-          <p:cNvSpPr>
-            <a:spLocks noGrp="1"/>
-          </p:cNvSpPr>
-          <p:nvPr>
-            <p:ph type="sldNum" sz="quarter" idx="12"/>
-          </p:nvPr>
-        </p:nvSpPr>
-        <p:spPr/>
-        <p:txBody>
-          <a:bodyPr/>
-          <a:lstStyle/>
-          <a:p>
-            <a:fld id="{20F37917-FD3A-4669-9018-DA04BCDD3D75}" type="slidenum">
-              <a:rPr lang="en-US" smtClean="0"/>
-              <a:t>27</a:t>
-            </a:fld>
-            <a:endParaRPr lang="en-US"/>
-          </a:p>
-        </p:txBody>
-      </p:sp>
-      <p:sp>
-        <p:nvSpPr>
-          <p:cNvPr id="6" name="TextBox 5">
-            <a:extLst>
-              <a:ext uri="{FF2B5EF4-FFF2-40B4-BE49-F238E27FC236}">
-                <a16:creationId xmlns:a16="http://schemas.microsoft.com/office/drawing/2014/main" id="{5407603D-8BF7-45ED-95E8-55B7B850B5D1}"/>
-              </a:ext>
-            </a:extLst>
-          </p:cNvPr>
-          <p:cNvSpPr txBox="1"/>
-          <p:nvPr/>
-        </p:nvSpPr>
-        <p:spPr>
-          <a:xfrm>
-            <a:off x="838200" y="1473106"/>
-            <a:ext cx="9955774" cy="4801314"/>
-          </a:xfrm>
-          <a:prstGeom prst="rect">
-            <a:avLst/>
-          </a:prstGeom>
-          <a:noFill/>
-          <a:ln w="12700" cap="flat" cmpd="sng" algn="ctr">
-            <a:noFill/>
-            <a:prstDash val="solid"/>
-            <a:miter lim="800000"/>
-          </a:ln>
-          <a:effectLst/>
-        </p:spPr>
-        <p:style>
-          <a:lnRef idx="2">
-            <a:schemeClr val="accent1">
-              <a:shade val="50000"/>
-            </a:schemeClr>
-          </a:lnRef>
-          <a:fillRef idx="1">
-            <a:schemeClr val="accent1"/>
-          </a:fillRef>
-          <a:effectRef idx="0">
-            <a:schemeClr val="accent1"/>
-          </a:effectRef>
-          <a:fontRef idx="minor">
-            <a:schemeClr val="lt1"/>
-          </a:fontRef>
-        </p:style>
-        <p:txBody>
-          <a:bodyPr wrap="square">
-            <a:spAutoFit/>
-          </a:bodyPr>
-          <a:lstStyle/>
-          <a:p>
-            <a:r>
-              <a:rPr lang="en-US" b="0" dirty="0">
-                <a:solidFill>
-                  <a:srgbClr val="AF00DB"/>
-                </a:solidFill>
-                <a:effectLst/>
-                <a:latin typeface="Consolas" panose="020B0609020204030204" pitchFamily="49" charset="0"/>
-              </a:rPr>
-              <a:t>import</a:t>
-            </a:r>
-            <a:r>
-              <a:rPr lang="en-US" b="0" dirty="0">
-                <a:solidFill>
-                  <a:srgbClr val="000000"/>
-                </a:solidFill>
-                <a:effectLst/>
-                <a:latin typeface="Consolas" panose="020B0609020204030204" pitchFamily="49" charset="0"/>
-              </a:rPr>
-              <a:t> </a:t>
-            </a:r>
-            <a:r>
-              <a:rPr lang="en-US" b="0" dirty="0" err="1">
-                <a:solidFill>
-                  <a:srgbClr val="001080"/>
-                </a:solidFill>
-                <a:effectLst/>
-                <a:latin typeface="Consolas" panose="020B0609020204030204" pitchFamily="49" charset="0"/>
-              </a:rPr>
-              <a:t>ClockFactory</a:t>
-            </a:r>
-            <a:r>
-              <a:rPr lang="en-US" b="0" dirty="0">
-                <a:solidFill>
-                  <a:srgbClr val="000000"/>
-                </a:solidFill>
-                <a:effectLst/>
-                <a:latin typeface="Consolas" panose="020B0609020204030204" pitchFamily="49" charset="0"/>
-              </a:rPr>
-              <a:t> </a:t>
-            </a:r>
-            <a:r>
-              <a:rPr lang="en-US" b="0" dirty="0">
-                <a:solidFill>
-                  <a:srgbClr val="AF00DB"/>
-                </a:solidFill>
-                <a:effectLst/>
-                <a:latin typeface="Consolas" panose="020B0609020204030204" pitchFamily="49" charset="0"/>
-              </a:rPr>
-              <a:t>from</a:t>
-            </a:r>
-            <a:r>
-              <a:rPr lang="en-US" b="0" dirty="0">
-                <a:solidFill>
-                  <a:srgbClr val="000000"/>
-                </a:solidFill>
-                <a:effectLst/>
-                <a:latin typeface="Consolas" panose="020B0609020204030204" pitchFamily="49" charset="0"/>
-              </a:rPr>
-              <a:t> </a:t>
-            </a:r>
-            <a:r>
-              <a:rPr lang="en-US" b="0" dirty="0">
-                <a:solidFill>
-                  <a:srgbClr val="A31515"/>
-                </a:solidFill>
-                <a:effectLst/>
-                <a:latin typeface="Consolas" panose="020B0609020204030204" pitchFamily="49" charset="0"/>
-              </a:rPr>
-              <a:t>'./</a:t>
-            </a:r>
-            <a:r>
-              <a:rPr lang="en-US" b="0" dirty="0" err="1">
-                <a:solidFill>
-                  <a:srgbClr val="A31515"/>
-                </a:solidFill>
-                <a:effectLst/>
-                <a:latin typeface="Consolas" panose="020B0609020204030204" pitchFamily="49" charset="0"/>
-              </a:rPr>
-              <a:t>singletonClockFactory</a:t>
-            </a:r>
-            <a:r>
-              <a:rPr lang="en-US" b="0" dirty="0">
-                <a:solidFill>
-                  <a:srgbClr val="A31515"/>
-                </a:solidFill>
-                <a:effectLst/>
-                <a:latin typeface="Consolas" panose="020B0609020204030204" pitchFamily="49" charset="0"/>
-              </a:rPr>
-              <a:t>'</a:t>
-            </a:r>
-            <a:endParaRPr lang="en-US" b="0" dirty="0">
-              <a:solidFill>
-                <a:srgbClr val="000000"/>
-              </a:solidFill>
-              <a:effectLst/>
-              <a:latin typeface="Consolas" panose="020B0609020204030204" pitchFamily="49" charset="0"/>
-            </a:endParaRPr>
-          </a:p>
-          <a:p>
-            <a:br>
-              <a:rPr lang="en-US" b="0" dirty="0">
-                <a:solidFill>
-                  <a:srgbClr val="000000"/>
-                </a:solidFill>
-                <a:effectLst/>
-                <a:latin typeface="Consolas" panose="020B0609020204030204" pitchFamily="49" charset="0"/>
-              </a:rPr>
-            </a:br>
-            <a:br>
-              <a:rPr lang="en-US" b="0" dirty="0">
-                <a:solidFill>
-                  <a:srgbClr val="000000"/>
-                </a:solidFill>
-                <a:effectLst/>
-                <a:latin typeface="Consolas" panose="020B0609020204030204" pitchFamily="49" charset="0"/>
-              </a:rPr>
-            </a:br>
-            <a:r>
-              <a:rPr lang="en-US" b="0" dirty="0">
-                <a:solidFill>
-                  <a:srgbClr val="795E26"/>
-                </a:solidFill>
-                <a:effectLst/>
-                <a:latin typeface="Consolas" panose="020B0609020204030204" pitchFamily="49" charset="0"/>
-              </a:rPr>
-              <a:t>test</a:t>
-            </a:r>
-            <a:r>
-              <a:rPr lang="en-US" b="0" dirty="0">
-                <a:solidFill>
-                  <a:srgbClr val="000000"/>
-                </a:solidFill>
-                <a:effectLst/>
-                <a:latin typeface="Consolas" panose="020B0609020204030204" pitchFamily="49" charset="0"/>
-              </a:rPr>
-              <a:t>(</a:t>
-            </a:r>
-            <a:r>
-              <a:rPr lang="en-US" b="0" dirty="0">
-                <a:solidFill>
-                  <a:srgbClr val="A31515"/>
-                </a:solidFill>
-                <a:effectLst/>
-                <a:latin typeface="Consolas" panose="020B0609020204030204" pitchFamily="49" charset="0"/>
-              </a:rPr>
-              <a:t>"actions on clock1 should be visible on clock2"</a:t>
-            </a:r>
-            <a:r>
-              <a:rPr lang="en-US" b="0" dirty="0">
-                <a:solidFill>
-                  <a:srgbClr val="000000"/>
-                </a:solidFill>
-                <a:effectLst/>
-                <a:latin typeface="Consolas" panose="020B0609020204030204" pitchFamily="49" charset="0"/>
-              </a:rPr>
-              <a:t>, () </a:t>
-            </a:r>
-            <a:r>
-              <a:rPr lang="en-US" b="0" dirty="0">
-                <a:solidFill>
-                  <a:srgbClr val="0000FF"/>
-                </a:solidFill>
-                <a:effectLst/>
-                <a:latin typeface="Consolas" panose="020B0609020204030204" pitchFamily="49" charset="0"/>
-              </a:rPr>
-              <a:t>=&gt;</a:t>
-            </a:r>
-            <a:r>
-              <a:rPr lang="en-US" b="0" dirty="0">
-                <a:solidFill>
-                  <a:srgbClr val="000000"/>
-                </a:solidFill>
-                <a:effectLst/>
-                <a:latin typeface="Consolas" panose="020B0609020204030204" pitchFamily="49" charset="0"/>
-              </a:rPr>
-              <a:t> {</a:t>
-            </a:r>
-          </a:p>
-          <a:p>
-            <a:r>
-              <a:rPr lang="en-US" b="0" dirty="0">
-                <a:solidFill>
-                  <a:srgbClr val="000000"/>
-                </a:solidFill>
-                <a:effectLst/>
-                <a:latin typeface="Consolas" panose="020B0609020204030204" pitchFamily="49" charset="0"/>
-              </a:rPr>
-              <a:t>    </a:t>
-            </a:r>
-            <a:r>
-              <a:rPr lang="en-US" b="0" dirty="0">
-                <a:solidFill>
-                  <a:srgbClr val="0000FF"/>
-                </a:solidFill>
-                <a:effectLst/>
-                <a:latin typeface="Consolas" panose="020B0609020204030204" pitchFamily="49" charset="0"/>
-              </a:rPr>
-              <a:t>const</a:t>
-            </a:r>
-            <a:r>
-              <a:rPr lang="en-US" b="0" dirty="0">
-                <a:solidFill>
-                  <a:srgbClr val="000000"/>
-                </a:solidFill>
-                <a:effectLst/>
-                <a:latin typeface="Consolas" panose="020B0609020204030204" pitchFamily="49" charset="0"/>
-              </a:rPr>
-              <a:t> </a:t>
-            </a:r>
-            <a:r>
-              <a:rPr lang="en-US" b="0" dirty="0">
-                <a:solidFill>
-                  <a:srgbClr val="0070C1"/>
-                </a:solidFill>
-                <a:effectLst/>
-                <a:latin typeface="Consolas" panose="020B0609020204030204" pitchFamily="49" charset="0"/>
-              </a:rPr>
-              <a:t>clock1</a:t>
-            </a:r>
-            <a:r>
-              <a:rPr lang="en-US" b="0" dirty="0">
-                <a:solidFill>
-                  <a:srgbClr val="000000"/>
-                </a:solidFill>
-                <a:effectLst/>
-                <a:latin typeface="Consolas" panose="020B0609020204030204" pitchFamily="49" charset="0"/>
-              </a:rPr>
-              <a:t> = </a:t>
-            </a:r>
-            <a:r>
-              <a:rPr lang="en-US" b="0" dirty="0" err="1">
-                <a:solidFill>
-                  <a:srgbClr val="267F99"/>
-                </a:solidFill>
-                <a:effectLst/>
-                <a:latin typeface="Consolas" panose="020B0609020204030204" pitchFamily="49" charset="0"/>
-              </a:rPr>
-              <a:t>ClockFactory</a:t>
-            </a:r>
-            <a:r>
-              <a:rPr lang="en-US" b="0" dirty="0" err="1">
-                <a:solidFill>
-                  <a:srgbClr val="000000"/>
-                </a:solidFill>
-                <a:effectLst/>
-                <a:latin typeface="Consolas" panose="020B0609020204030204" pitchFamily="49" charset="0"/>
-              </a:rPr>
-              <a:t>.</a:t>
-            </a:r>
-            <a:r>
-              <a:rPr lang="en-US" b="0" dirty="0" err="1">
-                <a:solidFill>
-                  <a:srgbClr val="795E26"/>
-                </a:solidFill>
-                <a:effectLst/>
-                <a:latin typeface="Consolas" panose="020B0609020204030204" pitchFamily="49" charset="0"/>
-              </a:rPr>
-              <a:t>instance</a:t>
-            </a:r>
-            <a:r>
-              <a:rPr lang="en-US" b="0" dirty="0">
-                <a:solidFill>
-                  <a:srgbClr val="000000"/>
-                </a:solidFill>
-                <a:effectLst/>
-                <a:latin typeface="Consolas" panose="020B0609020204030204" pitchFamily="49" charset="0"/>
-              </a:rPr>
-              <a:t>()</a:t>
-            </a:r>
-          </a:p>
-          <a:p>
-            <a:r>
-              <a:rPr lang="en-US" b="0" dirty="0">
-                <a:solidFill>
-                  <a:srgbClr val="000000"/>
-                </a:solidFill>
-                <a:effectLst/>
-                <a:latin typeface="Consolas" panose="020B0609020204030204" pitchFamily="49" charset="0"/>
-              </a:rPr>
-              <a:t>    </a:t>
-            </a:r>
-            <a:r>
-              <a:rPr lang="en-US" b="0" dirty="0">
-                <a:solidFill>
-                  <a:srgbClr val="0000FF"/>
-                </a:solidFill>
-                <a:effectLst/>
-                <a:latin typeface="Consolas" panose="020B0609020204030204" pitchFamily="49" charset="0"/>
-              </a:rPr>
-              <a:t>const</a:t>
-            </a:r>
-            <a:r>
-              <a:rPr lang="en-US" b="0" dirty="0">
-                <a:solidFill>
-                  <a:srgbClr val="000000"/>
-                </a:solidFill>
-                <a:effectLst/>
-                <a:latin typeface="Consolas" panose="020B0609020204030204" pitchFamily="49" charset="0"/>
-              </a:rPr>
-              <a:t> </a:t>
-            </a:r>
-            <a:r>
-              <a:rPr lang="en-US" b="0" dirty="0">
-                <a:solidFill>
-                  <a:srgbClr val="0070C1"/>
-                </a:solidFill>
-                <a:effectLst/>
-                <a:latin typeface="Consolas" panose="020B0609020204030204" pitchFamily="49" charset="0"/>
-              </a:rPr>
-              <a:t>clock2</a:t>
-            </a:r>
-            <a:r>
-              <a:rPr lang="en-US" b="0" dirty="0">
-                <a:solidFill>
-                  <a:srgbClr val="000000"/>
-                </a:solidFill>
-                <a:effectLst/>
-                <a:latin typeface="Consolas" panose="020B0609020204030204" pitchFamily="49" charset="0"/>
-              </a:rPr>
-              <a:t> = </a:t>
-            </a:r>
-            <a:r>
-              <a:rPr lang="en-US" b="0" dirty="0" err="1">
-                <a:solidFill>
-                  <a:srgbClr val="267F99"/>
-                </a:solidFill>
-                <a:effectLst/>
-                <a:latin typeface="Consolas" panose="020B0609020204030204" pitchFamily="49" charset="0"/>
-              </a:rPr>
-              <a:t>ClockFactory</a:t>
-            </a:r>
-            <a:r>
-              <a:rPr lang="en-US" b="0" dirty="0" err="1">
-                <a:solidFill>
-                  <a:srgbClr val="000000"/>
-                </a:solidFill>
-                <a:effectLst/>
-                <a:latin typeface="Consolas" panose="020B0609020204030204" pitchFamily="49" charset="0"/>
-              </a:rPr>
-              <a:t>.</a:t>
-            </a:r>
-            <a:r>
-              <a:rPr lang="en-US" b="0" dirty="0" err="1">
-                <a:solidFill>
-                  <a:srgbClr val="795E26"/>
-                </a:solidFill>
-                <a:effectLst/>
-                <a:latin typeface="Consolas" panose="020B0609020204030204" pitchFamily="49" charset="0"/>
-              </a:rPr>
-              <a:t>instance</a:t>
-            </a:r>
-            <a:r>
-              <a:rPr lang="en-US" b="0" dirty="0">
-                <a:solidFill>
-                  <a:srgbClr val="000000"/>
-                </a:solidFill>
-                <a:effectLst/>
-                <a:latin typeface="Consolas" panose="020B0609020204030204" pitchFamily="49" charset="0"/>
-              </a:rPr>
-              <a:t>()</a:t>
-            </a:r>
-          </a:p>
-          <a:p>
-            <a:r>
-              <a:rPr lang="en-US" b="0" dirty="0">
-                <a:solidFill>
-                  <a:srgbClr val="000000"/>
-                </a:solidFill>
-                <a:effectLst/>
-                <a:latin typeface="Consolas" panose="020B0609020204030204" pitchFamily="49" charset="0"/>
-              </a:rPr>
-              <a:t>    </a:t>
-            </a:r>
-            <a:r>
-              <a:rPr lang="en-US" b="0" dirty="0">
-                <a:solidFill>
-                  <a:srgbClr val="795E26"/>
-                </a:solidFill>
-                <a:effectLst/>
-                <a:highlight>
-                  <a:srgbClr val="FFFF00"/>
-                </a:highlight>
-                <a:latin typeface="Consolas" panose="020B0609020204030204" pitchFamily="49" charset="0"/>
-              </a:rPr>
-              <a:t>expect</a:t>
-            </a:r>
-            <a:r>
-              <a:rPr lang="en-US" b="0" dirty="0">
-                <a:solidFill>
-                  <a:srgbClr val="000000"/>
-                </a:solidFill>
-                <a:effectLst/>
-                <a:highlight>
-                  <a:srgbClr val="FFFF00"/>
-                </a:highlight>
-                <a:latin typeface="Consolas" panose="020B0609020204030204" pitchFamily="49" charset="0"/>
-              </a:rPr>
-              <a:t>(</a:t>
-            </a:r>
-            <a:r>
-              <a:rPr lang="en-US" b="0" dirty="0">
-                <a:solidFill>
-                  <a:srgbClr val="0070C1"/>
-                </a:solidFill>
-                <a:effectLst/>
-                <a:highlight>
-                  <a:srgbClr val="FFFF00"/>
-                </a:highlight>
-                <a:latin typeface="Consolas" panose="020B0609020204030204" pitchFamily="49" charset="0"/>
-              </a:rPr>
-              <a:t>clock1</a:t>
-            </a:r>
-            <a:r>
-              <a:rPr lang="en-US" b="0" dirty="0">
-                <a:solidFill>
-                  <a:srgbClr val="000000"/>
-                </a:solidFill>
-                <a:effectLst/>
-                <a:highlight>
-                  <a:srgbClr val="FFFF00"/>
-                </a:highlight>
-                <a:latin typeface="Consolas" panose="020B0609020204030204" pitchFamily="49" charset="0"/>
-              </a:rPr>
-              <a:t>.</a:t>
-            </a:r>
-            <a:r>
-              <a:rPr lang="en-US" b="0" dirty="0">
-                <a:solidFill>
-                  <a:srgbClr val="795E26"/>
-                </a:solidFill>
-                <a:effectLst/>
-                <a:highlight>
-                  <a:srgbClr val="FFFF00"/>
-                </a:highlight>
-                <a:latin typeface="Consolas" panose="020B0609020204030204" pitchFamily="49" charset="0"/>
-              </a:rPr>
-              <a:t>getTime</a:t>
-            </a:r>
-            <a:r>
-              <a:rPr lang="en-US" b="0" dirty="0">
-                <a:solidFill>
-                  <a:srgbClr val="000000"/>
-                </a:solidFill>
-                <a:effectLst/>
-                <a:highlight>
-                  <a:srgbClr val="FFFF00"/>
-                </a:highlight>
-                <a:latin typeface="Consolas" panose="020B0609020204030204" pitchFamily="49" charset="0"/>
-              </a:rPr>
-              <a:t>()).</a:t>
-            </a:r>
-            <a:r>
-              <a:rPr lang="en-US" b="0" dirty="0" err="1">
-                <a:solidFill>
-                  <a:srgbClr val="795E26"/>
-                </a:solidFill>
-                <a:effectLst/>
-                <a:highlight>
-                  <a:srgbClr val="FFFF00"/>
-                </a:highlight>
-                <a:latin typeface="Consolas" panose="020B0609020204030204" pitchFamily="49" charset="0"/>
-              </a:rPr>
-              <a:t>toBe</a:t>
-            </a:r>
-            <a:r>
-              <a:rPr lang="en-US" b="0" dirty="0">
-                <a:solidFill>
-                  <a:srgbClr val="000000"/>
-                </a:solidFill>
-                <a:effectLst/>
-                <a:highlight>
-                  <a:srgbClr val="FFFF00"/>
-                </a:highlight>
-                <a:latin typeface="Consolas" panose="020B0609020204030204" pitchFamily="49" charset="0"/>
-              </a:rPr>
-              <a:t>(</a:t>
-            </a:r>
-            <a:r>
-              <a:rPr lang="en-US" b="0" dirty="0">
-                <a:solidFill>
-                  <a:srgbClr val="098658"/>
-                </a:solidFill>
-                <a:effectLst/>
-                <a:highlight>
-                  <a:srgbClr val="FFFF00"/>
-                </a:highlight>
-                <a:latin typeface="Consolas" panose="020B0609020204030204" pitchFamily="49" charset="0"/>
-              </a:rPr>
-              <a:t>0</a:t>
-            </a:r>
-            <a:r>
-              <a:rPr lang="en-US" b="0" dirty="0">
-                <a:solidFill>
-                  <a:srgbClr val="000000"/>
-                </a:solidFill>
-                <a:effectLst/>
-                <a:highlight>
-                  <a:srgbClr val="FFFF00"/>
-                </a:highlight>
-                <a:latin typeface="Consolas" panose="020B0609020204030204" pitchFamily="49" charset="0"/>
-              </a:rPr>
-              <a:t>)</a:t>
-            </a:r>
-          </a:p>
-          <a:p>
-            <a:r>
-              <a:rPr lang="en-US" b="0" dirty="0">
-                <a:solidFill>
-                  <a:srgbClr val="000000"/>
-                </a:solidFill>
-                <a:effectLst/>
-                <a:latin typeface="Consolas" panose="020B0609020204030204" pitchFamily="49" charset="0"/>
-              </a:rPr>
-              <a:t>    </a:t>
-            </a:r>
-            <a:r>
-              <a:rPr lang="en-US" b="0" dirty="0">
-                <a:solidFill>
-                  <a:srgbClr val="795E26"/>
-                </a:solidFill>
-                <a:effectLst/>
-                <a:highlight>
-                  <a:srgbClr val="FFFF00"/>
-                </a:highlight>
-                <a:latin typeface="Consolas" panose="020B0609020204030204" pitchFamily="49" charset="0"/>
-              </a:rPr>
-              <a:t>expect</a:t>
-            </a:r>
-            <a:r>
-              <a:rPr lang="en-US" b="0" dirty="0">
-                <a:solidFill>
-                  <a:srgbClr val="000000"/>
-                </a:solidFill>
-                <a:effectLst/>
-                <a:highlight>
-                  <a:srgbClr val="FFFF00"/>
-                </a:highlight>
-                <a:latin typeface="Consolas" panose="020B0609020204030204" pitchFamily="49" charset="0"/>
-              </a:rPr>
-              <a:t>(</a:t>
-            </a:r>
-            <a:r>
-              <a:rPr lang="en-US" b="0" dirty="0">
-                <a:solidFill>
-                  <a:srgbClr val="0070C1"/>
-                </a:solidFill>
-                <a:effectLst/>
-                <a:highlight>
-                  <a:srgbClr val="FFFF00"/>
-                </a:highlight>
-                <a:latin typeface="Consolas" panose="020B0609020204030204" pitchFamily="49" charset="0"/>
-              </a:rPr>
-              <a:t>clock2</a:t>
-            </a:r>
-            <a:r>
-              <a:rPr lang="en-US" b="0" dirty="0">
-                <a:solidFill>
-                  <a:srgbClr val="000000"/>
-                </a:solidFill>
-                <a:effectLst/>
-                <a:highlight>
-                  <a:srgbClr val="FFFF00"/>
-                </a:highlight>
-                <a:latin typeface="Consolas" panose="020B0609020204030204" pitchFamily="49" charset="0"/>
-              </a:rPr>
-              <a:t>.</a:t>
-            </a:r>
-            <a:r>
-              <a:rPr lang="en-US" b="0" dirty="0">
-                <a:solidFill>
-                  <a:srgbClr val="795E26"/>
-                </a:solidFill>
-                <a:effectLst/>
-                <a:highlight>
-                  <a:srgbClr val="FFFF00"/>
-                </a:highlight>
-                <a:latin typeface="Consolas" panose="020B0609020204030204" pitchFamily="49" charset="0"/>
-              </a:rPr>
-              <a:t>getTime</a:t>
-            </a:r>
-            <a:r>
-              <a:rPr lang="en-US" b="0" dirty="0">
-                <a:solidFill>
-                  <a:srgbClr val="000000"/>
-                </a:solidFill>
-                <a:effectLst/>
-                <a:highlight>
-                  <a:srgbClr val="FFFF00"/>
-                </a:highlight>
-                <a:latin typeface="Consolas" panose="020B0609020204030204" pitchFamily="49" charset="0"/>
-              </a:rPr>
-              <a:t>()).</a:t>
-            </a:r>
-            <a:r>
-              <a:rPr lang="en-US" b="0" dirty="0" err="1">
-                <a:solidFill>
-                  <a:srgbClr val="795E26"/>
-                </a:solidFill>
-                <a:effectLst/>
-                <a:highlight>
-                  <a:srgbClr val="FFFF00"/>
-                </a:highlight>
-                <a:latin typeface="Consolas" panose="020B0609020204030204" pitchFamily="49" charset="0"/>
-              </a:rPr>
-              <a:t>toBe</a:t>
-            </a:r>
-            <a:r>
-              <a:rPr lang="en-US" b="0" dirty="0">
-                <a:solidFill>
-                  <a:srgbClr val="000000"/>
-                </a:solidFill>
-                <a:effectLst/>
-                <a:highlight>
-                  <a:srgbClr val="FFFF00"/>
-                </a:highlight>
-                <a:latin typeface="Consolas" panose="020B0609020204030204" pitchFamily="49" charset="0"/>
-              </a:rPr>
-              <a:t>(</a:t>
-            </a:r>
-            <a:r>
-              <a:rPr lang="en-US" b="0" dirty="0">
-                <a:solidFill>
-                  <a:srgbClr val="098658"/>
-                </a:solidFill>
-                <a:effectLst/>
-                <a:highlight>
-                  <a:srgbClr val="FFFF00"/>
-                </a:highlight>
-                <a:latin typeface="Consolas" panose="020B0609020204030204" pitchFamily="49" charset="0"/>
-              </a:rPr>
-              <a:t>0</a:t>
-            </a:r>
-            <a:r>
-              <a:rPr lang="en-US" b="0" dirty="0">
-                <a:solidFill>
-                  <a:srgbClr val="000000"/>
-                </a:solidFill>
-                <a:effectLst/>
-                <a:highlight>
-                  <a:srgbClr val="FFFF00"/>
-                </a:highlight>
-                <a:latin typeface="Consolas" panose="020B0609020204030204" pitchFamily="49" charset="0"/>
-              </a:rPr>
-              <a:t>)</a:t>
-            </a:r>
-          </a:p>
-          <a:p>
-            <a:r>
-              <a:rPr lang="en-US" b="0" dirty="0">
-                <a:solidFill>
-                  <a:srgbClr val="000000"/>
-                </a:solidFill>
-                <a:effectLst/>
-                <a:latin typeface="Consolas" panose="020B0609020204030204" pitchFamily="49" charset="0"/>
-              </a:rPr>
-              <a:t>    </a:t>
-            </a:r>
-            <a:r>
-              <a:rPr lang="en-US" b="0" dirty="0">
-                <a:solidFill>
-                  <a:srgbClr val="0070C1"/>
-                </a:solidFill>
-                <a:effectLst/>
-                <a:latin typeface="Consolas" panose="020B0609020204030204" pitchFamily="49" charset="0"/>
-              </a:rPr>
-              <a:t>clock1</a:t>
-            </a:r>
-            <a:r>
-              <a:rPr lang="en-US" b="0" dirty="0">
-                <a:solidFill>
-                  <a:srgbClr val="000000"/>
-                </a:solidFill>
-                <a:effectLst/>
-                <a:latin typeface="Consolas" panose="020B0609020204030204" pitchFamily="49" charset="0"/>
-              </a:rPr>
-              <a:t>.</a:t>
-            </a:r>
-            <a:r>
-              <a:rPr lang="en-US" b="0" dirty="0">
-                <a:solidFill>
-                  <a:srgbClr val="795E26"/>
-                </a:solidFill>
-                <a:effectLst/>
-                <a:latin typeface="Consolas" panose="020B0609020204030204" pitchFamily="49" charset="0"/>
-              </a:rPr>
-              <a:t>tick</a:t>
-            </a:r>
-            <a:r>
-              <a:rPr lang="en-US" b="0" dirty="0">
-                <a:solidFill>
-                  <a:srgbClr val="000000"/>
-                </a:solidFill>
-                <a:effectLst/>
-                <a:latin typeface="Consolas" panose="020B0609020204030204" pitchFamily="49" charset="0"/>
-              </a:rPr>
-              <a:t>()</a:t>
-            </a:r>
-          </a:p>
-          <a:p>
-            <a:r>
-              <a:rPr lang="en-US" b="0" dirty="0">
-                <a:solidFill>
-                  <a:srgbClr val="000000"/>
-                </a:solidFill>
-                <a:effectLst/>
-                <a:latin typeface="Consolas" panose="020B0609020204030204" pitchFamily="49" charset="0"/>
-              </a:rPr>
-              <a:t>    </a:t>
-            </a:r>
-            <a:r>
-              <a:rPr lang="en-US" b="0" dirty="0">
-                <a:solidFill>
-                  <a:srgbClr val="0070C1"/>
-                </a:solidFill>
-                <a:effectLst/>
-                <a:latin typeface="Consolas" panose="020B0609020204030204" pitchFamily="49" charset="0"/>
-              </a:rPr>
-              <a:t>clock1</a:t>
-            </a:r>
-            <a:r>
-              <a:rPr lang="en-US" b="0" dirty="0">
-                <a:solidFill>
-                  <a:srgbClr val="000000"/>
-                </a:solidFill>
-                <a:effectLst/>
-                <a:latin typeface="Consolas" panose="020B0609020204030204" pitchFamily="49" charset="0"/>
-              </a:rPr>
-              <a:t>.</a:t>
-            </a:r>
-            <a:r>
-              <a:rPr lang="en-US" b="0" dirty="0">
-                <a:solidFill>
-                  <a:srgbClr val="795E26"/>
-                </a:solidFill>
-                <a:effectLst/>
-                <a:latin typeface="Consolas" panose="020B0609020204030204" pitchFamily="49" charset="0"/>
-              </a:rPr>
-              <a:t>tick</a:t>
-            </a:r>
-            <a:r>
-              <a:rPr lang="en-US" b="0" dirty="0">
-                <a:solidFill>
-                  <a:srgbClr val="000000"/>
-                </a:solidFill>
-                <a:effectLst/>
-                <a:latin typeface="Consolas" panose="020B0609020204030204" pitchFamily="49" charset="0"/>
-              </a:rPr>
-              <a:t>()   </a:t>
-            </a:r>
-          </a:p>
-          <a:p>
-            <a:r>
-              <a:rPr lang="en-US" b="0" dirty="0">
-                <a:solidFill>
-                  <a:srgbClr val="000000"/>
-                </a:solidFill>
-                <a:effectLst/>
-                <a:latin typeface="Consolas" panose="020B0609020204030204" pitchFamily="49" charset="0"/>
-              </a:rPr>
-              <a:t>    </a:t>
-            </a:r>
-            <a:r>
-              <a:rPr lang="en-US" b="0" dirty="0">
-                <a:solidFill>
-                  <a:srgbClr val="795E26"/>
-                </a:solidFill>
-                <a:effectLst/>
-                <a:highlight>
-                  <a:srgbClr val="FFFF00"/>
-                </a:highlight>
-                <a:latin typeface="Consolas" panose="020B0609020204030204" pitchFamily="49" charset="0"/>
-              </a:rPr>
-              <a:t>expect</a:t>
-            </a:r>
-            <a:r>
-              <a:rPr lang="en-US" b="0" dirty="0">
-                <a:solidFill>
-                  <a:srgbClr val="000000"/>
-                </a:solidFill>
-                <a:effectLst/>
-                <a:highlight>
-                  <a:srgbClr val="FFFF00"/>
-                </a:highlight>
-                <a:latin typeface="Consolas" panose="020B0609020204030204" pitchFamily="49" charset="0"/>
-              </a:rPr>
-              <a:t>(</a:t>
-            </a:r>
-            <a:r>
-              <a:rPr lang="en-US" b="0" dirty="0">
-                <a:solidFill>
-                  <a:srgbClr val="0070C1"/>
-                </a:solidFill>
-                <a:effectLst/>
-                <a:highlight>
-                  <a:srgbClr val="FFFF00"/>
-                </a:highlight>
-                <a:latin typeface="Consolas" panose="020B0609020204030204" pitchFamily="49" charset="0"/>
-              </a:rPr>
-              <a:t>clock1</a:t>
-            </a:r>
-            <a:r>
-              <a:rPr lang="en-US" b="0" dirty="0">
-                <a:solidFill>
-                  <a:srgbClr val="000000"/>
-                </a:solidFill>
-                <a:effectLst/>
-                <a:highlight>
-                  <a:srgbClr val="FFFF00"/>
-                </a:highlight>
-                <a:latin typeface="Consolas" panose="020B0609020204030204" pitchFamily="49" charset="0"/>
-              </a:rPr>
-              <a:t>.</a:t>
-            </a:r>
-            <a:r>
-              <a:rPr lang="en-US" b="0" dirty="0">
-                <a:solidFill>
-                  <a:srgbClr val="795E26"/>
-                </a:solidFill>
-                <a:effectLst/>
-                <a:highlight>
-                  <a:srgbClr val="FFFF00"/>
-                </a:highlight>
-                <a:latin typeface="Consolas" panose="020B0609020204030204" pitchFamily="49" charset="0"/>
-              </a:rPr>
-              <a:t>getTime</a:t>
-            </a:r>
-            <a:r>
-              <a:rPr lang="en-US" b="0" dirty="0">
-                <a:solidFill>
-                  <a:srgbClr val="000000"/>
-                </a:solidFill>
-                <a:effectLst/>
-                <a:highlight>
-                  <a:srgbClr val="FFFF00"/>
-                </a:highlight>
-                <a:latin typeface="Consolas" panose="020B0609020204030204" pitchFamily="49" charset="0"/>
-              </a:rPr>
-              <a:t>()).</a:t>
-            </a:r>
-            <a:r>
-              <a:rPr lang="en-US" b="0" dirty="0" err="1">
-                <a:solidFill>
-                  <a:srgbClr val="795E26"/>
-                </a:solidFill>
-                <a:effectLst/>
-                <a:highlight>
-                  <a:srgbClr val="FFFF00"/>
-                </a:highlight>
-                <a:latin typeface="Consolas" panose="020B0609020204030204" pitchFamily="49" charset="0"/>
-              </a:rPr>
-              <a:t>toBe</a:t>
-            </a:r>
-            <a:r>
-              <a:rPr lang="en-US" b="0" dirty="0">
-                <a:solidFill>
-                  <a:srgbClr val="000000"/>
-                </a:solidFill>
-                <a:effectLst/>
-                <a:highlight>
-                  <a:srgbClr val="FFFF00"/>
-                </a:highlight>
-                <a:latin typeface="Consolas" panose="020B0609020204030204" pitchFamily="49" charset="0"/>
-              </a:rPr>
-              <a:t>(</a:t>
-            </a:r>
-            <a:r>
-              <a:rPr lang="en-US" b="0" dirty="0">
-                <a:solidFill>
-                  <a:srgbClr val="098658"/>
-                </a:solidFill>
-                <a:effectLst/>
-                <a:highlight>
-                  <a:srgbClr val="FFFF00"/>
-                </a:highlight>
-                <a:latin typeface="Consolas" panose="020B0609020204030204" pitchFamily="49" charset="0"/>
-              </a:rPr>
-              <a:t>2</a:t>
-            </a:r>
-            <a:r>
-              <a:rPr lang="en-US" b="0" dirty="0">
-                <a:solidFill>
-                  <a:srgbClr val="000000"/>
-                </a:solidFill>
-                <a:effectLst/>
-                <a:highlight>
-                  <a:srgbClr val="FFFF00"/>
-                </a:highlight>
-                <a:latin typeface="Consolas" panose="020B0609020204030204" pitchFamily="49" charset="0"/>
-              </a:rPr>
-              <a:t>)</a:t>
-            </a:r>
-          </a:p>
-          <a:p>
-            <a:r>
-              <a:rPr lang="en-US" b="0" dirty="0">
-                <a:solidFill>
-                  <a:srgbClr val="000000"/>
-                </a:solidFill>
-                <a:effectLst/>
-                <a:latin typeface="Consolas" panose="020B0609020204030204" pitchFamily="49" charset="0"/>
-              </a:rPr>
-              <a:t>    </a:t>
-            </a:r>
-            <a:r>
-              <a:rPr lang="en-US" b="0" dirty="0">
-                <a:solidFill>
-                  <a:srgbClr val="795E26"/>
-                </a:solidFill>
-                <a:effectLst/>
-                <a:highlight>
-                  <a:srgbClr val="FFFF00"/>
-                </a:highlight>
-                <a:latin typeface="Consolas" panose="020B0609020204030204" pitchFamily="49" charset="0"/>
-              </a:rPr>
-              <a:t>expect</a:t>
-            </a:r>
-            <a:r>
-              <a:rPr lang="en-US" b="0" dirty="0">
-                <a:solidFill>
-                  <a:srgbClr val="000000"/>
-                </a:solidFill>
-                <a:effectLst/>
-                <a:highlight>
-                  <a:srgbClr val="FFFF00"/>
-                </a:highlight>
-                <a:latin typeface="Consolas" panose="020B0609020204030204" pitchFamily="49" charset="0"/>
-              </a:rPr>
-              <a:t>(</a:t>
-            </a:r>
-            <a:r>
-              <a:rPr lang="en-US" b="0" dirty="0">
-                <a:solidFill>
-                  <a:srgbClr val="0070C1"/>
-                </a:solidFill>
-                <a:effectLst/>
-                <a:highlight>
-                  <a:srgbClr val="FFFF00"/>
-                </a:highlight>
-                <a:latin typeface="Consolas" panose="020B0609020204030204" pitchFamily="49" charset="0"/>
-              </a:rPr>
-              <a:t>clock2</a:t>
-            </a:r>
-            <a:r>
-              <a:rPr lang="en-US" b="0" dirty="0">
-                <a:solidFill>
-                  <a:srgbClr val="000000"/>
-                </a:solidFill>
-                <a:effectLst/>
-                <a:highlight>
-                  <a:srgbClr val="FFFF00"/>
-                </a:highlight>
-                <a:latin typeface="Consolas" panose="020B0609020204030204" pitchFamily="49" charset="0"/>
-              </a:rPr>
-              <a:t>.</a:t>
-            </a:r>
-            <a:r>
-              <a:rPr lang="en-US" b="0" dirty="0">
-                <a:solidFill>
-                  <a:srgbClr val="795E26"/>
-                </a:solidFill>
-                <a:effectLst/>
-                <a:highlight>
-                  <a:srgbClr val="FFFF00"/>
-                </a:highlight>
-                <a:latin typeface="Consolas" panose="020B0609020204030204" pitchFamily="49" charset="0"/>
-              </a:rPr>
-              <a:t>getTime</a:t>
-            </a:r>
-            <a:r>
-              <a:rPr lang="en-US" b="0" dirty="0">
-                <a:solidFill>
-                  <a:srgbClr val="000000"/>
-                </a:solidFill>
-                <a:effectLst/>
-                <a:highlight>
-                  <a:srgbClr val="FFFF00"/>
-                </a:highlight>
-                <a:latin typeface="Consolas" panose="020B0609020204030204" pitchFamily="49" charset="0"/>
-              </a:rPr>
-              <a:t>()).</a:t>
-            </a:r>
-            <a:r>
-              <a:rPr lang="en-US" b="0" dirty="0" err="1">
-                <a:solidFill>
-                  <a:srgbClr val="795E26"/>
-                </a:solidFill>
-                <a:effectLst/>
-                <a:highlight>
-                  <a:srgbClr val="FFFF00"/>
-                </a:highlight>
-                <a:latin typeface="Consolas" panose="020B0609020204030204" pitchFamily="49" charset="0"/>
-              </a:rPr>
-              <a:t>toBe</a:t>
-            </a:r>
-            <a:r>
-              <a:rPr lang="en-US" b="0" dirty="0">
-                <a:solidFill>
-                  <a:srgbClr val="000000"/>
-                </a:solidFill>
-                <a:effectLst/>
-                <a:highlight>
-                  <a:srgbClr val="FFFF00"/>
-                </a:highlight>
-                <a:latin typeface="Consolas" panose="020B0609020204030204" pitchFamily="49" charset="0"/>
-              </a:rPr>
-              <a:t>(</a:t>
-            </a:r>
-            <a:r>
-              <a:rPr lang="en-US" b="0" dirty="0">
-                <a:solidFill>
-                  <a:srgbClr val="098658"/>
-                </a:solidFill>
-                <a:effectLst/>
-                <a:highlight>
-                  <a:srgbClr val="FFFF00"/>
-                </a:highlight>
-                <a:latin typeface="Consolas" panose="020B0609020204030204" pitchFamily="49" charset="0"/>
-              </a:rPr>
-              <a:t>2</a:t>
-            </a:r>
-            <a:r>
-              <a:rPr lang="en-US" b="0" dirty="0">
-                <a:solidFill>
-                  <a:srgbClr val="000000"/>
-                </a:solidFill>
-                <a:effectLst/>
-                <a:highlight>
-                  <a:srgbClr val="FFFF00"/>
-                </a:highlight>
-                <a:latin typeface="Consolas" panose="020B0609020204030204" pitchFamily="49" charset="0"/>
-              </a:rPr>
-              <a:t>)</a:t>
-            </a:r>
-          </a:p>
-          <a:p>
-            <a:r>
-              <a:rPr lang="en-US" b="0" dirty="0">
-                <a:solidFill>
-                  <a:srgbClr val="000000"/>
-                </a:solidFill>
-                <a:effectLst/>
-                <a:latin typeface="Consolas" panose="020B0609020204030204" pitchFamily="49" charset="0"/>
-              </a:rPr>
-              <a:t>    </a:t>
-            </a:r>
-            <a:r>
-              <a:rPr lang="en-US" b="0" dirty="0">
-                <a:solidFill>
-                  <a:srgbClr val="0070C1"/>
-                </a:solidFill>
-                <a:effectLst/>
-                <a:latin typeface="Consolas" panose="020B0609020204030204" pitchFamily="49" charset="0"/>
-              </a:rPr>
-              <a:t>clock1</a:t>
-            </a:r>
-            <a:r>
-              <a:rPr lang="en-US" b="0" dirty="0">
-                <a:solidFill>
-                  <a:srgbClr val="000000"/>
-                </a:solidFill>
-                <a:effectLst/>
-                <a:latin typeface="Consolas" panose="020B0609020204030204" pitchFamily="49" charset="0"/>
-              </a:rPr>
-              <a:t>.</a:t>
-            </a:r>
-            <a:r>
-              <a:rPr lang="en-US" b="0" dirty="0">
-                <a:solidFill>
-                  <a:srgbClr val="795E26"/>
-                </a:solidFill>
-                <a:effectLst/>
-                <a:latin typeface="Consolas" panose="020B0609020204030204" pitchFamily="49" charset="0"/>
-              </a:rPr>
-              <a:t>reset</a:t>
-            </a:r>
-            <a:r>
-              <a:rPr lang="en-US" b="0" dirty="0">
-                <a:solidFill>
-                  <a:srgbClr val="000000"/>
-                </a:solidFill>
-                <a:effectLst/>
-                <a:latin typeface="Consolas" panose="020B0609020204030204" pitchFamily="49" charset="0"/>
-              </a:rPr>
-              <a:t>()</a:t>
-            </a:r>
-          </a:p>
-          <a:p>
-            <a:r>
-              <a:rPr lang="en-US" b="0" dirty="0">
-                <a:solidFill>
-                  <a:srgbClr val="000000"/>
-                </a:solidFill>
-                <a:effectLst/>
-                <a:latin typeface="Consolas" panose="020B0609020204030204" pitchFamily="49" charset="0"/>
-              </a:rPr>
-              <a:t>    </a:t>
-            </a:r>
-            <a:r>
-              <a:rPr lang="en-US" b="0" dirty="0">
-                <a:solidFill>
-                  <a:srgbClr val="795E26"/>
-                </a:solidFill>
-                <a:effectLst/>
-                <a:highlight>
-                  <a:srgbClr val="FFFF00"/>
-                </a:highlight>
-                <a:latin typeface="Consolas" panose="020B0609020204030204" pitchFamily="49" charset="0"/>
-              </a:rPr>
-              <a:t>expect</a:t>
-            </a:r>
-            <a:r>
-              <a:rPr lang="en-US" b="0" dirty="0">
-                <a:solidFill>
-                  <a:srgbClr val="000000"/>
-                </a:solidFill>
-                <a:effectLst/>
-                <a:highlight>
-                  <a:srgbClr val="FFFF00"/>
-                </a:highlight>
-                <a:latin typeface="Consolas" panose="020B0609020204030204" pitchFamily="49" charset="0"/>
-              </a:rPr>
-              <a:t>(</a:t>
-            </a:r>
-            <a:r>
-              <a:rPr lang="en-US" b="0" dirty="0">
-                <a:solidFill>
-                  <a:srgbClr val="0070C1"/>
-                </a:solidFill>
-                <a:effectLst/>
-                <a:highlight>
-                  <a:srgbClr val="FFFF00"/>
-                </a:highlight>
-                <a:latin typeface="Consolas" panose="020B0609020204030204" pitchFamily="49" charset="0"/>
-              </a:rPr>
-              <a:t>clock1</a:t>
-            </a:r>
-            <a:r>
-              <a:rPr lang="en-US" b="0" dirty="0">
-                <a:solidFill>
-                  <a:srgbClr val="000000"/>
-                </a:solidFill>
-                <a:effectLst/>
-                <a:highlight>
-                  <a:srgbClr val="FFFF00"/>
-                </a:highlight>
-                <a:latin typeface="Consolas" panose="020B0609020204030204" pitchFamily="49" charset="0"/>
-              </a:rPr>
-              <a:t>.</a:t>
-            </a:r>
-            <a:r>
-              <a:rPr lang="en-US" b="0" dirty="0">
-                <a:solidFill>
-                  <a:srgbClr val="795E26"/>
-                </a:solidFill>
-                <a:effectLst/>
-                <a:highlight>
-                  <a:srgbClr val="FFFF00"/>
-                </a:highlight>
-                <a:latin typeface="Consolas" panose="020B0609020204030204" pitchFamily="49" charset="0"/>
-              </a:rPr>
-              <a:t>getTime</a:t>
-            </a:r>
-            <a:r>
-              <a:rPr lang="en-US" b="0" dirty="0">
-                <a:solidFill>
-                  <a:srgbClr val="000000"/>
-                </a:solidFill>
-                <a:effectLst/>
-                <a:highlight>
-                  <a:srgbClr val="FFFF00"/>
-                </a:highlight>
-                <a:latin typeface="Consolas" panose="020B0609020204030204" pitchFamily="49" charset="0"/>
-              </a:rPr>
-              <a:t>()).</a:t>
-            </a:r>
-            <a:r>
-              <a:rPr lang="en-US" b="0" dirty="0" err="1">
-                <a:solidFill>
-                  <a:srgbClr val="795E26"/>
-                </a:solidFill>
-                <a:effectLst/>
-                <a:highlight>
-                  <a:srgbClr val="FFFF00"/>
-                </a:highlight>
-                <a:latin typeface="Consolas" panose="020B0609020204030204" pitchFamily="49" charset="0"/>
-              </a:rPr>
-              <a:t>toBe</a:t>
-            </a:r>
-            <a:r>
-              <a:rPr lang="en-US" b="0" dirty="0">
-                <a:solidFill>
-                  <a:srgbClr val="000000"/>
-                </a:solidFill>
-                <a:effectLst/>
-                <a:highlight>
-                  <a:srgbClr val="FFFF00"/>
-                </a:highlight>
-                <a:latin typeface="Consolas" panose="020B0609020204030204" pitchFamily="49" charset="0"/>
-              </a:rPr>
-              <a:t>(</a:t>
-            </a:r>
-            <a:r>
-              <a:rPr lang="en-US" b="0" dirty="0">
-                <a:solidFill>
-                  <a:srgbClr val="098658"/>
-                </a:solidFill>
-                <a:effectLst/>
-                <a:highlight>
-                  <a:srgbClr val="FFFF00"/>
-                </a:highlight>
-                <a:latin typeface="Consolas" panose="020B0609020204030204" pitchFamily="49" charset="0"/>
-              </a:rPr>
-              <a:t>0</a:t>
-            </a:r>
-            <a:r>
-              <a:rPr lang="en-US" b="0" dirty="0">
-                <a:solidFill>
-                  <a:srgbClr val="000000"/>
-                </a:solidFill>
-                <a:effectLst/>
-                <a:highlight>
-                  <a:srgbClr val="FFFF00"/>
-                </a:highlight>
-                <a:latin typeface="Consolas" panose="020B0609020204030204" pitchFamily="49" charset="0"/>
-              </a:rPr>
-              <a:t>)</a:t>
-            </a:r>
-          </a:p>
-          <a:p>
-            <a:r>
-              <a:rPr lang="en-US" b="0" dirty="0">
-                <a:solidFill>
-                  <a:srgbClr val="000000"/>
-                </a:solidFill>
-                <a:effectLst/>
-                <a:latin typeface="Consolas" panose="020B0609020204030204" pitchFamily="49" charset="0"/>
-              </a:rPr>
-              <a:t>    </a:t>
-            </a:r>
-            <a:r>
-              <a:rPr lang="en-US" b="0" dirty="0">
-                <a:solidFill>
-                  <a:srgbClr val="795E26"/>
-                </a:solidFill>
-                <a:effectLst/>
-                <a:highlight>
-                  <a:srgbClr val="FFFF00"/>
-                </a:highlight>
-                <a:latin typeface="Consolas" panose="020B0609020204030204" pitchFamily="49" charset="0"/>
-              </a:rPr>
-              <a:t>expect</a:t>
-            </a:r>
-            <a:r>
-              <a:rPr lang="en-US" b="0" dirty="0">
-                <a:solidFill>
-                  <a:srgbClr val="000000"/>
-                </a:solidFill>
-                <a:effectLst/>
-                <a:highlight>
-                  <a:srgbClr val="FFFF00"/>
-                </a:highlight>
-                <a:latin typeface="Consolas" panose="020B0609020204030204" pitchFamily="49" charset="0"/>
-              </a:rPr>
-              <a:t>(</a:t>
-            </a:r>
-            <a:r>
-              <a:rPr lang="en-US" b="0" dirty="0">
-                <a:solidFill>
-                  <a:srgbClr val="0070C1"/>
-                </a:solidFill>
-                <a:effectLst/>
-                <a:highlight>
-                  <a:srgbClr val="FFFF00"/>
-                </a:highlight>
-                <a:latin typeface="Consolas" panose="020B0609020204030204" pitchFamily="49" charset="0"/>
-              </a:rPr>
-              <a:t>clock2</a:t>
-            </a:r>
-            <a:r>
-              <a:rPr lang="en-US" b="0" dirty="0">
-                <a:solidFill>
-                  <a:srgbClr val="000000"/>
-                </a:solidFill>
-                <a:effectLst/>
-                <a:highlight>
-                  <a:srgbClr val="FFFF00"/>
-                </a:highlight>
-                <a:latin typeface="Consolas" panose="020B0609020204030204" pitchFamily="49" charset="0"/>
-              </a:rPr>
-              <a:t>.</a:t>
-            </a:r>
-            <a:r>
-              <a:rPr lang="en-US" b="0" dirty="0">
-                <a:solidFill>
-                  <a:srgbClr val="795E26"/>
-                </a:solidFill>
-                <a:effectLst/>
-                <a:highlight>
-                  <a:srgbClr val="FFFF00"/>
-                </a:highlight>
-                <a:latin typeface="Consolas" panose="020B0609020204030204" pitchFamily="49" charset="0"/>
-              </a:rPr>
-              <a:t>getTime</a:t>
-            </a:r>
-            <a:r>
-              <a:rPr lang="en-US" b="0" dirty="0">
-                <a:solidFill>
-                  <a:srgbClr val="000000"/>
-                </a:solidFill>
-                <a:effectLst/>
-                <a:highlight>
-                  <a:srgbClr val="FFFF00"/>
-                </a:highlight>
-                <a:latin typeface="Consolas" panose="020B0609020204030204" pitchFamily="49" charset="0"/>
-              </a:rPr>
-              <a:t>()).</a:t>
-            </a:r>
-            <a:r>
-              <a:rPr lang="en-US" b="0" dirty="0" err="1">
-                <a:solidFill>
-                  <a:srgbClr val="795E26"/>
-                </a:solidFill>
-                <a:effectLst/>
-                <a:highlight>
-                  <a:srgbClr val="FFFF00"/>
-                </a:highlight>
-                <a:latin typeface="Consolas" panose="020B0609020204030204" pitchFamily="49" charset="0"/>
-              </a:rPr>
-              <a:t>toBe</a:t>
-            </a:r>
-            <a:r>
-              <a:rPr lang="en-US" b="0" dirty="0">
-                <a:solidFill>
-                  <a:srgbClr val="000000"/>
-                </a:solidFill>
-                <a:effectLst/>
-                <a:highlight>
-                  <a:srgbClr val="FFFF00"/>
-                </a:highlight>
-                <a:latin typeface="Consolas" panose="020B0609020204030204" pitchFamily="49" charset="0"/>
-              </a:rPr>
-              <a:t>(</a:t>
-            </a:r>
-            <a:r>
-              <a:rPr lang="en-US" b="0" dirty="0">
-                <a:solidFill>
-                  <a:srgbClr val="098658"/>
-                </a:solidFill>
-                <a:effectLst/>
-                <a:highlight>
-                  <a:srgbClr val="FFFF00"/>
-                </a:highlight>
-                <a:latin typeface="Consolas" panose="020B0609020204030204" pitchFamily="49" charset="0"/>
-              </a:rPr>
-              <a:t>0</a:t>
-            </a:r>
-            <a:r>
-              <a:rPr lang="en-US" b="0" dirty="0">
-                <a:solidFill>
-                  <a:srgbClr val="000000"/>
-                </a:solidFill>
-                <a:effectLst/>
-                <a:highlight>
-                  <a:srgbClr val="FFFF00"/>
-                </a:highlight>
-                <a:latin typeface="Consolas" panose="020B0609020204030204" pitchFamily="49" charset="0"/>
-              </a:rPr>
-              <a:t>)</a:t>
-            </a:r>
-          </a:p>
-          <a:p>
-            <a:br>
-              <a:rPr lang="en-US" b="0" dirty="0">
-                <a:solidFill>
-                  <a:srgbClr val="000000"/>
-                </a:solidFill>
-                <a:effectLst/>
-                <a:latin typeface="Consolas" panose="020B0609020204030204" pitchFamily="49" charset="0"/>
-              </a:rPr>
-            </a:br>
-            <a:r>
-              <a:rPr lang="en-US" b="0" dirty="0">
-                <a:solidFill>
-                  <a:srgbClr val="000000"/>
-                </a:solidFill>
-                <a:effectLst/>
-                <a:latin typeface="Consolas" panose="020B0609020204030204" pitchFamily="49" charset="0"/>
-              </a:rPr>
-              <a:t>})</a:t>
-            </a:r>
-          </a:p>
-        </p:txBody>
-      </p:sp>
-    </p:spTree>
-    <p:extLst>
-      <p:ext uri="{BB962C8B-B14F-4D97-AF65-F5344CB8AC3E}">
-        <p14:creationId xmlns:p14="http://schemas.microsoft.com/office/powerpoint/2010/main" val="2973755816"/>
-      </p:ext>
-    </p:extLst>
-  </p:cSld>
-  <p:clrMapOvr>
-    <a:masterClrMapping/>
-  </p:clrMapOvr>
-</p:sld>
-</file>
-
 <file path=ppt/slides/slide28.xml><?xml version="1.0" encoding="utf-8"?>
 <p:sld xmlns:a="http://schemas.openxmlformats.org/drawingml/2006/main" xmlns:r="http://schemas.openxmlformats.org/officeDocument/2006/relationships" xmlns:p="http://schemas.openxmlformats.org/presentationml/2006/main">
   <p:cSld>
@@ -27073,7 +26936,7 @@
             </a:pPr>
             <a:r>
               <a:rPr lang="en-US" sz="3600" dirty="0"/>
-              <a:t>It also sends my object an update message when it registers, so my object will always have the latest time.</a:t>
+              <a:t>The master clock also sends my object an update message when it registers, so my object will always have the latest time.</a:t>
             </a:r>
           </a:p>
           <a:p>

--- a/Slides/Lesson 2.3 The Interaction Scale.pptx
+++ b/Slides/Lesson 2.3 The Interaction Scale.pptx
@@ -298,7 +298,7 @@
           <a:p>
             <a:fld id="{7C7E5181-6CF5-45F7-A87A-E0E0B1FD7549}" type="datetimeFigureOut">
               <a:rPr lang="en-US" smtClean="0"/>
-              <a:t>1/26/2022</a:t>
+              <a:t>2/14/2022</a:t>
             </a:fld>
             <a:endParaRPr lang="en-US"/>
           </a:p>
@@ -4403,7 +4403,7 @@
           <a:p>
             <a:fld id="{5D2A64DE-480B-420F-9649-4F8E696E08E0}" type="datetime1">
               <a:rPr lang="en-US" smtClean="0"/>
-              <a:t>1/26/2022</a:t>
+              <a:t>2/14/2022</a:t>
             </a:fld>
             <a:endParaRPr lang="en-US"/>
           </a:p>
@@ -4727,7 +4727,7 @@
           <a:p>
             <a:fld id="{EA476A42-A091-4468-A075-64A31BE59948}" type="datetime1">
               <a:rPr lang="en-US" smtClean="0"/>
-              <a:t>1/26/2022</a:t>
+              <a:t>2/14/2022</a:t>
             </a:fld>
             <a:endParaRPr lang="en-US"/>
           </a:p>
@@ -4925,7 +4925,7 @@
           <a:p>
             <a:fld id="{0D3616D0-8311-4107-9726-6B805E7D05BA}" type="datetime1">
               <a:rPr lang="en-US" smtClean="0"/>
-              <a:t>1/26/2022</a:t>
+              <a:t>2/14/2022</a:t>
             </a:fld>
             <a:endParaRPr lang="en-US"/>
           </a:p>
@@ -5133,7 +5133,7 @@
           <a:p>
             <a:fld id="{3BC2557A-5C88-417A-A763-5AC779462A5F}" type="datetime1">
               <a:rPr lang="en-US" smtClean="0"/>
-              <a:t>1/26/2022</a:t>
+              <a:t>2/14/2022</a:t>
             </a:fld>
             <a:endParaRPr lang="en-US"/>
           </a:p>
@@ -5657,7 +5657,7 @@
           <a:p>
             <a:fld id="{07C7BFD4-467E-4EDE-93EA-052F5B39A4E5}" type="datetime1">
               <a:rPr lang="en-US" smtClean="0"/>
-              <a:t>1/26/2022</a:t>
+              <a:t>2/14/2022</a:t>
             </a:fld>
             <a:endParaRPr lang="en-US"/>
           </a:p>
@@ -5907,7 +5907,7 @@
           <a:p>
             <a:fld id="{07C7BFD4-467E-4EDE-93EA-052F5B39A4E5}" type="datetime1">
               <a:rPr lang="en-US" smtClean="0"/>
-              <a:t>1/26/2022</a:t>
+              <a:t>2/14/2022</a:t>
             </a:fld>
             <a:endParaRPr lang="en-US"/>
           </a:p>
@@ -6089,7 +6089,7 @@
           <a:p>
             <a:fld id="{109E55A0-C911-4F03-82FC-7E5926047D46}" type="datetime1">
               <a:rPr lang="en-US" smtClean="0"/>
-              <a:t>1/26/2022</a:t>
+              <a:t>2/14/2022</a:t>
             </a:fld>
             <a:endParaRPr lang="en-US"/>
           </a:p>
@@ -6402,7 +6402,7 @@
           <a:p>
             <a:fld id="{A533CBE2-D5BE-47AC-ADC2-9CDFC1D0CF90}" type="datetime1">
               <a:rPr lang="en-US" smtClean="0"/>
-              <a:t>1/26/2022</a:t>
+              <a:t>2/14/2022</a:t>
             </a:fld>
             <a:endParaRPr lang="en-US"/>
           </a:p>
@@ -6703,7 +6703,7 @@
           <a:p>
             <a:fld id="{39B7EDB1-CE74-4951-85A2-0B01C2128E28}" type="datetime1">
               <a:rPr lang="en-US" smtClean="0"/>
-              <a:t>1/26/2022</a:t>
+              <a:t>2/14/2022</a:t>
             </a:fld>
             <a:endParaRPr lang="en-US"/>
           </a:p>
@@ -7151,7 +7151,7 @@
           <a:p>
             <a:fld id="{2BC7EB92-A5C2-4807-A9DC-9EDE6CBFB241}" type="datetime1">
               <a:rPr lang="en-US" smtClean="0"/>
-              <a:t>1/26/2022</a:t>
+              <a:t>2/14/2022</a:t>
             </a:fld>
             <a:endParaRPr lang="en-US"/>
           </a:p>
@@ -7264,7 +7264,7 @@
           <a:p>
             <a:fld id="{2B7B7EE0-7771-4CD5-9B2B-3550753A54A1}" type="datetime1">
               <a:rPr lang="en-US" smtClean="0"/>
-              <a:t>1/26/2022</a:t>
+              <a:t>2/14/2022</a:t>
             </a:fld>
             <a:endParaRPr lang="en-US"/>
           </a:p>
@@ -7575,7 +7575,7 @@
           <a:p>
             <a:fld id="{F8B318B3-0E87-4416-A9B8-D891968C2727}" type="datetime1">
               <a:rPr lang="en-US" smtClean="0"/>
-              <a:t>1/26/2022</a:t>
+              <a:t>2/14/2022</a:t>
             </a:fld>
             <a:endParaRPr lang="en-US"/>
           </a:p>
@@ -7816,7 +7816,7 @@
           <a:p>
             <a:fld id="{54D997E8-DDEE-43F1-8D9B-F8A1E11DE488}" type="datetime1">
               <a:rPr lang="en-US" smtClean="0"/>
-              <a:t>1/26/2022</a:t>
+              <a:t>2/14/2022</a:t>
             </a:fld>
             <a:endParaRPr lang="en-US"/>
           </a:p>
@@ -8261,10 +8261,16 @@
           <a:lstStyle/>
           <a:p>
             <a:r>
+              <a:rPr lang="en-US" altLang="en-US" sz="3200">
+                <a:sym typeface="Helvetica Neue" charset="0"/>
+              </a:rPr>
+              <a:t>CS 4530</a:t>
+            </a:r>
+            <a:r>
               <a:rPr lang="en-US" altLang="en-US" sz="3200" dirty="0">
                 <a:sym typeface="Helvetica Neue" charset="0"/>
               </a:rPr>
-              <a:t>CS 4350: Fundamentals of Software Engineering</a:t>
+              <a:t>: Fundamentals of Software Engineering</a:t>
             </a:r>
             <a:br>
               <a:rPr lang="en-US" altLang="en-US" sz="3200" dirty="0">
